--- a/Documents/05-Lighting1(Lambertian).pptx
+++ b/Documents/05-Lighting1(Lambertian).pptx
@@ -13,8 +13,9 @@
     <p:sldId id="284" r:id="rId7"/>
     <p:sldId id="289" r:id="rId8"/>
     <p:sldId id="290" r:id="rId9"/>
-    <p:sldId id="283" r:id="rId10"/>
-    <p:sldId id="288" r:id="rId11"/>
+    <p:sldId id="291" r:id="rId10"/>
+    <p:sldId id="283" r:id="rId11"/>
+    <p:sldId id="288" r:id="rId12"/>
   </p:sldIdLst>
   <p:sldSz cx="12192000" cy="6858000"/>
   <p:notesSz cx="6858000" cy="9144000"/>
@@ -149,7 +150,35 @@
       <inkml:brushProperty name="scaleFactor" value="0.5"/>
     </inkml:brush>
   </inkml:definitions>
-  <inkml:trace contextRef="#ctx0" brushRef="#br0">0 1 24575,'0'0'0,"3"0"0,2 3 0,3 1 0,-1 4 0,-1 3 0,2-1 0,3 2 0,3-1 0,-2 0 0,-3 2 0,2-1 0,-3 0 0,6 2 0,-2 1 0,2-2 0,-3 1 0,1 0 0,2 2 0,1-3 0,-2 1 0,1 1 0,0 0 0,-2 2 0,1-3 0,-3 1 0,1 0 0,2 0 0,2 2 0,1 1 0,1 0 0,1 1 0,-3 0 0,1 0 0,-1 0 0,1-3 0,-3 3 0,1-4 0,0 1 0,2-4 0,-3 0 0,0 2 0,2 1 0,1 1 0,0 1 0,2 1 0,-3 1 0,-1-4 0,2 4 0,-1-3 0,-1 0 0,-1 0 0,6 1 0,0 0 0,2 1 0,-4 0 0,3-3 0,-3 4 0,-1-4 0,1 5 0,0-4 0,-4 1 0,1 0 0,-3 0 0,4 1 0,2-4 0,1 4 0,5 5 0,1 4 0,-1-3 0,0 3 0,2-2 0,-4-1 0,3-1 0,-1-2 0,-1-1 0,-1 3 0,-1-4 0,0 0 0,-4-1 0,-1 3 0,4-3 0,-4 4 0,2 0 0,-1 0 0,2-1 0,-1-1 0,1 0 0,1 3 0,0-3 0,0 2 0,4 1 0,-4-2 0,0 1 0,-1-2 0,0-4 0,1 4 0,-1-1 0,0 0 0,1 1 0,-4 0 0,4-1 0,-4 0 0,1-3 0,0 3 0,0-4 0,-2 1 0,0 0 0,1 0 0,0 5 0,2-3 0,0 1 0,2-1 0,-1 3 0,1 2 0,0-1 0,1 0 0,-1-1 0,0-1 0,0 0 0,0-4 0,-4-1 0,0 0 0,0 0 0,-3 2 0,1 0 0,1 1 0,1-3 0,-3 4 0,2-4 0,-4 1 0,2 0 0,1 1 0,-2 0 0,1-2 0,1 3 0,2-3 0,-2 1 0,1 0 0,-3 0 0,4 2 0,-1 0 0,-4 0 0,6 1 0,-4 0 0,3-3 0,0-1 0,-3 0 0,2-3 0,-4 1 0,2 4 0,0-2 0,-1 2 0,1-1 0,-2 2 0,1-4 0,2 4 0,1 1 0,-1 1 0,0 0 0,-2 0 0,1-4 0,1 3 0,1 0 0,-1 1 0,0 0 0,2 0 0,-3-1 0,1 1 0,-3-1 0,1-4 0,2 4 0,-3 0 0,3-3 0,0 4 0,2-1 0,-2 2 0,5-1 0,-4 0 0,-2 0 0,0-1 0,1-3 0,-2-1 0,1 0 0,-2 1 0,0-3 0,-1 0 0,2 1 0,1 2 0,-2 0 0,3 2 0,0 0 0,-1 1 0,0-4 0,-1 0 0,0 1 0,-2 0 0,2-3 0,-3 4 0,2-2 0,-1 0 0,1-3 0,-2 1 0,3 1 0,-3 1 0,3-3 0,-3 1 0,3-2 0,-3 1 0,3 1 0,-3 1 0,-1 2 0,1-2 0,-1 0 0,2-3 0,-1 1 0,2-2 0,-2 0 0,-1 3 0,1 1 0,-1 2 0,2-3 0,-1 2 0,-2 0 0,-2 1 0,3-3 0,-2 1 0,3-3 0,-1 0 0,-1 2 0,2-2 0,-1 1 0,-2 1 0,3 3 0,-2 0 0,3 2 0,-1 0 0,2-3 0,-2 1 0,-1-1 0,1 1 0,-1 1 0,2-3 0,-1 0 0,-2 1 0,-2 1 0,3-3 0,-2 0 0,0 2 0,2 0 0,3-2 0,-1 1 0,-2 1 0,3-4 0,-3 2 0,-1 1 0,2 1 0,-2 1 0,3-2 0,-1 1 0,-2 0 0,2 1 0,-2 1 0,4-3 0,-3 0 0,0 1 0,-3 1 0,3-3 0,-2 1 0,-1 0 0,3-2 0,3 1 0,-1 0 0,-1 2 0,1-2 0,-1 1 0,-2 4 0,1-2 0,0 1 0,2 0 0,2-3 0,-1 0 0,-2 0 0,2 2 0,-2 0 0,2-2 0,-2 0 0,-2 1 0,2-3 0,-2 1 0,3-3 0,-1 1 0,-2 2 0,2-3 0,-1 3 0,2 0 0,-1 2 0,2-2 0,-2 1 0,3 1 0,1 0 0,2 2 0,3-3 0,-3 1 0,0-4 0,-2 1 0,0-3 0,1 1 0,2-1 0,1-3 0,1-1 0,-2 1 0,-1-1 0,2-1 0,-4 3 0,1-1 0,-3 3 0,1-2 0,2 0 0,1-3 0,-2 3 0,2-2 0,-4 4 0,-5-2 0,-8 6 0,-2 3 0,-4-1 0,-4-4 0,1 2 0,-1-4 0,2 1 0,-2-1 0,4 1 0,-2 2 0,2 2 0,-2-2 0,-1-2 0,2 0 0,-2-1 0,2 0 0,2 3 0,-1-2 0,2 2 0,-2-2 0,-2 1 0,-3-2 0,2 2 0,3 1 0,-2-1 0,3 1 0,-2-2 0,-2 1 0,-2 2 0,2 1 0,-1-1 0,2 0 0,-1-2 0,-1 1 0,-2 1 0,3 2 0,-2-3 0,4 2 0,-2-4 0,-1 2 0,-2 1 0,3 1 0,-9 6 0,-1-2 0,2 0 0,4 0 0,2-3 0,3-1 0,0-3 0,-1 1 0,2 1 0,-2-3 0,3 2 0,-2-2 0,2 1 0,-1-3 0,-2-1 0,1 2 0,-1-3 0,2 3 0,-1-1 0,2 2 0,-2-2 0,3 2 0,-3-2 0,-1-1 0,2 1 0,-3-1 0,3 2 0,-1-1 0,2 2 0,-2 2 0,-1-1 0,1 1 0,-1-2 0,3 1 0,-3-2 0,3 2 0,-1 2 0,-3-3 0,3 2 0,-2-2 0,2 2 0,-2-3 0,3 1 0,-1 2 0,-3-1 0,-1-3 0,2 2 0,-2-2 0,3 1 0,-1-1 0,-1-2 0,2 2 0,-1-1 0,2 2 0,-1-2 0,3 3 0,-3-1 0,-5 5 0,-2 2 0,-2-1 0,3 0 0,0-2 0,4-1 0,0-2 0,0-2 0,2 0 0,3 3 0,-2-3 0,3 3 0,-2-1 0,-3-3 0,3 1 0,-3-1 0,2 2 0,-1-1 0,2 2 0,-2-2 0,2 3 0,-1-3 0,1 3 0,-1-3 0,1 3 0,-1-3 0,2 3 0,-3-3 0,3 3 0,-3-2 0,3 1 0,-3-2 0,3 3 0,-3-3 0,3 3 0,1 1 0,-1-2 0,-3-1 0,2 1 0,-2-3 0,1 3 0,-1-2 0,2 2 0,2 2 0,-1-2 0,-3-1 0,2 0 0,-2-1 0,2 2 0,-3 1 0,3 3 0,-1-1 0,1 0 0,-1-2 0,-3-3 0,3 1 0,1 2 0,0-2 0,1 2 0,-2-1 0,2 0 0,2 3 0,-2-2 0,2 1 0,1 2 0,-3-2 0,-2-3 0,1 1 0,2 1 0,-2-1 0,1 1 0,2 2 0,-2-1 0,2-4 0</inkml:trace>
+  <inkml:trace contextRef="#ctx0" brushRef="#br0">0 1 24575,'0'0'0,"2"0"0,2 2 0,1 1 0,0 3 0,0 1 0,0 0 0,3 2 0,2-1 0,-1-1 0,-3 3 0,2-2 0,-3 1 0,5 0 0,-1 2 0,1-2 0,-2 1 0,0 0 0,2 1 0,1-2 0,-2 1 0,1 1 0,0 0 0,-2 1 0,2-3 0,-3 2 0,0 0 0,3-1 0,0 2 0,2 1 0,0 0 0,1 0 0,-3 0 0,2 1 0,-2-1 0,2-1 0,-3 1 0,1-2 0,0 0 0,1-3 0,-2 1 0,0 1 0,2 0 0,0 2 0,1 0 0,1 0 0,-3 2 0,0-4 0,1 4 0,0-3 0,-1 0 0,-1 1 0,5 0 0,-1 0 0,2 0 0,-3 1 0,2-2 0,-2 2 0,0-2 0,0 3 0,0-3 0,-3 1 0,1 0 0,-2 0 0,3 1 0,1-3 0,0 2 0,5 5 0,0 2 0,-1-2 0,0 2 0,2-2 0,-3 0 0,2-1 0,-1-1 0,0-1 0,-1 3 0,-1-4 0,0 1 0,-2-2 0,-2 3 0,4-2 0,-4 2 0,3 1 0,-2-1 0,2 0 0,-1-1 0,1 0 0,0 3 0,0-3 0,1 1 0,2 2 0,-2-3 0,-1 2 0,0-2 0,0-3 0,0 3 0,0 0 0,0-1 0,0 1 0,-2 1 0,2-2 0,-2 0 0,0-1 0,1 1 0,-1-2 0,-1 0 0,0 0 0,1 1 0,-1 2 0,2-1 0,0 1 0,2-2 0,-1 3 0,0 1 0,1 0 0,0-1 0,-1 0 0,1-1 0,-1 0 0,1-2 0,-4-2 0,1 1 0,0-1 0,-3 2 0,2 0 0,-1 1 0,2-2 0,-2 2 0,1-2 0,-3 0 0,1 0 0,1 1 0,-1 0 0,1-1 0,0 2 0,2-3 0,-2 2 0,1-1 0,-2 0 0,2 2 0,0 0 0,-3-1 0,5 2 0,-4-1 0,3-2 0,-1 0 0,-1 0 0,1-3 0,-3 1 0,1 3 0,1-1 0,-1 1 0,0-1 0,-1 2 0,1-3 0,1 2 0,1 2 0,0 0 0,-1 0 0,-1 0 0,0-2 0,1 1 0,1 0 0,0 1 0,-1 1 0,1-1 0,-1-1 0,0 1 0,-2 0 0,1-4 0,1 4 0,-2-1 0,3-2 0,-1 4 0,1-2 0,0 2 0,2-1 0,-2 0 0,-1 0 0,-1 0 0,2-3 0,-3-1 0,2 1 0,-2 0 0,0-2 0,0 1 0,0 0 0,2 1 0,-2 0 0,2 2 0,0 0 0,0 0 0,-1-2 0,0-1 0,0 1 0,-2 1 0,2-3 0,-2 3 0,1-1 0,-1-1 0,2-1 0,-3 0 0,3 1 0,-2 0 0,2-1 0,-3 0 0,3-1 0,-2 0 0,2 1 0,-3 1 0,0 2 0,1-3 0,-1 1 0,1-2 0,0 1 0,1-2 0,-1 0 0,-1 2 0,0 1 0,0 1 0,2-2 0,-2 2 0,0-1 0,-3 2 0,3-3 0,-1 1 0,2-3 0,-1 1 0,-1 1 0,2-1 0,-2 1 0,0 0 0,2 2 0,-2 0 0,2 2 0,0 0 0,1-3 0,-1 2 0,-1-2 0,0 2 0,0 0 0,2-2 0,-2-1 0,0 2 0,-2 0 0,2-2 0,-2 1 0,1 0 0,1 1 0,2-2 0,-1 1 0,-1 0 0,2-2 0,-2 1 0,-1 1 0,2 1 0,-2 0 0,3-1 0,-2 1 0,0-1 0,0 2 0,0 0 0,2-3 0,-2 1 0,0 1 0,-3 0 0,3-2 0,-1 1 0,-1 0 0,2-1 0,2 0 0,-1 0 0,0 2 0,0-2 0,0 1 0,-2 2 0,1 0 0,0 0 0,2 0 0,0-2 0,0-1 0,-1 1 0,1 2 0,-1-1 0,1-1 0,-1 0 0,-2 0 0,2-1 0,-2 0 0,2-2 0,0 1 0,-2 1 0,2-2 0,-1 2 0,1 0 0,0 2 0,1-2 0,-1 1 0,2 1 0,0-1 0,2 2 0,2-2 0,-2 1 0,0-4 0,-2 2 0,1-3 0,0 1 0,2 0 0,0-3 0,1-1 0,-1 2 0,-1-2 0,1 0 0,-2 2 0,0-1 0,-2 3 0,1-2 0,1-1 0,1-1 0,-1 2 0,0-1 0,-1 2 0,-5-1 0,-5 4 0,-2 3 0,-2-2 0,-3-2 0,0 1 0,0-3 0,1 1 0,-1 0 0,3 0 0,-2 1 0,1 2 0,0-1 0,-2-2 0,2 0 0,-1-1 0,0 1 0,3 1 0,-2-1 0,2 2 0,-1-2 0,-2 0 0,-2 0 0,2 1 0,1 0 0,0 0 0,1 0 0,-1-1 0,-2 1 0,-1 1 0,2 1 0,-1-1 0,1 0 0,-1-1 0,0 1 0,-2 0 0,3 1 0,-2-1 0,3 1 0,-2-3 0,0 1 0,-2 2 0,3-1 0,-7 6 0,-1-3 0,2 1 0,3 0 0,1-3 0,2 0 0,0-2 0,0 0 0,1 2 0,-2-3 0,3 1 0,-2-1 0,2 1 0,-2-2 0,0-1 0,0 1 0,0-2 0,1 2 0,-1 0 0,1 1 0,0-1 0,1 1 0,-2-1 0,0-2 0,0 2 0,-1-1 0,2 1 0,-1 0 0,2 1 0,-2 2 0,0-2 0,0 2 0,-1-2 0,3 1 0,-3-2 0,3 2 0,-1 1 0,-2-2 0,2 2 0,-2-2 0,2 1 0,-2-2 0,3 1 0,-1 2 0,-2-1 0,-1-3 0,1 2 0,-1-1 0,3 0 0,-2 0 0,0-2 0,1 2 0,-1-1 0,2 1 0,0-1 0,1 2 0,-2 0 0,-3 2 0,-2 3 0,-1-2 0,2 1 0,0-2 0,2 0 0,1-2 0,0-2 0,1 1 0,2 2 0,-1-3 0,2 3 0,-1-1 0,-3-2 0,3 1 0,-2-1 0,0 1 0,1 0 0,0 1 0,-1-2 0,2 3 0,-1-2 0,1 2 0,-1-3 0,0 3 0,0-2 0,1 1 0,-1-1 0,1 2 0,-2-2 0,2 1 0,-1-1 0,1 2 0,-2-3 0,2 3 0,1 1 0,0-2 0,-3-1 0,2 1 0,-2-2 0,1 2 0,-1-1 0,1 1 0,3 1 0,-2-1 0,-2 0 0,2-1 0,-2 0 0,1 1 0,-1 1 0,2 1 0,-2 1 0,2-1 0,-1-1 0,-2-3 0,2 2 0,0 0 0,1 0 0,0 0 0,-1 0 0,1 1 0,2 1 0,-2-2 0,2 2 0,1 1 0,-3-2 0,-1-1 0,0 0 0,3 0 0,-3 1 0,1-1 0,2 2 0,-1 0 0,0-3 0</inkml:trace>
+</inkml:ink>
+</file>
+
+<file path=ppt/ink/ink10.xml><?xml version="1.0" encoding="utf-8"?>
+<inkml:ink xmlns:inkml="http://www.w3.org/2003/InkML">
+  <inkml:definitions>
+    <inkml:context xml:id="ctx0">
+      <inkml:inkSource xml:id="inkSrc0">
+        <inkml:traceFormat>
+          <inkml:channel name="X" type="integer" min="-2.14748E9" max="2.14748E9" units="cm"/>
+          <inkml:channel name="Y" type="integer" min="-2.14748E9" max="2.14748E9" units="cm"/>
+        </inkml:traceFormat>
+        <inkml:channelProperties>
+          <inkml:channelProperty channel="X" name="resolution" value="1000" units="1/cm"/>
+          <inkml:channelProperty channel="Y" name="resolution" value="1000" units="1/cm"/>
+        </inkml:channelProperties>
+      </inkml:inkSource>
+      <inkml:timestamp xml:id="ts0" timeString="2025-09-14T16:22:53.316"/>
+    </inkml:context>
+    <inkml:brush xml:id="br0">
+      <inkml:brushProperty name="width" value="0.05" units="cm"/>
+      <inkml:brushProperty name="height" value="0.3" units="cm"/>
+      <inkml:brushProperty name="color" value="#849398"/>
+      <inkml:brushProperty name="ignorePressure" value="1"/>
+      <inkml:brushProperty name="inkEffects" value="pencil"/>
+    </inkml:brush>
+  </inkml:definitions>
+  <inkml:trace contextRef="#ctx0" brushRef="#br0">0 1001,'0'-4,"0"-4,4-1,1-2,3 0,0-1,2 1,0 0,1 1,-1-1,1-2,-1-3,-2-1,0 2,3 3,0 0,1 3,-2-1,1-2,3-3,-2-2,1-1,2 1,1 1,2 3,-3 1,1 1,-4 1,1 0,-3 0,-2-3,0 2,-1-2,2 2,3 3,-1-1,1 1,-1-1,1-3,-2-3,1 2,-1-2,-3 0,2 1,2 4,-1-1,-1-1,0 2,-1-2,2 1,-1 0,-3-2,3 1,-2-1,3 2,-2-1,-1-1,-3-3,-1-1,-1-2,-2-1,4 3,4 5,0 0,0-1,-2-1,1 1,0-1,-2-1,3 2,-1 0,2 2,-1-1,-1-1,-3-3,-1-1,3 1,-1 1,-1 3</inkml:trace>
 </inkml:ink>
 </file>
 
@@ -181,7 +210,7 @@
       <inkml:brushProperty name="scaleFactor" value="0.5"/>
     </inkml:brush>
   </inkml:definitions>
-  <inkml:trace contextRef="#ctx0" brushRef="#br0">78 0 24575,'0'0'0,"-4"3"0,0 6 0,0 2 0,-3 0 0,1 2 0,0 2 0,2 1 0,2 1 0,-4-2 0,2 0 0,0 0 0,1 1 0,0 1 0,-2-3 0,1 0 0,0 1 0,1 1 0,1 1 0,1 1 0,0 0 0,1 1 0,4-4 0,0 0 0,3-4 0,4-2 0,4-4 0,1 1 0,2 0 0,1-2 0,0-2 0,1 0 0,-5 3 0,1-1 0,-1 0 0,1-1 0,1-1 0,-3 3 0,0-1 0,1 1 0,-3-2 0</inkml:trace>
+  <inkml:trace contextRef="#ctx0" brushRef="#br0">56 0 24575,'0'0'0,"-3"2"0,0 4 0,0 2 0,-2 0 0,1 1 0,0 2 0,1 0 0,1 1 0,-2-1 0,1-1 0,0 1 0,1 0 0,0 1 0,-1-2 0,0 0 0,0 1 0,1 0 0,0 1 0,2 1 0,-1-1 0,1 2 0,3-4 0,0 1 0,2-3 0,2-2 0,4-3 0,0 2 0,2-1 0,1-1 0,-1-2 0,1 1 0,-3 1 0,0 0 0,0 0 0,0-1 0,1-1 0,-2 3 0,0-1 0,1 0 0,-3-1 0</inkml:trace>
 </inkml:ink>
 </file>
 
@@ -213,7 +242,7 @@
       <inkml:brushProperty name="scaleFactor" value="0.5"/>
     </inkml:brush>
   </inkml:definitions>
-  <inkml:trace contextRef="#ctx0" brushRef="#br0">3614 0 24575,'0'0'0,"-3"0"0,-1 4 0,-4 4 0,1 3 0,-3 0 0,1 2 0,-1-2 0,1 2 0,-2-4 0,2 3 0,2 0 0,-1-1 0,1 1 0,-2-2 0,-3 1 0,2 2 0,-2-3 0,3 3 0,-3-4 0,3 3 0,-2 0 0,-1-1 0,1 2 0,-1-4 0,2 3 0,3 0 0,-2-1 0,2 2 0,-2 0 0,-2 2 0,-3 2 0,2 0 0,-2-2 0,3 0 0,-1 1 0,-1-4 0,2 1 0,-1 1 0,-2 1 0,3 1 0,-2 2 0,3 0 0,-5-3 0,2 0 0,3 1 0,-2-4 0,3 1 0,-1-3 0,-2 1 0,2 1 0,-2 3 0,-2 1 0,3 1 0,-2-3 0,-1 1 0,2 1 0,0 0 0,-2 1 0,-1-3 0,2 0 0,3 1 0,-1-3 0,3 1 0,2 1 0,-1-3 0,1 2 0,-3 0 0,-2 2 0,1 2 0,-2-3 0,2 0 0,-1 1 0,-2 1 0,-2 1 0,2 1 0,0 0 0,-2 1 0,3 0 0,-1 0 0,-1 0 0,3 0 0,-2-3 0,3 3 0,-1-4 0,2 1 0,-1 0 0,-3-3 0,3 4 0,-2-3 0,2 1 0,-1 1 0,-2 0 0,2 2 0,-1-4 0,2 1 0,2 0 0,0 1 0,-3 0 0,-2 2 0,-2 0 0,2 1 0,-2 0 0,1 4 0,-2 0 0,2 0 0,0-4 0,3-2 0,0 0 0,-2-1 0,2 1 0,2 1 0,0-4 0,2 1 0,-3-4 0,2 4 0,-1 2 0,-3-3 0,1 2 0,-1 3 0,2 1 0,-1 1 0,-2 1 0,-2-2 0,3 1 0,-2-1 0,0-1 0,-2 0 0,3 0 0,-1 0 0,3 0 0,3 0 0,-1-4 0,-2 0 0,-2 0 0,2 1 0,2 0 0,-1-2 0,2 0 0,-2-3 0,2 1 0,-2 1 0,2 1 0,-2 2 0,1 2 0,-1 0 0,-2 1 0,-3-4 0,3 4 0,-2 0 0,3 1 0,-1 0 0,3 0 0,-2-4 0,3 0 0,1-1 0,-1-3 0,-2 1 0,1 1 0,1 0 0,-1-1 0,2 0 0,1 2 0,-2-3 0,2 0 0,1 2 0,-3-2 0,-2 0 0,1 2 0,-2 1 0,2 2 0,1 1 0,-1-4 0,2 1 0,2 0 0,-3 1 0,-2-2 0,1-1 0,2 2 0,-2 0 0,1 2 0,-1-3 0,1 0 0,1 1 0,-1-3 0,1 1 0,-2-3 0,2 2 0,-3-4 0,1 3 0,-1 1 0,1 2 0,3 2 0,-3-3 0,2 2 0,-2 0 0,2 1 0,-3-3 0,2 1 0,-3-3 0,3 5 0,-3-3 0,-1 1 0,1 1 0,-1 2 0,2 0 0,-1 1 0,-2 5 0,-2-4 0,3 0 0,-2-1 0,3 1 0,-1-1 0,3 0 0,-2-3 0,3 0 0,-2 0 0,1 1 0,-1-3 0,2 0 0,-3 1 0,3 2 0,1 0 0,-1-2 0,1 1 0,-2-4 0,2 1 0,0 1 0,-1-3 0,2 3 0,0 0 0,-1-2 0,1 2 0,0 1 0,-1-3 0,1 2 0,-3-3 0,1 1 0,-2 2 0,2 1 0,1 2 0,-1 2 0,1 0 0,-2 1 0,-3-3 0,2-1 0,2 1 0,-2-4 0,-1 5 0,-10 15 0,-3 3 0,3 0 0,0-3 0,2-3 0,3-3 0,2-7 0,3-3 0,-1 0 0,3-1 0,-1-3 0,2 1 0,-2-3 0,2 1 0,-2 1 0,2 3 0,-2-3 0,1 1 0,-1-2 0,1 1 0,3 1 0,1 1 0,-2-1 0,-2 0 0,1 2 0,1 0 0,-2-2 0,2 1 0,-3 1 0,2 1 0,-2 0 0,-2 2 0,1 0 0,-1-3 0,2 0 0,-2 1 0,3 0 0,-1-3 0,1 1 0,-1-4 0,1 2 0,-1 1 0,2 1 0,-3-2 0,3 1 0,-3-2 0,3 1 0,-3 1 0,-1 1 0,1 2 0,-1 2 0,-2-4 0,3 1 0,-2 1 0,3 0 0,2 1 0,-1-3 0,2 0 0,-2-3 0,-2 1 0,1 1 0,2 1 0,-1-1 0,1 0 0,-2 1 0,3 2 0,-3 1 0,1 0 0,-1-2 0,1 0 0,-1 0 0,1 1 0,-1 1 0,1 1 0,-1-4 0,1 1 0,3 0 0,-3-3 0,2 1 0,2 1 0,-2-3 0,1 2 0,1 0 0,-3-1 0,2 0 0,-3 2 0,-2-2 0,1 0 0,1 2 0,0-2 0,1 0 0,2 2 0,-2-2 0,2 0 0,-3-2 0,-2 1 0,1 2 0,-2-2 0,2 1 0,-2-2 0,3 1 0,2 2 0,-2-2 0,-1 1 0,1 1 0,-3-1 0,3 1 0,-2-3 0,2 1 0,-2-2 0,3 2 0,1 1 0,6-2 0,6-2 0,1 2 0,5-2 0,2-3 0,-1 3 0,2-2 0,-3 3 0,1-1 0,-3 1 0,2 0 0,2 1 0,1-1 0,-1 1 0,0-1 0,-2 1 0,1-1 0,1-2 0,-3 1 0,3-1 0,-4 2 0,2-1 0,2-2 0,-2 2 0,1-2 0,-2 4 0,1-3 0,-2 3 0,2-1 0,1-3 0,-1 3 0,1-3 0,-2 3 0,1-1 0,-2 2 0,2-2 0,-3 3 0,3-3 0,1 3 0,2-3 0,-2 3 0,2-2 0,0 1 0,2-1 0,-3 1 0,1-1 0,-3 1 0,1-1 0,1-3 0,-2 3 0,1-3 0,2 0 0,-3 1 0,-2 3 0,1-1 0,1-2 0,2 2 0,3-1 0,-3 1 0,1-1 0,1-1 0,1 1 0,-3 2 0,1 0 0,1-3 0,-3 2 0,0-1 0,2-2 0,-2 2 0,0-2 0,2 3 0,-3 2 0,2-1 0,1-2 0,-3-2 0</inkml:trace>
+  <inkml:trace contextRef="#ctx0" brushRef="#br0">2879 0 24575,'0'0'0,"-3"0"0,0 3 0,-3 4 0,0 1 0,-2 1 0,1 1 0,-1-1 0,1 1 0,-2-3 0,2 3 0,1-1 0,0 0 0,1 1 0,-3-2 0,-1 0 0,1 3 0,-2-3 0,3 2 0,-2-3 0,1 2 0,0 1 0,-2-1 0,1 1 0,0-3 0,1 3 0,2-1 0,-1 0 0,1 1 0,-1 0 0,-1 2 0,-4 2 0,3-1 0,-2-1 0,2 0 0,-1 1 0,0-4 0,1 2 0,0 0 0,-2 1 0,2 0 0,-2 2 0,3 1 0,-4-3 0,2 0 0,2 0 0,-1-2 0,1 0 0,0-2 0,-1 1 0,1 0 0,-2 3 0,-1 1 0,2 0 0,-1-2 0,-1 1 0,1 1 0,1 0 0,-2 0 0,-1-2 0,1 0 0,3 1 0,0-2 0,1 0 0,3 1 0,-2-2 0,1 1 0,-2 0 0,-2 2 0,1 2 0,-1-3 0,1 0 0,-1 1 0,-1 0 0,-2 2 0,1 0 0,1 0 0,-2 1 0,2 1 0,0-1 0,-1 0 0,2 0 0,-1-3 0,2 3 0,-1-3 0,2 1 0,-1 0 0,-2-3 0,2 3 0,-2-1 0,2-1 0,-1 2 0,-1 0 0,1 1 0,0-3 0,1 1 0,1 0 0,1 1 0,-3-1 0,-1 3 0,-2-1 0,2 1 0,-2 0 0,0 3 0,0 0 0,1 1 0,-1-4 0,4-2 0,-1 1 0,-1-2 0,1 2 0,2 0 0,-1-3 0,3 1 0,-3-3 0,2 3 0,-2 1 0,-1-2 0,0 2 0,-1 2 0,2 1 0,0 0 0,-3 2 0,-1-2 0,3 0 0,-2 0 0,0-1 0,-2 0 0,2 0 0,0 0 0,3 0 0,1 0 0,0-3 0,-2 0 0,-1 0 0,1 1 0,2 0 0,-1-2 0,2 0 0,-2-3 0,1 2 0,-1 0 0,2 1 0,-2 2 0,1 1 0,-1 1 0,-2 0 0,-2-4 0,3 5 0,-2-1 0,2 0 0,-1 1 0,3 0 0,-2-3 0,3-1 0,0 0 0,0-2 0,-2 0 0,1 1 0,1 0 0,-2 0 0,3-1 0,0 2 0,-1-3 0,1 1 0,1 1 0,-2-2 0,-2 1 0,0 1 0,0 1 0,0 1 0,2 2 0,-1-4 0,1 1 0,2 0 0,-2 0 0,-2-1 0,1 0 0,1 1 0,-1-1 0,1 3 0,-1-3 0,0 0 0,2 1 0,-2-3 0,2 2 0,-3-3 0,3 1 0,-3-2 0,1 1 0,-1 2 0,1 1 0,2 2 0,-2-3 0,1 2 0,-1 0 0,1 0 0,-2-1 0,2 0 0,-3-3 0,3 5 0,-3-3 0,0 2 0,0-1 0,-1 3 0,2-1 0,0 2 0,-3 3 0,-1-3 0,3 0 0,-2-1 0,2 1 0,-1 0 0,3-1 0,-2-2 0,3 0 0,-2-1 0,1 2 0,-1-3 0,1 1 0,-1 0 0,1 2 0,2-1 0,-2-1 0,2 1 0,-2-3 0,1 0 0,0 2 0,0-3 0,1 2 0,1 0 0,-2-1 0,1 1 0,0 1 0,0-2 0,0 1 0,-2-2 0,0 1 0,0 1 0,0 1 0,2 2 0,-2 1 0,2 1 0,-3 0 0,-1-3 0,1 0 0,2 1 0,-2-4 0,-1 5 0,-8 11 0,-2 3 0,2 0 0,1-3 0,0-2 0,4-2 0,0-6 0,4-3 0,-2 1 0,3-1 0,-1-3 0,2 2 0,-2-3 0,1 0 0,-1 2 0,2 2 0,-2-3 0,1 2 0,-1-3 0,1 2 0,2 0 0,1 1 0,-2 0 0,-1-1 0,1 2 0,0 0 0,-1-2 0,2 1 0,-3 1 0,1 1 0,-1-1 0,-1 3 0,0-1 0,-1-2 0,2 0 0,-1 0 0,2 1 0,-1-3 0,0 1 0,1-3 0,-1 2 0,0 0 0,2 1 0,-3-1 0,3 0 0,-3-1 0,3 0 0,-3 1 0,-1 2 0,2 0 0,-2 3 0,-1-4 0,2 0 0,-1 2 0,2 0 0,2 0 0,-2-2 0,3 1 0,-2-4 0,-2 2 0,1 0 0,1 1 0,0-1 0,1 1 0,-2 0 0,2 2 0,-2 0 0,1 0 0,-1-1 0,1 0 0,-1 0 0,1 1 0,-1 0 0,1 2 0,-1-4 0,1 1 0,2-1 0,-2-1 0,1 0 0,2 1 0,-1-2 0,0 1 0,1 1 0,-2-2 0,1 1 0,-2 1 0,-2-2 0,1 1 0,1 1 0,-1-2 0,2 1 0,1 1 0,-1-2 0,1 1 0,-2-2 0,-2 1 0,1 1 0,-1-1 0,1 0 0,-2-1 0,3 1 0,1 1 0,-1-1 0,-1 0 0,1 2 0,-2-2 0,1 1 0,0-2 0,1 1 0,-2-2 0,2 2 0,2 0 0,4-1 0,5-1 0,1 1 0,4-2 0,1-2 0,-1 2 0,3-1 0,-4 2 0,2-1 0,-3 2 0,2-1 0,1 1 0,1-1 0,0 1 0,-1-1 0,-1 1 0,0-1 0,2-2 0,-3 2 0,2-2 0,-3 2 0,2 0 0,1-2 0,-1 1 0,1-1 0,-2 3 0,0-3 0,0 3 0,0-1 0,2-2 0,-1 2 0,0-2 0,-1 2 0,1-1 0,-2 2 0,2-1 0,-3 1 0,3-1 0,1 1 0,1-1 0,-2 1 0,2 0 0,1-1 0,0 1 0,-1 0 0,0-1 0,-2 1 0,0-1 0,2-3 0,-3 4 0,2-4 0,1 1 0,-2 1 0,-2 2 0,1-1 0,1-2 0,1 2 0,3 0 0,-3 0 0,1-1 0,1 0 0,1 0 0,-3 2 0,1 0 0,1-3 0,-2 3 0,0-2 0,1-1 0,-2 1 0,1-1 0,1 2 0,-2 2 0,1-1 0,1-2 0,-2-1 0</inkml:trace>
 </inkml:ink>
 </file>
 
@@ -245,7 +274,7 @@
       <inkml:brushProperty name="scaleFactor" value="0.5"/>
     </inkml:brush>
   </inkml:definitions>
-  <inkml:trace contextRef="#ctx0" brushRef="#br0">130 1 24575,'0'0'0,"0"3"0,4 1 0,0 4 0,0 3 0,3-1 0,2 3 0,1 1 0,1-2 0,-1 1 0,-2 1 0,-3 1 0,2-2 0,-1 1 0,-2 1 0,3-3 0,-1 1 0,3-3 0,-2 1 0,-1 2 0,-1 1 0,-6-2 0,-1 2 0,-5-4 0,-1 2 0,-2-2 0,1 0 0,-2-1 0,-2-3 0,2 2 0,-1 3 0,-2-2 0,2 2 0,-1-2 0,-1-2 0,3 2 0,-2-2 0,3 2 0,-1-1 0,2 2 0,-2-2 0,3 3 0,-3-3 0,3 3 0,-2-3 0,1 3 0,3 1 0,1-1 0</inkml:trace>
+  <inkml:trace contextRef="#ctx0" brushRef="#br0">104 1 24575,'0'0'0,"0"2"0,3 2 0,0 2 0,0 3 0,3-1 0,1 2 0,1 1 0,1-2 0,-1 2 0,-2 0 0,-2 1 0,1-2 0,0 1 0,-2 1 0,3-2 0,-1 0 0,2-2 0,-1 0 0,-2 3 0,0 0 0,-4-2 0,-2 2 0,-4-3 0,0 2 0,-2-2 0,1 0 0,-2-1 0,-1-2 0,1 1 0,-1 3 0,-1-2 0,2 2 0,-2-2 0,0-2 0,2 2 0,-1-1 0,2 1 0,-1-1 0,2 2 0,-2-1 0,3 1 0,-3-1 0,3 1 0,-2-1 0,1 1 0,2 2 0,1-1 0</inkml:trace>
 </inkml:ink>
 </file>
 
@@ -277,7 +306,7 @@
       <inkml:brushProperty name="scaleFactor" value="0.5"/>
     </inkml:brush>
   </inkml:definitions>
-  <inkml:trace contextRef="#ctx0" brushRef="#br0">155 1230 24575,'0'0'0,"3"-3"0,1-6 0,0-2 0,0-4 0,-2-2 0,0-2 0,-2 0 0,1-1 0,2 1 0,1-1 0,0 1 0,-1-4 0,-1-1 0,-1 2 0,0-1 0,-1 2 0,0 1 0,0 0 0,0 1 0,0 0 0,0 0 0,0 0 0,0 0 0,0 1 0,0-1 0,0 0 0,0 0 0,0 0 0,0-4 0,0 0 0,0 0 0,0 1 0,0 1 0,0 1 0,0 0 0,0 1 0,0 0 0,0 0 0,0 0 0,0 0 0,0 0 0,0 0 0,0 1 0,0-1 0,0 0 0,0 0 0,0 0 0,0 0 0,0 0 0,0 0 0,0 0 0,0 0 0,0 0 0,0 0 0,0 0 0,0 0 0,0 0 0,0 0 0,0 0 0,0 0 0,0 0 0,0 0 0,0 0 0,0 0 0,0 8 0,0 7 0,-4 5 0,0 5 0,-4 2 0,1 3 0,-3-1 0,2 2 0,1 1 0,-2-1 0,2 1 0,-2 1 0,-3-3 0,2 2 0,2 1 0,-2-2 0,2 0 0,-1 2 0,1 1 0,-2 2 0,-2-3 0,1 0 0,-1 1 0,2-2 0</inkml:trace>
+  <inkml:trace contextRef="#ctx0" brushRef="#br0">123 975 24575,'0'0'0,"3"-3"0,0-4 0,0-2 0,0-2 0,-1-3 0,0-1 0,-2 0 0,0-1 0,3 1 0,0-1 0,0 1 0,0-3 0,-2-1 0,0 2 0,0-2 0,-1 3 0,0 0 0,0 0 0,0 1 0,0 0 0,0 0 0,0 0 0,0 0 0,0 0 0,0 0 0,0 0 0,0 0 0,0 0 0,0-3 0,0 0 0,0 0 0,0 0 0,0 1 0,0 2 0,0-1 0,0 1 0,0 0 0,0 0 0,0 0 0,0-1 0,0 1 0,0 0 0,0 1 0,0-1 0,0 0 0,0 0 0,0 0 0,0 0 0,0 0 0,0 0 0,0 0 0,0 0 0,0 0 0,0-1 0,0 1 0,0 0 0,0 0 0,0 0 0,0 0 0,0 0 0,0 0 0,0 0 0,0 0 0,0 0 0,0 6 0,0 6 0,-3 4 0,-1 4 0,-2 1 0,0 3 0,-2-1 0,2 1 0,1 1 0,-3 0 0,3 0 0,-2 1 0,-3-2 0,2 1 0,2 1 0,-2-1 0,1-1 0,0 2 0,1 1 0,-2 2 0,-2-3 0,2 0 0,-2 1 0,2-2 0</inkml:trace>
 </inkml:ink>
 </file>
 
@@ -309,7 +338,91 @@
       <inkml:brushProperty name="scaleFactor" value="0.5"/>
     </inkml:brush>
   </inkml:definitions>
-  <inkml:trace contextRef="#ctx0" brushRef="#br0">1 1 24575,'0'0'0,"3"0"0,5 0 0,0 3 0,3 1 0,2 0 0,-1 3 0,1-1 0,1 3 0,2-1 0,-3 3 0,1-3 0,-3 3 0,1-2 0,-3 1 0,2-1 0,-3 1 0,2-1 0,2-2 0,-1 1 0,1-1 0,-2 2 0,1-2 0,-2 3 0,2-1 0,-3-3 0</inkml:trace>
+  <inkml:trace contextRef="#ctx0" brushRef="#br0">1 1 24575,'0'0'0,"2"0"0,5 0 0,-1 2 0,3 2 0,1-1 0,0 2 0,0 0 0,1 2 0,2-1 0,-3 3 0,2-2 0,-4 1 0,2-1 0,-3 1 0,2-1 0,-3 1 0,2 0 0,2-3 0,-2 1 0,2 0 0,-2 1 0,1-1 0,-2 2 0,2-1 0,-3-3 0</inkml:trace>
+</inkml:ink>
+</file>
+
+<file path=ppt/ink/ink7.xml><?xml version="1.0" encoding="utf-8"?>
+<inkml:ink xmlns:inkml="http://www.w3.org/2003/InkML">
+  <inkml:definitions>
+    <inkml:context xml:id="ctx0">
+      <inkml:inkSource xml:id="inkSrc0">
+        <inkml:traceFormat>
+          <inkml:channel name="X" type="integer" min="-2.14748E9" max="2.14748E9" units="cm"/>
+          <inkml:channel name="Y" type="integer" min="-2.14748E9" max="2.14748E9" units="cm"/>
+        </inkml:traceFormat>
+        <inkml:channelProperties>
+          <inkml:channelProperty channel="X" name="resolution" value="1000" units="1/cm"/>
+          <inkml:channelProperty channel="Y" name="resolution" value="1000" units="1/cm"/>
+        </inkml:channelProperties>
+      </inkml:inkSource>
+      <inkml:timestamp xml:id="ts0" timeString="2025-09-14T16:22:41.827"/>
+    </inkml:context>
+    <inkml:brush xml:id="br0">
+      <inkml:brushProperty name="width" value="0.05" units="cm"/>
+      <inkml:brushProperty name="height" value="0.3" units="cm"/>
+      <inkml:brushProperty name="color" value="#849398"/>
+      <inkml:brushProperty name="ignorePressure" value="1"/>
+      <inkml:brushProperty name="inkEffects" value="pencil"/>
+    </inkml:brush>
+  </inkml:definitions>
+  <inkml:trace contextRef="#ctx0" brushRef="#br0">0 1,'4'0,"4"0,4 0,4 0,3 0,1 0,1 0,0 0,0 0,0 0,0 0,0 0,-1 0,1 0,-1 0,0 0,1 0,-1 0,0 0,1 0,-1 0,0 0,0 0,1 0,-1 0,0 0,1 0,-1 0,0 0,1 0,-1 0,1 0,-1 0,0 0,0 0,1 0,-1 0,0 0,1 0,-1 0,0 0,1 0,-1 0,0 0,0 0,1 0,-1 0,0 0,1 0,-1 0,0 0,1 0,-1 0,0 0,1 0,-1 0,1 0,-1 0,0 0,0 0,1 0,-1 0,0 0,1 0,-1 0,0 0,1 0,-1 0,0 0,0 0,1 0,-1 0,0 0,1 0,-1 0,0 0,1 0,-1 0,-3 3,-1 2,0-1,0 0,2-2,1 0,0-1,1-1,1 0,-1 0,1 0,-1 0,1 0,-1-1,1 1,-1 0,0 0,1 0,-1 0,0 0,-3 0</inkml:trace>
+</inkml:ink>
+</file>
+
+<file path=ppt/ink/ink8.xml><?xml version="1.0" encoding="utf-8"?>
+<inkml:ink xmlns:inkml="http://www.w3.org/2003/InkML">
+  <inkml:definitions>
+    <inkml:context xml:id="ctx0">
+      <inkml:inkSource xml:id="inkSrc0">
+        <inkml:traceFormat>
+          <inkml:channel name="X" type="integer" min="-2.14748E9" max="2.14748E9" units="cm"/>
+          <inkml:channel name="Y" type="integer" min="-2.14748E9" max="2.14748E9" units="cm"/>
+        </inkml:traceFormat>
+        <inkml:channelProperties>
+          <inkml:channelProperty channel="X" name="resolution" value="1000" units="1/cm"/>
+          <inkml:channelProperty channel="Y" name="resolution" value="1000" units="1/cm"/>
+        </inkml:channelProperties>
+      </inkml:inkSource>
+      <inkml:timestamp xml:id="ts0" timeString="2025-09-14T16:22:47.458"/>
+    </inkml:context>
+    <inkml:brush xml:id="br0">
+      <inkml:brushProperty name="width" value="0.05" units="cm"/>
+      <inkml:brushProperty name="height" value="0.3" units="cm"/>
+      <inkml:brushProperty name="color" value="#849398"/>
+      <inkml:brushProperty name="ignorePressure" value="1"/>
+      <inkml:brushProperty name="inkEffects" value="pencil"/>
+    </inkml:brush>
+  </inkml:definitions>
+  <inkml:trace contextRef="#ctx0" brushRef="#br0">1 1,'3'0,"5"0,5 0,2 0,4 0,1 0,1 0,0 0,0 0,0 0,0 0,0 0,-1 0,1 0,-1 0,0 0,1 0,-1 0,0 0,0 0,1 0,-1 0,4 0,4 0,5 0,0 0,-2 0,-3 0,-3 0,1 0,0 0,-1 0,2 0,0 0,2 0,0 0,-2 0,2 0,-1 0,-2 0,-1 0,1 0,0 0,-1 0,3 0,2 0,1 0,1 0,2 0,3 0,1 0,-1 0,-5 0,-3 0,-1 0,-1 0,2 0,-1 0,-1 0,-3 0,-1 0,3 0,-1 0,3 0,4 0,3 0,-1 0,-3 0,-3 0,-3 0,-2 0,-2 0,-1 0,4 0,0 0,0 0,0 0,-2 0,0 0,-1 0,-1 0,4 0,1 0,0 0,-2 0,3 0,4 0,4 0,2 0,0 0,-4 0,-4 0,-2 0,-3 0,-2 0,-1 0,0 0,-1 0,1 0,0 0,0 0,0 0,0 0,0 0,1 0,-1 0,0 0,1 0,-1 0,1 0,-1 0,0 0,1 0,-1 0,0 0,1 0,-1 0,0 0,0 0,1 0,-1 0,0 0,1 0,-1 0,0 0,1 0,-1 0,0 0,1 0,-1 0,0 0,1 0,-1 0,0 0,1 0,-1 0,0 0,1 0,-1 0,0 0,0 0,1 0,-1 0,0 0,1 0,-1 0,0 0,1 0,-1 0,1 0,-1 0,0 0,0 0,1 0,-1 0,0 0,1 0,-1 0,-3 0</inkml:trace>
+</inkml:ink>
+</file>
+
+<file path=ppt/ink/ink9.xml><?xml version="1.0" encoding="utf-8"?>
+<inkml:ink xmlns:inkml="http://www.w3.org/2003/InkML">
+  <inkml:definitions>
+    <inkml:context xml:id="ctx0">
+      <inkml:inkSource xml:id="inkSrc0">
+        <inkml:traceFormat>
+          <inkml:channel name="X" type="integer" min="-2.14748E9" max="2.14748E9" units="cm"/>
+          <inkml:channel name="Y" type="integer" min="-2.14748E9" max="2.14748E9" units="cm"/>
+        </inkml:traceFormat>
+        <inkml:channelProperties>
+          <inkml:channelProperty channel="X" name="resolution" value="1000" units="1/cm"/>
+          <inkml:channelProperty channel="Y" name="resolution" value="1000" units="1/cm"/>
+        </inkml:channelProperties>
+      </inkml:inkSource>
+      <inkml:timestamp xml:id="ts0" timeString="2025-09-14T16:22:51.347"/>
+    </inkml:context>
+    <inkml:brush xml:id="br0">
+      <inkml:brushProperty name="width" value="0.05" units="cm"/>
+      <inkml:brushProperty name="height" value="0.3" units="cm"/>
+      <inkml:brushProperty name="color" value="#849398"/>
+      <inkml:brushProperty name="ignorePressure" value="1"/>
+      <inkml:brushProperty name="inkEffects" value="pencil"/>
+    </inkml:brush>
+  </inkml:definitions>
+  <inkml:trace contextRef="#ctx0" brushRef="#br0">5650 1561,'-3'0,"-2"-3,-3-1,-3-1,-4 2,-3 1,-1 0,2-2,1-1,-1 0,0 2,-1 0,-2 2,4-3,0-1,0 1,-1 1,-1 1,0 0,-2 2,0 0,3-4,1 0,0-1,-1 2,-1 0,-1 2,3-3,-3-1,-1 0,-2 2,1 0,-1 2,1 0,0-2,1-2,-1 1,1 1,-4 1,-1 0,0 2,1 0,2 0,0 0,-3 0,0 0,0 0,2 0,0 0,-2 0,3-3,1-2,2 1,-4 0,0 2,-1 0,1 1,-3 1,0 0,0 0,2-3,-2-2,-4 1,0 0,1 2,3 0,2 1,2 1,-3-3,0-2,0 1,2 1,-3 1,0 0,1 2,-3-4,1-1,1 1,1 1,-1 0,-1 2,2-4,-2 0,-1 1,3 1,0 0,-1 2,0 0,0 1,2 0,2 0,0-3,1-1,-3 0,0 0,-1 2,2 1,0 0,1 0,-2-2,-2-2,2 1,0 1,2 0,0 2,1 0,0 1,1 0,0 0,3-4,2 0,-1 0,-1 0,-1 2,0 0,-5 1,-2 1,1 0,-4 0,-3-3,-3-1,-4 0,-1-3,-2 0,4 1,4 1,4 3,3 0,4 1,1 1,1-3,1-1,-1 0,1 1,-1 0,0 2,0 0,0 1,-1 0,1 0,0 0,-1 1,1-1,-1 0,1-4,0 0,0-1,-1 2,1 0,0 1,-1 2,1-1,0 1,-1-3,1-2,0 1,-1 1,-2-3,-6 0,-4 1,1 1,1 2,3 0,3 2,2 0,1-4,2 0,0 0,0 0,0-2,0 0,0 1,-3 1,-2 1,0 2,1 0,2 1,3-3,3-1,-1 0,1 1,-2 0,-1 2,0 0,-1 1,-3 0,-2 0,0 0,1 0,4-3,3-2,0 1,0 0,-1-2,-1 0,0 1,-1 1,0 1,0-2,-1 0,1 1,-1 1,1 1,3-3,1 0,4-3,0 0,-2 1,-1 2,1-1,0-1,-1 2,-1 2,1-3,1 0,1-3,1 1,-1-2,-3 1,3-2,-1 1,-2 2,3 0,0 0,1-1,1 0,-3 2,-1 3,1-3,0 1,-2 1,3-2,0 0,1-1,1-1,-3 2,2-1,-1 0,3-1,-2 0,-1 2,1-1,-1 0,-1 2,1-1,-1 0,0-2,-3 0,3-1,-1 0,3 0,4-4,-1 2,1-1,-1 2,-3 3,-3 2,2-1,-1 1,2-2,0-3,-2 0,1-2,0 3,-1-2,-2 1,-2 4,3-2,3-2,0 1,3-2,-1 2,1-2,2-1,0 0,-1 0,0 2,-1 0,-1 1,1-1,2-3,-2 3,2-2,1-2,-2 3,1-1,-2 1,-3 4,0-1,0 2,1-3,-1 2,1-2,0-3,2-2,1-3,0 0,0-3,2 1,-1 3,0 0,2 1,1-1,2-1,1-1,0 3</inkml:trace>
 </inkml:ink>
 </file>
 
@@ -460,7 +573,7 @@
           <a:p>
             <a:fld id="{20FDF2D6-8C5E-4A0C-AD78-AB907B009066}" type="datetimeFigureOut">
               <a:rPr lang="ko-KR" altLang="en-US" smtClean="0"/>
-              <a:t>2024-12-26</a:t>
+              <a:t>2025-09-14</a:t>
             </a:fld>
             <a:endParaRPr lang="ko-KR" altLang="en-US"/>
           </a:p>
@@ -658,7 +771,7 @@
           <a:p>
             <a:fld id="{20FDF2D6-8C5E-4A0C-AD78-AB907B009066}" type="datetimeFigureOut">
               <a:rPr lang="ko-KR" altLang="en-US" smtClean="0"/>
-              <a:t>2024-12-26</a:t>
+              <a:t>2025-09-14</a:t>
             </a:fld>
             <a:endParaRPr lang="ko-KR" altLang="en-US"/>
           </a:p>
@@ -866,7 +979,7 @@
           <a:p>
             <a:fld id="{20FDF2D6-8C5E-4A0C-AD78-AB907B009066}" type="datetimeFigureOut">
               <a:rPr lang="ko-KR" altLang="en-US" smtClean="0"/>
-              <a:t>2024-12-26</a:t>
+              <a:t>2025-09-14</a:t>
             </a:fld>
             <a:endParaRPr lang="ko-KR" altLang="en-US"/>
           </a:p>
@@ -1064,7 +1177,7 @@
           <a:p>
             <a:fld id="{20FDF2D6-8C5E-4A0C-AD78-AB907B009066}" type="datetimeFigureOut">
               <a:rPr lang="ko-KR" altLang="en-US" smtClean="0"/>
-              <a:t>2024-12-26</a:t>
+              <a:t>2025-09-14</a:t>
             </a:fld>
             <a:endParaRPr lang="ko-KR" altLang="en-US"/>
           </a:p>
@@ -1339,7 +1452,7 @@
           <a:p>
             <a:fld id="{20FDF2D6-8C5E-4A0C-AD78-AB907B009066}" type="datetimeFigureOut">
               <a:rPr lang="ko-KR" altLang="en-US" smtClean="0"/>
-              <a:t>2024-12-26</a:t>
+              <a:t>2025-09-14</a:t>
             </a:fld>
             <a:endParaRPr lang="ko-KR" altLang="en-US"/>
           </a:p>
@@ -1604,7 +1717,7 @@
           <a:p>
             <a:fld id="{20FDF2D6-8C5E-4A0C-AD78-AB907B009066}" type="datetimeFigureOut">
               <a:rPr lang="ko-KR" altLang="en-US" smtClean="0"/>
-              <a:t>2024-12-26</a:t>
+              <a:t>2025-09-14</a:t>
             </a:fld>
             <a:endParaRPr lang="ko-KR" altLang="en-US"/>
           </a:p>
@@ -2016,7 +2129,7 @@
           <a:p>
             <a:fld id="{20FDF2D6-8C5E-4A0C-AD78-AB907B009066}" type="datetimeFigureOut">
               <a:rPr lang="ko-KR" altLang="en-US" smtClean="0"/>
-              <a:t>2024-12-26</a:t>
+              <a:t>2025-09-14</a:t>
             </a:fld>
             <a:endParaRPr lang="ko-KR" altLang="en-US"/>
           </a:p>
@@ -2157,7 +2270,7 @@
           <a:p>
             <a:fld id="{20FDF2D6-8C5E-4A0C-AD78-AB907B009066}" type="datetimeFigureOut">
               <a:rPr lang="ko-KR" altLang="en-US" smtClean="0"/>
-              <a:t>2024-12-26</a:t>
+              <a:t>2025-09-14</a:t>
             </a:fld>
             <a:endParaRPr lang="ko-KR" altLang="en-US"/>
           </a:p>
@@ -2270,7 +2383,7 @@
           <a:p>
             <a:fld id="{20FDF2D6-8C5E-4A0C-AD78-AB907B009066}" type="datetimeFigureOut">
               <a:rPr lang="ko-KR" altLang="en-US" smtClean="0"/>
-              <a:t>2024-12-26</a:t>
+              <a:t>2025-09-14</a:t>
             </a:fld>
             <a:endParaRPr lang="ko-KR" altLang="en-US"/>
           </a:p>
@@ -2581,7 +2694,7 @@
           <a:p>
             <a:fld id="{20FDF2D6-8C5E-4A0C-AD78-AB907B009066}" type="datetimeFigureOut">
               <a:rPr lang="ko-KR" altLang="en-US" smtClean="0"/>
-              <a:t>2024-12-26</a:t>
+              <a:t>2025-09-14</a:t>
             </a:fld>
             <a:endParaRPr lang="ko-KR" altLang="en-US"/>
           </a:p>
@@ -2869,7 +2982,7 @@
           <a:p>
             <a:fld id="{20FDF2D6-8C5E-4A0C-AD78-AB907B009066}" type="datetimeFigureOut">
               <a:rPr lang="ko-KR" altLang="en-US" smtClean="0"/>
-              <a:t>2024-12-26</a:t>
+              <a:t>2025-09-14</a:t>
             </a:fld>
             <a:endParaRPr lang="ko-KR" altLang="en-US"/>
           </a:p>
@@ -3110,7 +3223,7 @@
           <a:p>
             <a:fld id="{20FDF2D6-8C5E-4A0C-AD78-AB907B009066}" type="datetimeFigureOut">
               <a:rPr lang="ko-KR" altLang="en-US" smtClean="0"/>
-              <a:t>2024-12-26</a:t>
+              <a:t>2025-09-14</a:t>
             </a:fld>
             <a:endParaRPr lang="ko-KR" altLang="en-US"/>
           </a:p>
@@ -3625,6 +3738,1213 @@
           <p:cNvPr id="2" name="제목 1">
             <a:extLst>
               <a:ext uri="{FF2B5EF4-FFF2-40B4-BE49-F238E27FC236}">
+                <a16:creationId xmlns:a16="http://schemas.microsoft.com/office/drawing/2014/main" id="{C6E16444-6FF6-474D-DEF5-1FB32080FB13}"/>
+              </a:ext>
+            </a:extLst>
+          </p:cNvPr>
+          <p:cNvSpPr>
+            <a:spLocks noGrp="1"/>
+          </p:cNvSpPr>
+          <p:nvPr>
+            <p:ph type="title"/>
+          </p:nvPr>
+        </p:nvSpPr>
+        <p:spPr/>
+        <p:txBody>
+          <a:bodyPr/>
+          <a:lstStyle/>
+          <a:p>
+            <a:r>
+              <a:rPr lang="ko-KR" altLang="en-US" dirty="0"/>
+              <a:t>색상 계산</a:t>
+            </a:r>
+          </a:p>
+        </p:txBody>
+      </p:sp>
+      <p:sp>
+        <p:nvSpPr>
+          <p:cNvPr id="7" name="TextBox 6">
+            <a:extLst>
+              <a:ext uri="{FF2B5EF4-FFF2-40B4-BE49-F238E27FC236}">
+                <a16:creationId xmlns:a16="http://schemas.microsoft.com/office/drawing/2014/main" id="{0531CE5C-786E-715D-87A1-D6F13C3A7A92}"/>
+              </a:ext>
+            </a:extLst>
+          </p:cNvPr>
+          <p:cNvSpPr txBox="1"/>
+          <p:nvPr/>
+        </p:nvSpPr>
+        <p:spPr>
+          <a:xfrm>
+            <a:off x="8136154" y="1985616"/>
+            <a:ext cx="4637741" cy="1015663"/>
+          </a:xfrm>
+          <a:prstGeom prst="rect">
+            <a:avLst/>
+          </a:prstGeom>
+          <a:noFill/>
+        </p:spPr>
+        <p:txBody>
+          <a:bodyPr wrap="square">
+            <a:spAutoFit/>
+          </a:bodyPr>
+          <a:lstStyle/>
+          <a:p>
+            <a:r>
+              <a:rPr lang="en-US" altLang="ko-KR" sz="1200" dirty="0"/>
+              <a:t>                        </a:t>
+            </a:r>
+            <a:r>
+              <a:rPr lang="ko-KR" altLang="en-US" sz="1000" dirty="0"/>
+              <a:t>벡터의 절대값은 길이</a:t>
+            </a:r>
+            <a:r>
+              <a:rPr lang="en-US" altLang="ko-KR" sz="1000" dirty="0"/>
+              <a:t>(</a:t>
+            </a:r>
+            <a:r>
+              <a:rPr lang="ko-KR" altLang="en-US" sz="1000" dirty="0"/>
+              <a:t>크기</a:t>
+            </a:r>
+            <a:r>
+              <a:rPr lang="en-US" altLang="ko-KR" sz="1000" dirty="0"/>
+              <a:t>)</a:t>
+            </a:r>
+            <a:r>
+              <a:rPr lang="ko-KR" altLang="en-US" sz="1000" dirty="0"/>
+              <a:t>를 의미</a:t>
+            </a:r>
+            <a:endParaRPr lang="en-US" altLang="ko-KR" sz="1000" dirty="0"/>
+          </a:p>
+          <a:p>
+            <a:r>
+              <a:rPr lang="en-US" altLang="ko-KR" sz="1200" dirty="0"/>
+              <a:t>dot(</a:t>
+            </a:r>
+            <a:r>
+              <a:rPr lang="en-US" altLang="ko-KR" sz="1200" dirty="0" err="1"/>
+              <a:t>vecA,vecB</a:t>
+            </a:r>
+            <a:r>
+              <a:rPr lang="en-US" altLang="ko-KR" sz="1200" dirty="0"/>
+              <a:t>)  = </a:t>
+            </a:r>
+            <a:r>
+              <a:rPr lang="ko-KR" altLang="en-US" sz="1200" dirty="0"/>
+              <a:t> </a:t>
+            </a:r>
+            <a:r>
+              <a:rPr lang="en-US" altLang="ko-KR" sz="1200" dirty="0"/>
+              <a:t>| </a:t>
+            </a:r>
+            <a:r>
+              <a:rPr lang="en-US" altLang="ko-KR" sz="1200" dirty="0" err="1"/>
+              <a:t>vecA</a:t>
+            </a:r>
+            <a:r>
+              <a:rPr lang="en-US" altLang="ko-KR" sz="1200" dirty="0"/>
+              <a:t> | × | </a:t>
+            </a:r>
+            <a:r>
+              <a:rPr lang="en-US" altLang="ko-KR" sz="1200" dirty="0" err="1"/>
+              <a:t>vecB</a:t>
+            </a:r>
+            <a:r>
+              <a:rPr lang="en-US" altLang="ko-KR" sz="1200" dirty="0"/>
+              <a:t> | × cosΘ</a:t>
+            </a:r>
+          </a:p>
+          <a:p>
+            <a:r>
+              <a:rPr lang="en-US" altLang="ko-KR" sz="1200" dirty="0"/>
+              <a:t>saturate(Input) = input</a:t>
+            </a:r>
+            <a:r>
+              <a:rPr lang="ko-KR" altLang="en-US" sz="1200" dirty="0"/>
+              <a:t>의 각성분을</a:t>
+            </a:r>
+            <a:r>
+              <a:rPr lang="en-US" altLang="ko-KR" sz="1200" dirty="0"/>
+              <a:t> -&gt; 0~1 </a:t>
+            </a:r>
+            <a:r>
+              <a:rPr lang="ko-KR" altLang="en-US" sz="1200" dirty="0" err="1"/>
+              <a:t>잘라냄</a:t>
+            </a:r>
+            <a:endParaRPr lang="en-US" altLang="ko-KR" sz="1200" dirty="0"/>
+          </a:p>
+          <a:p>
+            <a:r>
+              <a:rPr lang="en-US" altLang="ko-KR" sz="1200" dirty="0"/>
+              <a:t>vec3Color</a:t>
+            </a:r>
+            <a:r>
+              <a:rPr lang="ko-KR" altLang="en-US" sz="1200" dirty="0"/>
+              <a:t> </a:t>
+            </a:r>
+            <a:r>
+              <a:rPr lang="en-US" altLang="ko-KR" sz="1200" dirty="0"/>
+              <a:t>=</a:t>
+            </a:r>
+            <a:r>
+              <a:rPr lang="ko-KR" altLang="en-US" sz="1200" dirty="0"/>
+              <a:t> </a:t>
+            </a:r>
+            <a:r>
+              <a:rPr lang="en-US" altLang="ko-KR" sz="1200" dirty="0" err="1"/>
+              <a:t>LightColor</a:t>
+            </a:r>
+            <a:r>
+              <a:rPr lang="en-US" altLang="ko-KR" sz="1200" dirty="0"/>
+              <a:t> * </a:t>
+            </a:r>
+            <a:r>
+              <a:rPr lang="en-US" altLang="ko-KR" sz="1200" dirty="0" err="1"/>
+              <a:t>ObjectColor</a:t>
+            </a:r>
+            <a:endParaRPr lang="ko-KR" altLang="en-US" sz="1200" dirty="0"/>
+          </a:p>
+          <a:p>
+            <a:endParaRPr lang="ko-KR" altLang="en-US" sz="1200" dirty="0"/>
+          </a:p>
+        </p:txBody>
+      </p:sp>
+      <p:sp>
+        <p:nvSpPr>
+          <p:cNvPr id="11" name="TextBox 10">
+            <a:extLst>
+              <a:ext uri="{FF2B5EF4-FFF2-40B4-BE49-F238E27FC236}">
+                <a16:creationId xmlns:a16="http://schemas.microsoft.com/office/drawing/2014/main" id="{8C3498EF-AFFD-7F88-CF09-BF6640B36B07}"/>
+              </a:ext>
+            </a:extLst>
+          </p:cNvPr>
+          <p:cNvSpPr txBox="1"/>
+          <p:nvPr/>
+        </p:nvSpPr>
+        <p:spPr>
+          <a:xfrm>
+            <a:off x="171744" y="4211383"/>
+            <a:ext cx="4842901" cy="2031325"/>
+          </a:xfrm>
+          <a:prstGeom prst="rect">
+            <a:avLst/>
+          </a:prstGeom>
+          <a:noFill/>
+        </p:spPr>
+        <p:txBody>
+          <a:bodyPr wrap="square">
+            <a:spAutoFit/>
+          </a:bodyPr>
+          <a:lstStyle/>
+          <a:p>
+            <a:r>
+              <a:rPr lang="en-US" altLang="ko-KR" sz="1800" dirty="0"/>
+              <a:t>|</a:t>
+            </a:r>
+            <a:r>
+              <a:rPr lang="ko-KR" altLang="en-US" sz="1800" dirty="0"/>
+              <a:t> </a:t>
+            </a:r>
+            <a:r>
+              <a:rPr lang="en-US" altLang="ko-KR" sz="1800" dirty="0" err="1"/>
+              <a:t>vecNormal</a:t>
+            </a:r>
+            <a:r>
+              <a:rPr lang="en-US" altLang="ko-KR" sz="1800" dirty="0"/>
+              <a:t> | × | -</a:t>
+            </a:r>
+            <a:r>
+              <a:rPr lang="en-US" altLang="ko-KR" sz="1800" dirty="0" err="1"/>
+              <a:t>vecLight</a:t>
+            </a:r>
+            <a:r>
+              <a:rPr lang="en-US" altLang="ko-KR" sz="1800" dirty="0"/>
+              <a:t> | × </a:t>
+            </a:r>
+            <a:r>
+              <a:rPr lang="en-US" altLang="ko-KR" sz="1800" dirty="0" err="1"/>
+              <a:t>cosΘ</a:t>
+            </a:r>
+            <a:r>
+              <a:rPr lang="en-US" altLang="ko-KR" sz="1800" dirty="0"/>
+              <a:t>   </a:t>
+            </a:r>
+          </a:p>
+          <a:p>
+            <a:r>
+              <a:rPr lang="en-US" altLang="ko-KR" sz="1800" dirty="0"/>
+              <a:t>=   1 x 1 x </a:t>
+            </a:r>
+            <a:r>
+              <a:rPr lang="en-US" altLang="ko-KR" sz="1800" dirty="0" err="1">
+                <a:hlinkClick r:id="rId2"/>
+              </a:rPr>
+              <a:t>cosΘ</a:t>
+            </a:r>
+            <a:r>
+              <a:rPr lang="en-US" altLang="ko-KR" sz="1800" dirty="0"/>
+              <a:t>   </a:t>
+            </a:r>
+          </a:p>
+          <a:p>
+            <a:r>
+              <a:rPr lang="en-US" altLang="ko-KR" sz="1800" dirty="0"/>
+              <a:t>=  -1.0 ~ 1.0  </a:t>
+            </a:r>
+            <a:r>
+              <a:rPr lang="ko-KR" altLang="en-US" dirty="0"/>
+              <a:t>    </a:t>
+            </a:r>
+            <a:endParaRPr lang="en-US" altLang="ko-KR" dirty="0"/>
+          </a:p>
+          <a:p>
+            <a:endParaRPr lang="en-US" altLang="ko-KR" dirty="0"/>
+          </a:p>
+          <a:p>
+            <a:r>
+              <a:rPr lang="en-US" altLang="ko-KR" dirty="0"/>
+              <a:t>0~90 </a:t>
+            </a:r>
+            <a:r>
+              <a:rPr lang="ko-KR" altLang="en-US" dirty="0"/>
+              <a:t>도     값의 범위는  </a:t>
+            </a:r>
+            <a:r>
+              <a:rPr lang="en-US" altLang="ko-KR" dirty="0"/>
+              <a:t>1.0 ~ 0.0 </a:t>
+            </a:r>
+          </a:p>
+          <a:p>
+            <a:r>
+              <a:rPr lang="en-US" altLang="ko-KR" dirty="0"/>
+              <a:t>90~270</a:t>
+            </a:r>
+            <a:r>
+              <a:rPr lang="ko-KR" altLang="en-US" dirty="0"/>
+              <a:t>도</a:t>
+            </a:r>
+            <a:r>
+              <a:rPr lang="en-US" altLang="ko-KR" dirty="0"/>
+              <a:t>                     0.0 ~ -1 ~ 0.0</a:t>
+            </a:r>
+          </a:p>
+          <a:p>
+            <a:r>
+              <a:rPr lang="en-US" altLang="ko-KR" dirty="0"/>
+              <a:t>270~360</a:t>
+            </a:r>
+            <a:r>
+              <a:rPr lang="ko-KR" altLang="en-US" dirty="0"/>
+              <a:t>도</a:t>
+            </a:r>
+            <a:r>
+              <a:rPr lang="en-US" altLang="ko-KR" dirty="0"/>
+              <a:t>                   0.0 ~ 1.0 </a:t>
+            </a:r>
+            <a:endParaRPr lang="en-US" altLang="ko-KR" sz="1800" dirty="0"/>
+          </a:p>
+        </p:txBody>
+      </p:sp>
+      <p:cxnSp>
+        <p:nvCxnSpPr>
+          <p:cNvPr id="33" name="직선 화살표 연결선 32">
+            <a:extLst>
+              <a:ext uri="{FF2B5EF4-FFF2-40B4-BE49-F238E27FC236}">
+                <a16:creationId xmlns:a16="http://schemas.microsoft.com/office/drawing/2014/main" id="{025673CB-9134-4128-4801-326D5A0A15A5}"/>
+              </a:ext>
+            </a:extLst>
+          </p:cNvPr>
+          <p:cNvCxnSpPr/>
+          <p:nvPr/>
+        </p:nvCxnSpPr>
+        <p:spPr>
+          <a:xfrm>
+            <a:off x="3945965" y="1534499"/>
+            <a:ext cx="470474" cy="0"/>
+          </a:xfrm>
+          <a:prstGeom prst="straightConnector1">
+            <a:avLst/>
+          </a:prstGeom>
+          <a:ln w="38100">
+            <a:solidFill>
+              <a:schemeClr val="tx1"/>
+            </a:solidFill>
+            <a:tailEnd type="triangle"/>
+          </a:ln>
+        </p:spPr>
+        <p:style>
+          <a:lnRef idx="1">
+            <a:schemeClr val="accent1"/>
+          </a:lnRef>
+          <a:fillRef idx="0">
+            <a:schemeClr val="accent1"/>
+          </a:fillRef>
+          <a:effectRef idx="0">
+            <a:schemeClr val="accent1"/>
+          </a:effectRef>
+          <a:fontRef idx="minor">
+            <a:schemeClr val="tx1"/>
+          </a:fontRef>
+        </p:style>
+      </p:cxnSp>
+      <p:cxnSp>
+        <p:nvCxnSpPr>
+          <p:cNvPr id="34" name="직선 화살표 연결선 33">
+            <a:extLst>
+              <a:ext uri="{FF2B5EF4-FFF2-40B4-BE49-F238E27FC236}">
+                <a16:creationId xmlns:a16="http://schemas.microsoft.com/office/drawing/2014/main" id="{B2017015-D199-A212-03B1-F4981E749399}"/>
+              </a:ext>
+            </a:extLst>
+          </p:cNvPr>
+          <p:cNvCxnSpPr>
+            <a:cxnSpLocks/>
+          </p:cNvCxnSpPr>
+          <p:nvPr/>
+        </p:nvCxnSpPr>
+        <p:spPr>
+          <a:xfrm flipV="1">
+            <a:off x="5134447" y="1534499"/>
+            <a:ext cx="555811" cy="10242"/>
+          </a:xfrm>
+          <a:prstGeom prst="straightConnector1">
+            <a:avLst/>
+          </a:prstGeom>
+          <a:ln w="38100">
+            <a:solidFill>
+              <a:srgbClr val="FF0000"/>
+            </a:solidFill>
+            <a:tailEnd type="triangle"/>
+          </a:ln>
+        </p:spPr>
+        <p:style>
+          <a:lnRef idx="1">
+            <a:schemeClr val="accent1"/>
+          </a:lnRef>
+          <a:fillRef idx="0">
+            <a:schemeClr val="accent1"/>
+          </a:fillRef>
+          <a:effectRef idx="0">
+            <a:schemeClr val="accent1"/>
+          </a:effectRef>
+          <a:fontRef idx="minor">
+            <a:schemeClr val="tx1"/>
+          </a:fontRef>
+        </p:style>
+      </p:cxnSp>
+      <p:sp>
+        <p:nvSpPr>
+          <p:cNvPr id="3" name="TextBox 2">
+            <a:extLst>
+              <a:ext uri="{FF2B5EF4-FFF2-40B4-BE49-F238E27FC236}">
+                <a16:creationId xmlns:a16="http://schemas.microsoft.com/office/drawing/2014/main" id="{A2D02D1A-0DF7-7630-BDFA-7B8D383A3D14}"/>
+              </a:ext>
+            </a:extLst>
+          </p:cNvPr>
+          <p:cNvSpPr txBox="1"/>
+          <p:nvPr/>
+        </p:nvSpPr>
+        <p:spPr>
+          <a:xfrm>
+            <a:off x="388755" y="1621325"/>
+            <a:ext cx="7327453" cy="538609"/>
+          </a:xfrm>
+          <a:prstGeom prst="rect">
+            <a:avLst/>
+          </a:prstGeom>
+          <a:noFill/>
+        </p:spPr>
+        <p:txBody>
+          <a:bodyPr wrap="square" rtlCol="0">
+            <a:spAutoFit/>
+          </a:bodyPr>
+          <a:lstStyle/>
+          <a:p>
+            <a:r>
+              <a:rPr lang="en-US" altLang="ko-KR" dirty="0"/>
+              <a:t>vec3FinalColor = </a:t>
+            </a:r>
+            <a:r>
+              <a:rPr lang="en-US" altLang="ko-KR" dirty="0">
+                <a:hlinkClick r:id="rId3"/>
+              </a:rPr>
+              <a:t>saturate</a:t>
+            </a:r>
+            <a:r>
+              <a:rPr lang="en-US" altLang="ko-KR" dirty="0"/>
+              <a:t>( </a:t>
+            </a:r>
+            <a:r>
+              <a:rPr lang="en-US" altLang="ko-KR" dirty="0">
+                <a:solidFill>
+                  <a:srgbClr val="0070C0"/>
+                </a:solidFill>
+                <a:hlinkClick r:id="rId4"/>
+              </a:rPr>
+              <a:t>dot</a:t>
+            </a:r>
+            <a:r>
+              <a:rPr lang="en-US" altLang="ko-KR" dirty="0">
+                <a:solidFill>
+                  <a:srgbClr val="0070C0"/>
+                </a:solidFill>
+              </a:rPr>
+              <a:t>(vec3Normal,-vec3Light) </a:t>
+            </a:r>
+            <a:r>
+              <a:rPr lang="en-US" altLang="ko-KR" dirty="0"/>
+              <a:t>* vec3Color ) </a:t>
+            </a:r>
+          </a:p>
+          <a:p>
+            <a:pPr marL="171450" indent="-171450">
+              <a:buFont typeface="Arial" panose="020B0604020202020204" pitchFamily="34" charset="0"/>
+              <a:buChar char="•"/>
+            </a:pPr>
+            <a:endParaRPr lang="ko-KR" altLang="en-US" sz="1100" dirty="0">
+              <a:solidFill>
+                <a:srgbClr val="002060"/>
+              </a:solidFill>
+            </a:endParaRPr>
+          </a:p>
+        </p:txBody>
+      </p:sp>
+      <p:sp>
+        <p:nvSpPr>
+          <p:cNvPr id="6" name="TextBox 5">
+            <a:extLst>
+              <a:ext uri="{FF2B5EF4-FFF2-40B4-BE49-F238E27FC236}">
+                <a16:creationId xmlns:a16="http://schemas.microsoft.com/office/drawing/2014/main" id="{E804DB1F-C9B1-60D2-FB3B-173BFDE6C56E}"/>
+              </a:ext>
+            </a:extLst>
+          </p:cNvPr>
+          <p:cNvSpPr txBox="1"/>
+          <p:nvPr/>
+        </p:nvSpPr>
+        <p:spPr>
+          <a:xfrm>
+            <a:off x="3745826" y="1208581"/>
+            <a:ext cx="870751" cy="246221"/>
+          </a:xfrm>
+          <a:prstGeom prst="rect">
+            <a:avLst/>
+          </a:prstGeom>
+          <a:noFill/>
+        </p:spPr>
+        <p:txBody>
+          <a:bodyPr wrap="none" rtlCol="0">
+            <a:spAutoFit/>
+          </a:bodyPr>
+          <a:lstStyle/>
+          <a:p>
+            <a:r>
+              <a:rPr lang="ko-KR" altLang="en-US" sz="1000" dirty="0"/>
+              <a:t>표면의 방향</a:t>
+            </a:r>
+          </a:p>
+        </p:txBody>
+      </p:sp>
+      <p:sp>
+        <p:nvSpPr>
+          <p:cNvPr id="8" name="TextBox 7">
+            <a:extLst>
+              <a:ext uri="{FF2B5EF4-FFF2-40B4-BE49-F238E27FC236}">
+                <a16:creationId xmlns:a16="http://schemas.microsoft.com/office/drawing/2014/main" id="{AB8D2202-B23D-0AE7-3F3A-B418BD52CCC1}"/>
+              </a:ext>
+            </a:extLst>
+          </p:cNvPr>
+          <p:cNvSpPr txBox="1"/>
+          <p:nvPr/>
+        </p:nvSpPr>
+        <p:spPr>
+          <a:xfrm>
+            <a:off x="5014646" y="1216159"/>
+            <a:ext cx="795411" cy="246221"/>
+          </a:xfrm>
+          <a:prstGeom prst="rect">
+            <a:avLst/>
+          </a:prstGeom>
+          <a:noFill/>
+        </p:spPr>
+        <p:txBody>
+          <a:bodyPr wrap="none" rtlCol="0">
+            <a:spAutoFit/>
+          </a:bodyPr>
+          <a:lstStyle/>
+          <a:p>
+            <a:r>
+              <a:rPr lang="en-US" altLang="ko-KR" sz="1000" dirty="0"/>
+              <a:t>-</a:t>
+            </a:r>
+            <a:r>
+              <a:rPr lang="ko-KR" altLang="en-US" sz="1000" dirty="0"/>
+              <a:t>빛의 방향</a:t>
+            </a:r>
+          </a:p>
+        </p:txBody>
+      </p:sp>
+      <p:sp>
+        <p:nvSpPr>
+          <p:cNvPr id="16" name="TextBox 15">
+            <a:extLst>
+              <a:ext uri="{FF2B5EF4-FFF2-40B4-BE49-F238E27FC236}">
+                <a16:creationId xmlns:a16="http://schemas.microsoft.com/office/drawing/2014/main" id="{438C3772-C3B7-A6F0-0CBB-71AAF122950A}"/>
+              </a:ext>
+            </a:extLst>
+          </p:cNvPr>
+          <p:cNvSpPr txBox="1"/>
+          <p:nvPr/>
+        </p:nvSpPr>
+        <p:spPr>
+          <a:xfrm>
+            <a:off x="567441" y="3915628"/>
+            <a:ext cx="3110147" cy="307777"/>
+          </a:xfrm>
+          <a:prstGeom prst="rect">
+            <a:avLst/>
+          </a:prstGeom>
+          <a:noFill/>
+        </p:spPr>
+        <p:txBody>
+          <a:bodyPr wrap="none" rtlCol="0">
+            <a:spAutoFit/>
+          </a:bodyPr>
+          <a:lstStyle/>
+          <a:p>
+            <a:r>
+              <a:rPr lang="ko-KR" altLang="en-US" sz="1400" dirty="0"/>
+              <a:t>길이가 </a:t>
+            </a:r>
+            <a:r>
+              <a:rPr lang="en-US" altLang="ko-KR" sz="1400" dirty="0"/>
+              <a:t>1</a:t>
+            </a:r>
+            <a:r>
+              <a:rPr lang="ko-KR" altLang="en-US" sz="1400" dirty="0"/>
+              <a:t>인 방향벡터들은 생략 가능 </a:t>
+            </a:r>
+          </a:p>
+        </p:txBody>
+      </p:sp>
+      <p:sp>
+        <p:nvSpPr>
+          <p:cNvPr id="17" name="TextBox 16">
+            <a:extLst>
+              <a:ext uri="{FF2B5EF4-FFF2-40B4-BE49-F238E27FC236}">
+                <a16:creationId xmlns:a16="http://schemas.microsoft.com/office/drawing/2014/main" id="{7434B793-644C-A7E3-5007-A5ADA579C867}"/>
+              </a:ext>
+            </a:extLst>
+          </p:cNvPr>
+          <p:cNvSpPr txBox="1"/>
+          <p:nvPr/>
+        </p:nvSpPr>
+        <p:spPr>
+          <a:xfrm>
+            <a:off x="335429" y="2385620"/>
+            <a:ext cx="7800725" cy="1200329"/>
+          </a:xfrm>
+          <a:prstGeom prst="rect">
+            <a:avLst/>
+          </a:prstGeom>
+          <a:noFill/>
+        </p:spPr>
+        <p:txBody>
+          <a:bodyPr wrap="none" rtlCol="0">
+            <a:spAutoFit/>
+          </a:bodyPr>
+          <a:lstStyle/>
+          <a:p>
+            <a:r>
+              <a:rPr lang="ko-KR" altLang="en-US" dirty="0"/>
+              <a:t>이 식을 이해 하려면 </a:t>
+            </a:r>
+            <a:endParaRPr lang="en-US" altLang="ko-KR" dirty="0"/>
+          </a:p>
+          <a:p>
+            <a:pPr marL="342900" indent="-342900">
+              <a:buAutoNum type="alphaLcPeriod"/>
+            </a:pPr>
+            <a:r>
+              <a:rPr lang="en-US" altLang="ko-KR" dirty="0"/>
+              <a:t>vector normalize </a:t>
+            </a:r>
+            <a:r>
+              <a:rPr lang="ko-KR" altLang="en-US" dirty="0"/>
+              <a:t>결과인 길이가 </a:t>
+            </a:r>
+            <a:r>
+              <a:rPr lang="en-US" altLang="ko-KR" dirty="0"/>
+              <a:t>1</a:t>
+            </a:r>
+            <a:r>
+              <a:rPr lang="ko-KR" altLang="en-US" dirty="0"/>
+              <a:t>인 단위벡터의 의미 </a:t>
+            </a:r>
+            <a:endParaRPr lang="en-US" altLang="ko-KR" dirty="0"/>
+          </a:p>
+          <a:p>
+            <a:r>
+              <a:rPr lang="en-US" altLang="ko-KR" dirty="0"/>
+              <a:t>b.</a:t>
+            </a:r>
+            <a:r>
+              <a:rPr lang="ko-KR" altLang="en-US" dirty="0"/>
+              <a:t> 벡터가 </a:t>
+            </a:r>
+            <a:r>
+              <a:rPr lang="ko-KR" altLang="en-US" dirty="0" err="1"/>
+              <a:t>단위벡터인</a:t>
+            </a:r>
+            <a:r>
+              <a:rPr lang="ko-KR" altLang="en-US" dirty="0"/>
+              <a:t> </a:t>
+            </a:r>
+            <a:r>
+              <a:rPr lang="en-US" altLang="ko-KR" dirty="0"/>
+              <a:t>Dot Product </a:t>
+            </a:r>
+            <a:r>
+              <a:rPr lang="ko-KR" altLang="en-US" dirty="0"/>
+              <a:t>의  </a:t>
+            </a:r>
+            <a:r>
+              <a:rPr lang="en-US" altLang="ko-KR" dirty="0"/>
+              <a:t>| </a:t>
+            </a:r>
+            <a:r>
+              <a:rPr lang="en-US" altLang="ko-KR" dirty="0" err="1"/>
+              <a:t>vecA</a:t>
+            </a:r>
+            <a:r>
+              <a:rPr lang="en-US" altLang="ko-KR" dirty="0"/>
+              <a:t> | * | </a:t>
+            </a:r>
+            <a:r>
+              <a:rPr lang="en-US" altLang="ko-KR" dirty="0" err="1"/>
+              <a:t>vecB</a:t>
+            </a:r>
+            <a:r>
+              <a:rPr lang="en-US" altLang="ko-KR" dirty="0"/>
+              <a:t> | * </a:t>
+            </a:r>
+            <a:r>
+              <a:rPr lang="en-US" altLang="ko-KR" dirty="0" err="1"/>
+              <a:t>cos</a:t>
+            </a:r>
+            <a:r>
+              <a:rPr lang="en-US" altLang="ko-KR" sz="1800" dirty="0" err="1"/>
+              <a:t>Θ</a:t>
+            </a:r>
+            <a:r>
+              <a:rPr lang="en-US" altLang="ko-KR" sz="1800" dirty="0"/>
+              <a:t>  </a:t>
+            </a:r>
+            <a:r>
+              <a:rPr lang="ko-KR" altLang="en-US" sz="1800" dirty="0"/>
+              <a:t>의 의미</a:t>
+            </a:r>
+            <a:r>
+              <a:rPr lang="en-US" altLang="ko-KR" sz="1800" dirty="0"/>
+              <a:t> </a:t>
+            </a:r>
+            <a:endParaRPr lang="en-US" altLang="ko-KR" dirty="0"/>
+          </a:p>
+          <a:p>
+            <a:endParaRPr lang="ko-KR" altLang="en-US" dirty="0"/>
+          </a:p>
+        </p:txBody>
+      </p:sp>
+      <p:pic>
+        <p:nvPicPr>
+          <p:cNvPr id="1026" name="Picture 2" descr="코사인함수의 그래프 – GeoGebra">
+            <a:extLst>
+              <a:ext uri="{FF2B5EF4-FFF2-40B4-BE49-F238E27FC236}">
+                <a16:creationId xmlns:a16="http://schemas.microsoft.com/office/drawing/2014/main" id="{9B95C27A-37C8-5822-BB6D-6A37B243A466}"/>
+              </a:ext>
+            </a:extLst>
+          </p:cNvPr>
+          <p:cNvPicPr>
+            <a:picLocks noChangeAspect="1" noChangeArrowheads="1"/>
+          </p:cNvPicPr>
+          <p:nvPr/>
+        </p:nvPicPr>
+        <p:blipFill>
+          <a:blip r:embed="rId5">
+            <a:extLst>
+              <a:ext uri="{28A0092B-C50C-407E-A947-70E740481C1C}">
+                <a14:useLocalDpi xmlns:a14="http://schemas.microsoft.com/office/drawing/2010/main" val="0"/>
+              </a:ext>
+            </a:extLst>
+          </a:blip>
+          <a:srcRect/>
+          <a:stretch>
+            <a:fillRect/>
+          </a:stretch>
+        </p:blipFill>
+        <p:spPr bwMode="auto">
+          <a:xfrm>
+            <a:off x="4749333" y="4211383"/>
+            <a:ext cx="6667500" cy="1790700"/>
+          </a:xfrm>
+          <a:prstGeom prst="rect">
+            <a:avLst/>
+          </a:prstGeom>
+          <a:noFill/>
+          <a:extLst>
+            <a:ext uri="{909E8E84-426E-40DD-AFC4-6F175D3DCCD1}">
+              <a14:hiddenFill xmlns:a14="http://schemas.microsoft.com/office/drawing/2010/main">
+                <a:solidFill>
+                  <a:srgbClr val="FFFFFF"/>
+                </a:solidFill>
+              </a14:hiddenFill>
+            </a:ext>
+          </a:extLst>
+        </p:spPr>
+      </p:pic>
+      <mc:AlternateContent xmlns:mc="http://schemas.openxmlformats.org/markup-compatibility/2006">
+        <mc:Choice xmlns:a14="http://schemas.microsoft.com/office/drawing/2010/main" Requires="a14">
+          <p:sp>
+            <p:nvSpPr>
+              <p:cNvPr id="5" name="TextBox 4">
+                <a:extLst>
+                  <a:ext uri="{FF2B5EF4-FFF2-40B4-BE49-F238E27FC236}">
+                    <a16:creationId xmlns:a16="http://schemas.microsoft.com/office/drawing/2014/main" id="{E1208864-42CC-88EA-4623-E7EF57F97BA9}"/>
+                  </a:ext>
+                </a:extLst>
+              </p:cNvPr>
+              <p:cNvSpPr txBox="1"/>
+              <p:nvPr/>
+            </p:nvSpPr>
+            <p:spPr>
+              <a:xfrm>
+                <a:off x="8083083" y="1059632"/>
+                <a:ext cx="3222652" cy="830997"/>
+              </a:xfrm>
+              <a:prstGeom prst="rect">
+                <a:avLst/>
+              </a:prstGeom>
+              <a:noFill/>
+            </p:spPr>
+            <p:txBody>
+              <a:bodyPr wrap="square">
+                <a:spAutoFit/>
+              </a:bodyPr>
+              <a:lstStyle/>
+              <a:p>
+                <a:pPr/>
+                <a:r>
+                  <a:rPr lang="ko-KR" altLang="en-US" sz="1200" i="1" dirty="0">
+                    <a:latin typeface="Cambria Math" panose="02040503050406030204" pitchFamily="18" charset="0"/>
+                  </a:rPr>
+                  <a:t>내적 연산</a:t>
+                </a:r>
+                <a:r>
+                  <a:rPr lang="en-US" altLang="ko-KR" sz="1200" i="1" dirty="0">
+                    <a:latin typeface="Cambria Math" panose="02040503050406030204" pitchFamily="18" charset="0"/>
+                  </a:rPr>
+                  <a:t>( dot product)</a:t>
+                </a:r>
+              </a:p>
+              <a:p>
+                <a:pPr/>
+                <a14:m>
+                  <m:oMathPara xmlns:m="http://schemas.openxmlformats.org/officeDocument/2006/math">
+                    <m:oMathParaPr>
+                      <m:jc m:val="centerGroup"/>
+                    </m:oMathParaPr>
+                    <m:oMath xmlns:m="http://schemas.openxmlformats.org/officeDocument/2006/math">
+                      <m:r>
+                        <a:rPr lang="ko-KR" altLang="en-US" i="1" smtClean="0">
+                          <a:latin typeface="Cambria Math" panose="02040503050406030204" pitchFamily="18" charset="0"/>
+                        </a:rPr>
+                        <m:t>𝑢</m:t>
+                      </m:r>
+                      <m:r>
+                        <a:rPr lang="ko-KR" altLang="en-US" i="0">
+                          <a:latin typeface="Cambria Math" panose="02040503050406030204" pitchFamily="18" charset="0"/>
+                        </a:rPr>
+                        <m:t>⋅</m:t>
+                      </m:r>
+                      <m:r>
+                        <a:rPr lang="ko-KR" altLang="en-US" i="1">
+                          <a:latin typeface="Cambria Math" panose="02040503050406030204" pitchFamily="18" charset="0"/>
+                        </a:rPr>
+                        <m:t>𝑣</m:t>
+                      </m:r>
+                      <m:r>
+                        <a:rPr lang="en-US" altLang="ko-KR" i="0">
+                          <a:latin typeface="Cambria Math" panose="02040503050406030204" pitchFamily="18" charset="0"/>
+                        </a:rPr>
+                        <m:t>=</m:t>
+                      </m:r>
+                      <m:sSub>
+                        <m:sSubPr>
+                          <m:ctrlPr>
+                            <a:rPr lang="ko-KR" altLang="en-US" i="1">
+                              <a:latin typeface="Cambria Math" panose="02040503050406030204" pitchFamily="18" charset="0"/>
+                            </a:rPr>
+                          </m:ctrlPr>
+                        </m:sSubPr>
+                        <m:e>
+                          <m:r>
+                            <a:rPr lang="ko-KR" altLang="en-US" i="1">
+                              <a:latin typeface="Cambria Math" panose="02040503050406030204" pitchFamily="18" charset="0"/>
+                            </a:rPr>
+                            <m:t>𝑢</m:t>
+                          </m:r>
+                        </m:e>
+                        <m:sub>
+                          <m:r>
+                            <a:rPr lang="en-US" altLang="ko-KR" i="0">
+                              <a:latin typeface="Cambria Math" panose="02040503050406030204" pitchFamily="18" charset="0"/>
+                            </a:rPr>
+                            <m:t>1</m:t>
+                          </m:r>
+                        </m:sub>
+                      </m:sSub>
+                      <m:sSub>
+                        <m:sSubPr>
+                          <m:ctrlPr>
+                            <a:rPr lang="ko-KR" altLang="en-US" i="1">
+                              <a:latin typeface="Cambria Math" panose="02040503050406030204" pitchFamily="18" charset="0"/>
+                            </a:rPr>
+                          </m:ctrlPr>
+                        </m:sSubPr>
+                        <m:e>
+                          <m:r>
+                            <a:rPr lang="ko-KR" altLang="en-US" i="1">
+                              <a:latin typeface="Cambria Math" panose="02040503050406030204" pitchFamily="18" charset="0"/>
+                            </a:rPr>
+                            <m:t>𝑣</m:t>
+                          </m:r>
+                        </m:e>
+                        <m:sub>
+                          <m:r>
+                            <a:rPr lang="en-US" altLang="ko-KR" i="0">
+                              <a:latin typeface="Cambria Math" panose="02040503050406030204" pitchFamily="18" charset="0"/>
+                            </a:rPr>
+                            <m:t>1</m:t>
+                          </m:r>
+                        </m:sub>
+                      </m:sSub>
+                      <m:r>
+                        <a:rPr lang="en-US" altLang="ko-KR" i="0">
+                          <a:latin typeface="Cambria Math" panose="02040503050406030204" pitchFamily="18" charset="0"/>
+                        </a:rPr>
+                        <m:t>+</m:t>
+                      </m:r>
+                      <m:sSub>
+                        <m:sSubPr>
+                          <m:ctrlPr>
+                            <a:rPr lang="ko-KR" altLang="en-US" i="1">
+                              <a:latin typeface="Cambria Math" panose="02040503050406030204" pitchFamily="18" charset="0"/>
+                            </a:rPr>
+                          </m:ctrlPr>
+                        </m:sSubPr>
+                        <m:e>
+                          <m:r>
+                            <a:rPr lang="ko-KR" altLang="en-US" i="1">
+                              <a:latin typeface="Cambria Math" panose="02040503050406030204" pitchFamily="18" charset="0"/>
+                            </a:rPr>
+                            <m:t>𝑢</m:t>
+                          </m:r>
+                        </m:e>
+                        <m:sub>
+                          <m:r>
+                            <a:rPr lang="en-US" altLang="ko-KR" i="0">
+                              <a:latin typeface="Cambria Math" panose="02040503050406030204" pitchFamily="18" charset="0"/>
+                            </a:rPr>
+                            <m:t>2</m:t>
+                          </m:r>
+                        </m:sub>
+                      </m:sSub>
+                      <m:sSub>
+                        <m:sSubPr>
+                          <m:ctrlPr>
+                            <a:rPr lang="ko-KR" altLang="en-US" i="1">
+                              <a:latin typeface="Cambria Math" panose="02040503050406030204" pitchFamily="18" charset="0"/>
+                            </a:rPr>
+                          </m:ctrlPr>
+                        </m:sSubPr>
+                        <m:e>
+                          <m:r>
+                            <a:rPr lang="ko-KR" altLang="en-US" i="1">
+                              <a:latin typeface="Cambria Math" panose="02040503050406030204" pitchFamily="18" charset="0"/>
+                            </a:rPr>
+                            <m:t>𝑣</m:t>
+                          </m:r>
+                        </m:e>
+                        <m:sub>
+                          <m:r>
+                            <a:rPr lang="en-US" altLang="ko-KR" i="0">
+                              <a:latin typeface="Cambria Math" panose="02040503050406030204" pitchFamily="18" charset="0"/>
+                            </a:rPr>
+                            <m:t>2</m:t>
+                          </m:r>
+                        </m:sub>
+                      </m:sSub>
+                      <m:r>
+                        <a:rPr lang="en-US" altLang="ko-KR" i="0">
+                          <a:latin typeface="Cambria Math" panose="02040503050406030204" pitchFamily="18" charset="0"/>
+                        </a:rPr>
+                        <m:t>+</m:t>
+                      </m:r>
+                      <m:sSub>
+                        <m:sSubPr>
+                          <m:ctrlPr>
+                            <a:rPr lang="ko-KR" altLang="en-US" i="1">
+                              <a:latin typeface="Cambria Math" panose="02040503050406030204" pitchFamily="18" charset="0"/>
+                            </a:rPr>
+                          </m:ctrlPr>
+                        </m:sSubPr>
+                        <m:e>
+                          <m:r>
+                            <a:rPr lang="ko-KR" altLang="en-US" i="1">
+                              <a:latin typeface="Cambria Math" panose="02040503050406030204" pitchFamily="18" charset="0"/>
+                            </a:rPr>
+                            <m:t>𝑢</m:t>
+                          </m:r>
+                        </m:e>
+                        <m:sub>
+                          <m:r>
+                            <a:rPr lang="en-US" altLang="ko-KR" i="0">
+                              <a:latin typeface="Cambria Math" panose="02040503050406030204" pitchFamily="18" charset="0"/>
+                            </a:rPr>
+                            <m:t>3</m:t>
+                          </m:r>
+                        </m:sub>
+                      </m:sSub>
+                      <m:sSub>
+                        <m:sSubPr>
+                          <m:ctrlPr>
+                            <a:rPr lang="ko-KR" altLang="en-US" i="1">
+                              <a:latin typeface="Cambria Math" panose="02040503050406030204" pitchFamily="18" charset="0"/>
+                            </a:rPr>
+                          </m:ctrlPr>
+                        </m:sSubPr>
+                        <m:e>
+                          <m:r>
+                            <a:rPr lang="ko-KR" altLang="en-US" i="1">
+                              <a:latin typeface="Cambria Math" panose="02040503050406030204" pitchFamily="18" charset="0"/>
+                            </a:rPr>
+                            <m:t>𝑣</m:t>
+                          </m:r>
+                        </m:e>
+                        <m:sub>
+                          <m:r>
+                            <a:rPr lang="en-US" altLang="ko-KR" i="0">
+                              <a:latin typeface="Cambria Math" panose="02040503050406030204" pitchFamily="18" charset="0"/>
+                            </a:rPr>
+                            <m:t>3</m:t>
+                          </m:r>
+                        </m:sub>
+                      </m:sSub>
+                    </m:oMath>
+                  </m:oMathPara>
+                </a14:m>
+                <a:endParaRPr lang="en-US" altLang="ko-KR" dirty="0"/>
+              </a:p>
+              <a:p>
+                <a:pPr/>
+                <a:r>
+                  <a:rPr lang="ko-KR" altLang="en-US" dirty="0"/>
+                  <a:t> </a:t>
+                </a:r>
+                <a14:m>
+                  <m:oMath xmlns:m="http://schemas.openxmlformats.org/officeDocument/2006/math">
+                    <m:r>
+                      <a:rPr lang="en-US" altLang="ko-KR" b="0" i="0" smtClean="0">
+                        <a:latin typeface="Cambria Math" panose="02040503050406030204" pitchFamily="18" charset="0"/>
+                      </a:rPr>
+                      <m:t>            </m:t>
+                    </m:r>
+                    <m:r>
+                      <a:rPr lang="en-US" altLang="ko-KR">
+                        <a:latin typeface="Cambria Math" panose="02040503050406030204" pitchFamily="18" charset="0"/>
+                      </a:rPr>
+                      <m:t>=</m:t>
+                    </m:r>
+                  </m:oMath>
+                </a14:m>
+                <a:r>
+                  <a:rPr lang="ko-KR" altLang="en-US" dirty="0"/>
+                  <a:t> </a:t>
+                </a:r>
+                <a14:m>
+                  <m:oMath xmlns:m="http://schemas.openxmlformats.org/officeDocument/2006/math">
+                    <m:d>
+                      <m:dPr>
+                        <m:begChr m:val="|"/>
+                        <m:endChr m:val="|"/>
+                        <m:ctrlPr>
+                          <a:rPr lang="en-US" altLang="ko-KR" i="1" dirty="0" smtClean="0">
+                            <a:latin typeface="Cambria Math" panose="02040503050406030204" pitchFamily="18" charset="0"/>
+                          </a:rPr>
+                        </m:ctrlPr>
+                      </m:dPr>
+                      <m:e>
+                        <m:r>
+                          <a:rPr lang="ko-KR" altLang="en-US" i="1">
+                            <a:latin typeface="Cambria Math" panose="02040503050406030204" pitchFamily="18" charset="0"/>
+                          </a:rPr>
+                          <m:t>𝑢</m:t>
+                        </m:r>
+                      </m:e>
+                    </m:d>
+                  </m:oMath>
+                </a14:m>
+                <a:r>
+                  <a:rPr lang="en-US" altLang="ko-KR" dirty="0"/>
+                  <a:t> * </a:t>
+                </a:r>
+                <a14:m>
+                  <m:oMath xmlns:m="http://schemas.openxmlformats.org/officeDocument/2006/math">
+                    <m:d>
+                      <m:dPr>
+                        <m:begChr m:val="|"/>
+                        <m:endChr m:val="|"/>
+                        <m:ctrlPr>
+                          <a:rPr lang="en-US" altLang="ko-KR" i="1" dirty="0">
+                            <a:latin typeface="Cambria Math" panose="02040503050406030204" pitchFamily="18" charset="0"/>
+                          </a:rPr>
+                        </m:ctrlPr>
+                      </m:dPr>
+                      <m:e>
+                        <m:r>
+                          <a:rPr lang="ko-KR" altLang="en-US" i="1">
+                            <a:latin typeface="Cambria Math" panose="02040503050406030204" pitchFamily="18" charset="0"/>
+                          </a:rPr>
+                          <m:t>𝑣</m:t>
+                        </m:r>
+                      </m:e>
+                    </m:d>
+                    <m:r>
+                      <a:rPr lang="en-US" altLang="ko-KR" b="0" i="1" smtClean="0">
+                        <a:latin typeface="Cambria Math" panose="02040503050406030204" pitchFamily="18" charset="0"/>
+                      </a:rPr>
+                      <m:t> * </m:t>
+                    </m:r>
+                    <m:func>
+                      <m:funcPr>
+                        <m:ctrlPr>
+                          <a:rPr lang="en-US" altLang="ko-KR" b="0" i="1" smtClean="0">
+                            <a:latin typeface="Cambria Math" panose="02040503050406030204" pitchFamily="18" charset="0"/>
+                          </a:rPr>
+                        </m:ctrlPr>
+                      </m:funcPr>
+                      <m:fName>
+                        <m:r>
+                          <m:rPr>
+                            <m:sty m:val="p"/>
+                          </m:rPr>
+                          <a:rPr lang="en-US" altLang="ko-KR" b="0" i="0" smtClean="0">
+                            <a:latin typeface="Cambria Math" panose="02040503050406030204" pitchFamily="18" charset="0"/>
+                          </a:rPr>
+                          <m:t>cos</m:t>
+                        </m:r>
+                      </m:fName>
+                      <m:e>
+                        <m:r>
+                          <m:rPr>
+                            <m:nor/>
+                          </m:rPr>
+                          <a:rPr lang="en-US" altLang="ko-KR" dirty="0"/>
+                          <m:t>Θ</m:t>
+                        </m:r>
+                        <m:r>
+                          <m:rPr>
+                            <m:nor/>
+                          </m:rPr>
+                          <a:rPr lang="en-US" altLang="ko-KR" dirty="0"/>
+                          <m:t> </m:t>
+                        </m:r>
+                      </m:e>
+                    </m:func>
+                  </m:oMath>
+                </a14:m>
+                <a:endParaRPr lang="ko-KR" altLang="en-US" dirty="0"/>
+              </a:p>
+            </p:txBody>
+          </p:sp>
+        </mc:Choice>
+        <mc:Fallback>
+          <p:sp>
+            <p:nvSpPr>
+              <p:cNvPr id="5" name="TextBox 4">
+                <a:extLst>
+                  <a:ext uri="{FF2B5EF4-FFF2-40B4-BE49-F238E27FC236}">
+                    <a16:creationId xmlns:a16="http://schemas.microsoft.com/office/drawing/2014/main" id="{E1208864-42CC-88EA-4623-E7EF57F97BA9}"/>
+                  </a:ext>
+                </a:extLst>
+              </p:cNvPr>
+              <p:cNvSpPr txBox="1">
+                <a:spLocks noRot="1" noChangeAspect="1" noMove="1" noResize="1" noEditPoints="1" noAdjustHandles="1" noChangeArrowheads="1" noChangeShapeType="1" noTextEdit="1"/>
+              </p:cNvSpPr>
+              <p:nvPr/>
+            </p:nvSpPr>
+            <p:spPr>
+              <a:xfrm>
+                <a:off x="8083083" y="1059632"/>
+                <a:ext cx="3222652" cy="830997"/>
+              </a:xfrm>
+              <a:prstGeom prst="rect">
+                <a:avLst/>
+              </a:prstGeom>
+              <a:blipFill>
+                <a:blip r:embed="rId6"/>
+                <a:stretch>
+                  <a:fillRect l="-1701" t="-1471" b="-11029"/>
+                </a:stretch>
+              </a:blipFill>
+            </p:spPr>
+            <p:txBody>
+              <a:bodyPr/>
+              <a:lstStyle/>
+              <a:p>
+                <a:r>
+                  <a:rPr lang="ko-KR" altLang="en-US">
+                    <a:noFill/>
+                  </a:rPr>
+                  <a:t> </a:t>
+                </a:r>
+              </a:p>
+            </p:txBody>
+          </p:sp>
+        </mc:Fallback>
+      </mc:AlternateContent>
+    </p:spTree>
+    <p:extLst>
+      <p:ext uri="{BB962C8B-B14F-4D97-AF65-F5344CB8AC3E}">
+        <p14:creationId xmlns:p14="http://schemas.microsoft.com/office/powerpoint/2010/main" val="2675551121"/>
+      </p:ext>
+    </p:extLst>
+  </p:cSld>
+  <p:clrMapOvr>
+    <a:masterClrMapping/>
+  </p:clrMapOvr>
+</p:sld>
+</file>
+
+<file path=ppt/slides/slide11.xml><?xml version="1.0" encoding="utf-8"?>
+<p:sld xmlns:a="http://schemas.openxmlformats.org/drawingml/2006/main" xmlns:r="http://schemas.openxmlformats.org/officeDocument/2006/relationships" xmlns:p="http://schemas.openxmlformats.org/presentationml/2006/main">
+  <p:cSld>
+    <p:spTree>
+      <p:nvGrpSpPr>
+        <p:cNvPr id="1" name=""/>
+        <p:cNvGrpSpPr/>
+        <p:nvPr/>
+      </p:nvGrpSpPr>
+      <p:grpSpPr>
+        <a:xfrm>
+          <a:off x="0" y="0"/>
+          <a:ext cx="0" cy="0"/>
+          <a:chOff x="0" y="0"/>
+          <a:chExt cx="0" cy="0"/>
+        </a:xfrm>
+      </p:grpSpPr>
+      <p:sp>
+        <p:nvSpPr>
+          <p:cNvPr id="2" name="제목 1">
+            <a:extLst>
+              <a:ext uri="{FF2B5EF4-FFF2-40B4-BE49-F238E27FC236}">
                 <a16:creationId xmlns:a16="http://schemas.microsoft.com/office/drawing/2014/main" id="{F17CC378-3633-784C-2F77-ABC81051E73B}"/>
               </a:ext>
             </a:extLst>
@@ -4474,7 +5794,7 @@
             </a:r>
             <a:r>
               <a:rPr lang="ko-KR" altLang="en-US" dirty="0"/>
-              <a:t>의 종류</a:t>
+              <a:t>의 정의와 종류</a:t>
             </a:r>
           </a:p>
         </p:txBody>
@@ -4553,8 +5873,8 @@
         </p:blipFill>
         <p:spPr bwMode="auto">
           <a:xfrm>
-            <a:off x="4295438" y="4695270"/>
-            <a:ext cx="3144481" cy="2111375"/>
+            <a:off x="4414914" y="4896295"/>
+            <a:ext cx="2845093" cy="1910350"/>
           </a:xfrm>
           <a:prstGeom prst="rect">
             <a:avLst/>
@@ -4593,7 +5913,7 @@
         </p:blipFill>
         <p:spPr>
           <a:xfrm>
-            <a:off x="4414914" y="2403674"/>
+            <a:off x="4414914" y="2547375"/>
             <a:ext cx="2782474" cy="2238376"/>
           </a:xfrm>
           <a:prstGeom prst="rect">
@@ -4623,7 +5943,7 @@
         </p:blipFill>
         <p:spPr>
           <a:xfrm>
-            <a:off x="559772" y="2329803"/>
+            <a:off x="522130" y="2624783"/>
             <a:ext cx="2476500" cy="2238375"/>
           </a:xfrm>
           <a:prstGeom prst="rect">
@@ -4653,8 +5973,8 @@
         </p:blipFill>
         <p:spPr>
           <a:xfrm>
-            <a:off x="168733" y="4594963"/>
-            <a:ext cx="3589027" cy="2151116"/>
+            <a:off x="458517" y="4896295"/>
+            <a:ext cx="3187321" cy="1910350"/>
           </a:xfrm>
           <a:prstGeom prst="rect">
             <a:avLst/>
@@ -4683,8 +6003,8 @@
         </p:blipFill>
         <p:spPr>
           <a:xfrm>
-            <a:off x="8327947" y="4608546"/>
-            <a:ext cx="3262073" cy="2198099"/>
+            <a:off x="8434241" y="4896295"/>
+            <a:ext cx="2849062" cy="1919798"/>
           </a:xfrm>
           <a:prstGeom prst="rect">
             <a:avLst/>
@@ -4713,7 +6033,7 @@
         </p:blipFill>
         <p:spPr>
           <a:xfrm>
-            <a:off x="8434241" y="2303020"/>
+            <a:off x="8434241" y="2547375"/>
             <a:ext cx="2849062" cy="2291943"/>
           </a:xfrm>
           <a:prstGeom prst="rect">
@@ -4735,7 +6055,7 @@
         </p:nvSpPr>
         <p:spPr>
           <a:xfrm>
-            <a:off x="1004356" y="1846183"/>
+            <a:off x="966714" y="2141163"/>
             <a:ext cx="1725088" cy="369332"/>
           </a:xfrm>
           <a:prstGeom prst="rect">
@@ -4771,7 +6091,7 @@
         </p:nvSpPr>
         <p:spPr>
           <a:xfrm>
-            <a:off x="4727492" y="1846183"/>
+            <a:off x="4727492" y="2090538"/>
             <a:ext cx="1315168" cy="369332"/>
           </a:xfrm>
           <a:prstGeom prst="rect">
@@ -4807,7 +6127,7 @@
         </p:nvSpPr>
         <p:spPr>
           <a:xfrm>
-            <a:off x="8991600" y="1862515"/>
+            <a:off x="8991600" y="2106870"/>
             <a:ext cx="1315168" cy="369332"/>
           </a:xfrm>
           <a:prstGeom prst="rect">
@@ -4843,7 +6163,7 @@
         </p:nvSpPr>
         <p:spPr>
           <a:xfrm>
-            <a:off x="1866900" y="3802379"/>
+            <a:off x="1829258" y="4097237"/>
             <a:ext cx="1417455" cy="419101"/>
           </a:xfrm>
           <a:prstGeom prst="rect">
@@ -4895,7 +6215,7 @@
         </p:nvSpPr>
         <p:spPr>
           <a:xfrm>
-            <a:off x="2471087" y="2406682"/>
+            <a:off x="2433445" y="2701662"/>
             <a:ext cx="1626536" cy="1169551"/>
           </a:xfrm>
           <a:prstGeom prst="rect">
@@ -4945,6 +6265,106 @@
               <a:rPr lang="en-US" altLang="ko-KR" sz="1400" dirty="0"/>
               <a:t>    B(0.0 ~ 1.0)</a:t>
             </a:r>
+          </a:p>
+        </p:txBody>
+      </p:sp>
+      <p:sp>
+        <p:nvSpPr>
+          <p:cNvPr id="15" name="TextBox 14">
+            <a:extLst>
+              <a:ext uri="{FF2B5EF4-FFF2-40B4-BE49-F238E27FC236}">
+                <a16:creationId xmlns:a16="http://schemas.microsoft.com/office/drawing/2014/main" id="{FBF1054B-0D2A-4C56-6E4D-4DD580185D47}"/>
+              </a:ext>
+            </a:extLst>
+          </p:cNvPr>
+          <p:cNvSpPr txBox="1"/>
+          <p:nvPr/>
+        </p:nvSpPr>
+        <p:spPr>
+          <a:xfrm>
+            <a:off x="334879" y="1372352"/>
+            <a:ext cx="11289928" cy="646331"/>
+          </a:xfrm>
+          <a:prstGeom prst="rect">
+            <a:avLst/>
+          </a:prstGeom>
+          <a:noFill/>
+        </p:spPr>
+        <p:txBody>
+          <a:bodyPr wrap="square">
+            <a:spAutoFit/>
+          </a:bodyPr>
+          <a:lstStyle/>
+          <a:p>
+            <a:r>
+              <a:rPr lang="ko-KR" altLang="en-US" dirty="0"/>
+              <a:t> 그래픽스에서 </a:t>
+            </a:r>
+            <a:r>
+              <a:rPr lang="en-US" altLang="ko-KR" b="1" dirty="0"/>
+              <a:t>Light</a:t>
+            </a:r>
+            <a:r>
+              <a:rPr lang="ko-KR" altLang="en-US" dirty="0"/>
+              <a:t>란 씬</a:t>
+            </a:r>
+            <a:r>
+              <a:rPr lang="en-US" altLang="ko-KR" dirty="0"/>
+              <a:t>(Scene) </a:t>
+            </a:r>
+            <a:r>
+              <a:rPr lang="ko-KR" altLang="en-US" dirty="0"/>
+              <a:t>내에서 </a:t>
+            </a:r>
+            <a:r>
+              <a:rPr lang="ko-KR" altLang="en-US" b="1" dirty="0"/>
+              <a:t>광원의 속성</a:t>
+            </a:r>
+            <a:r>
+              <a:rPr lang="en-US" altLang="ko-KR" b="1" dirty="0"/>
+              <a:t>(</a:t>
+            </a:r>
+            <a:r>
+              <a:rPr lang="ko-KR" altLang="en-US" b="1" dirty="0"/>
+              <a:t>위치</a:t>
+            </a:r>
+            <a:r>
+              <a:rPr lang="en-US" altLang="ko-KR" b="1" dirty="0"/>
+              <a:t>, </a:t>
+            </a:r>
+            <a:r>
+              <a:rPr lang="ko-KR" altLang="en-US" b="1" dirty="0"/>
+              <a:t>방향</a:t>
+            </a:r>
+            <a:r>
+              <a:rPr lang="en-US" altLang="ko-KR" b="1" dirty="0"/>
+              <a:t>, </a:t>
+            </a:r>
+            <a:r>
+              <a:rPr lang="ko-KR" altLang="en-US" b="1" dirty="0"/>
+              <a:t>세기</a:t>
+            </a:r>
+            <a:r>
+              <a:rPr lang="en-US" altLang="ko-KR" b="1" dirty="0"/>
+              <a:t>, </a:t>
+            </a:r>
+            <a:r>
+              <a:rPr lang="ko-KR" altLang="en-US" b="1" dirty="0"/>
+              <a:t>색상 등</a:t>
+            </a:r>
+            <a:r>
+              <a:rPr lang="en-US" altLang="ko-KR" b="1" dirty="0"/>
+              <a:t>)</a:t>
+            </a:r>
+            <a:r>
+              <a:rPr lang="ko-KR" altLang="en-US" dirty="0"/>
+              <a:t> 으로 표현되는 빛 에너지를 의미한다</a:t>
+            </a:r>
+            <a:r>
+              <a:rPr lang="en-US" altLang="ko-KR" dirty="0"/>
+              <a:t>.</a:t>
+            </a:r>
+            <a:endParaRPr lang="ko-KR" altLang="en-US" dirty="0"/>
           </a:p>
         </p:txBody>
       </p:sp>
@@ -5021,7 +6441,7 @@
             </a:r>
             <a:r>
               <a:rPr lang="ko-KR" altLang="en-US" dirty="0"/>
-              <a:t>의 종류</a:t>
+              <a:t>의 정의와 종류</a:t>
             </a:r>
           </a:p>
         </p:txBody>
@@ -5040,8 +6460,8 @@
         </p:nvSpPr>
         <p:spPr>
           <a:xfrm>
-            <a:off x="777449" y="1588728"/>
-            <a:ext cx="9928860" cy="1200329"/>
+            <a:off x="564543" y="1488026"/>
+            <a:ext cx="10400305" cy="369332"/>
           </a:xfrm>
           <a:prstGeom prst="rect">
             <a:avLst/>
@@ -5056,68 +6476,11 @@
           <a:p>
             <a:r>
               <a:rPr lang="ko-KR" altLang="en-US" dirty="0"/>
-              <a:t> 공간에 빛을 공급하고 그 공간을 밝게 하여 만들어 내는 행위</a:t>
+              <a:t> 조명이란 광원에서 나온 빛이 물체에 도달해 표면 상호작용을 통해 색과 밝기를 결정하는 과정이다</a:t>
             </a:r>
             <a:r>
               <a:rPr lang="en-US" altLang="ko-KR" dirty="0"/>
               <a:t>.</a:t>
-            </a:r>
-          </a:p>
-          <a:p>
-            <a:r>
-              <a:rPr lang="en-US" altLang="ko-KR" dirty="0"/>
-              <a:t>Local </a:t>
-            </a:r>
-            <a:r>
-              <a:rPr lang="en-US" altLang="ko-KR" dirty="0" err="1"/>
-              <a:t>Illuminaion</a:t>
-            </a:r>
-            <a:r>
-              <a:rPr lang="en-US" altLang="ko-KR" dirty="0"/>
-              <a:t>: </a:t>
-            </a:r>
-            <a:r>
-              <a:rPr lang="ko-KR" altLang="en-US" dirty="0"/>
-              <a:t> 빛과 물체 또는 표면을 독립적으로 계산하는 단순한 모델</a:t>
-            </a:r>
-            <a:endParaRPr lang="en-US" altLang="ko-KR" dirty="0"/>
-          </a:p>
-          <a:p>
-            <a:r>
-              <a:rPr lang="en-US" altLang="ko-KR" dirty="0"/>
-              <a:t>Global Illumination: </a:t>
-            </a:r>
-            <a:r>
-              <a:rPr lang="ko-KR" altLang="en-US" dirty="0"/>
-              <a:t>빛이 다른 물체 또는 대기와 상호작용 하여 여러 번 반사</a:t>
-            </a:r>
-            <a:r>
-              <a:rPr lang="en-US" altLang="ko-KR" dirty="0"/>
-              <a:t>,</a:t>
-            </a:r>
-            <a:r>
-              <a:rPr lang="ko-KR" altLang="en-US" dirty="0"/>
-              <a:t>굴절</a:t>
-            </a:r>
-            <a:r>
-              <a:rPr lang="en-US" altLang="ko-KR" dirty="0"/>
-              <a:t>,</a:t>
-            </a:r>
-            <a:r>
-              <a:rPr lang="ko-KR" altLang="en-US" dirty="0"/>
-              <a:t>산란 되는 등의 과정으로 만들어지는 </a:t>
-            </a:r>
-            <a:r>
-              <a:rPr lang="ko-KR" altLang="en-US" b="1" dirty="0" err="1"/>
-              <a:t>간접광</a:t>
-            </a:r>
-            <a:r>
-              <a:rPr lang="ko-KR" altLang="en-US" b="1" dirty="0"/>
-              <a:t> 까지 계산</a:t>
-            </a:r>
-            <a:r>
-              <a:rPr lang="ko-KR" altLang="en-US" dirty="0"/>
-              <a:t>하는 복잡한 모델</a:t>
             </a:r>
           </a:p>
         </p:txBody>
@@ -5136,7 +6499,7 @@
           </p:cNvPicPr>
           <p:nvPr/>
         </p:nvPicPr>
-        <p:blipFill>
+        <p:blipFill rotWithShape="1">
           <a:blip r:embed="rId2">
             <a:extLst>
               <a:ext uri="{28A0092B-C50C-407E-A947-70E740481C1C}">
@@ -5144,15 +6507,15 @@
               </a:ext>
             </a:extLst>
           </a:blip>
-          <a:srcRect/>
+          <a:srcRect r="51313" b="6344"/>
           <a:stretch>
             <a:fillRect/>
           </a:stretch>
         </p:blipFill>
         <p:spPr bwMode="auto">
           <a:xfrm>
-            <a:off x="1405367" y="2866479"/>
-            <a:ext cx="7414260" cy="3865443"/>
+            <a:off x="649261" y="1840865"/>
+            <a:ext cx="2485054" cy="2492196"/>
           </a:xfrm>
           <a:prstGeom prst="rect">
             <a:avLst/>
@@ -5169,406 +6532,712 @@
           </a:extLst>
         </p:spPr>
       </p:pic>
+      <p:grpSp>
+        <p:nvGrpSpPr>
+          <p:cNvPr id="17" name="그룹 16">
+            <a:extLst>
+              <a:ext uri="{FF2B5EF4-FFF2-40B4-BE49-F238E27FC236}">
+                <a16:creationId xmlns:a16="http://schemas.microsoft.com/office/drawing/2014/main" id="{77E7CADE-AB90-E060-ADC2-88D3E795EC6F}"/>
+              </a:ext>
+            </a:extLst>
+          </p:cNvPr>
+          <p:cNvGrpSpPr/>
+          <p:nvPr/>
+        </p:nvGrpSpPr>
+        <p:grpSpPr>
+          <a:xfrm>
+            <a:off x="649262" y="4365804"/>
+            <a:ext cx="2485054" cy="2492196"/>
+            <a:chOff x="1309117" y="4483578"/>
+            <a:chExt cx="2184129" cy="2201793"/>
+          </a:xfrm>
+        </p:grpSpPr>
+        <p:pic>
+          <p:nvPicPr>
+            <p:cNvPr id="5" name="Picture 4" descr="Figure 1 from Comparing a Clipmap to a Sparse Voxel Octree for Global  Illumination | Semantic Scholar">
+              <a:extLst>
+                <a:ext uri="{FF2B5EF4-FFF2-40B4-BE49-F238E27FC236}">
+                  <a16:creationId xmlns:a16="http://schemas.microsoft.com/office/drawing/2014/main" id="{A39611AF-B702-299E-D4E8-206B80C84EB7}"/>
+                </a:ext>
+              </a:extLst>
+            </p:cNvPr>
+            <p:cNvPicPr>
+              <a:picLocks noChangeAspect="1" noChangeArrowheads="1"/>
+            </p:cNvPicPr>
+            <p:nvPr/>
+          </p:nvPicPr>
+          <p:blipFill rotWithShape="1">
+            <a:blip r:embed="rId2">
+              <a:extLst>
+                <a:ext uri="{28A0092B-C50C-407E-A947-70E740481C1C}">
+                  <a14:useLocalDpi xmlns:a14="http://schemas.microsoft.com/office/drawing/2010/main" val="0"/>
+                </a:ext>
+              </a:extLst>
+            </a:blip>
+            <a:srcRect l="51225" b="8395"/>
+            <a:stretch>
+              <a:fillRect/>
+            </a:stretch>
+          </p:blipFill>
+          <p:spPr bwMode="auto">
+            <a:xfrm>
+              <a:off x="1309117" y="4483578"/>
+              <a:ext cx="2184129" cy="2138610"/>
+            </a:xfrm>
+            <a:prstGeom prst="rect">
+              <a:avLst/>
+            </a:prstGeom>
+            <a:noFill/>
+            <a:extLst>
+              <a:ext uri="{909E8E84-426E-40DD-AFC4-6F175D3DCCD1}">
+                <a14:hiddenFill xmlns:a14="http://schemas.microsoft.com/office/drawing/2010/main">
+                  <a:solidFill>
+                    <a:srgbClr val="FFFFFF"/>
+                  </a:solidFill>
+                </a14:hiddenFill>
+              </a:ext>
+            </a:extLst>
+          </p:spPr>
+        </p:pic>
+        <p:grpSp>
+          <p:nvGrpSpPr>
+            <p:cNvPr id="8" name="그룹 7">
+              <a:extLst>
+                <a:ext uri="{FF2B5EF4-FFF2-40B4-BE49-F238E27FC236}">
+                  <a16:creationId xmlns:a16="http://schemas.microsoft.com/office/drawing/2014/main" id="{6A3BE027-2DE1-67C9-0850-97F3C10BAD97}"/>
+                </a:ext>
+              </a:extLst>
+            </p:cNvPr>
+            <p:cNvGrpSpPr/>
+            <p:nvPr/>
+          </p:nvGrpSpPr>
+          <p:grpSpPr>
+            <a:xfrm>
+              <a:off x="2507042" y="4616392"/>
+              <a:ext cx="896002" cy="1574403"/>
+              <a:chOff x="7246730" y="3063562"/>
+              <a:chExt cx="1436400" cy="2523960"/>
+            </a:xfrm>
+          </p:grpSpPr>
+          <mc:AlternateContent xmlns:mc="http://schemas.openxmlformats.org/markup-compatibility/2006" xmlns:p14="http://schemas.microsoft.com/office/powerpoint/2010/main" xmlns:aink="http://schemas.microsoft.com/office/drawing/2016/ink">
+            <mc:Choice Requires="p14 aink">
+              <p:contentPart p14:bwMode="auto" r:id="rId3">
+                <p14:nvContentPartPr>
+                  <p14:cNvPr id="6" name="잉크 5">
+                    <a:extLst>
+                      <a:ext uri="{FF2B5EF4-FFF2-40B4-BE49-F238E27FC236}">
+                        <a16:creationId xmlns:a16="http://schemas.microsoft.com/office/drawing/2014/main" id="{004C52A1-6283-93E4-39A6-981098815D3D}"/>
+                      </a:ext>
+                    </a:extLst>
+                  </p14:cNvPr>
+                  <p14:cNvContentPartPr/>
+                  <p14:nvPr/>
+                </p14:nvContentPartPr>
+                <p14:xfrm>
+                  <a:off x="7246730" y="3063562"/>
+                  <a:ext cx="1436400" cy="2473920"/>
+                </p14:xfrm>
+              </p:contentPart>
+            </mc:Choice>
+            <mc:Fallback xmlns="">
+              <p:pic>
+                <p:nvPicPr>
+                  <p:cNvPr id="6" name="잉크 5">
+                    <a:extLst>
+                      <a:ext uri="{FF2B5EF4-FFF2-40B4-BE49-F238E27FC236}">
+                        <a16:creationId xmlns:a16="http://schemas.microsoft.com/office/drawing/2014/main" id="{004C52A1-6283-93E4-39A6-981098815D3D}"/>
+                      </a:ext>
+                    </a:extLst>
+                  </p:cNvPr>
+                  <p:cNvPicPr/>
+                  <p:nvPr/>
+                </p:nvPicPr>
+                <p:blipFill>
+                  <a:blip r:embed="rId4"/>
+                  <a:stretch>
+                    <a:fillRect/>
+                  </a:stretch>
+                </p:blipFill>
+                <p:spPr>
+                  <a:xfrm>
+                    <a:off x="7242410" y="3059242"/>
+                    <a:ext cx="1445040" cy="2482560"/>
+                  </a:xfrm>
+                  <a:prstGeom prst="rect">
+                    <a:avLst/>
+                  </a:prstGeom>
+                </p:spPr>
+              </p:pic>
+            </mc:Fallback>
+          </mc:AlternateContent>
+          <mc:AlternateContent xmlns:mc="http://schemas.openxmlformats.org/markup-compatibility/2006" xmlns:p14="http://schemas.microsoft.com/office/powerpoint/2010/main" xmlns:aink="http://schemas.microsoft.com/office/drawing/2016/ink">
+            <mc:Choice Requires="p14 aink">
+              <p:contentPart p14:bwMode="auto" r:id="rId5">
+                <p14:nvContentPartPr>
+                  <p14:cNvPr id="7" name="잉크 6">
+                    <a:extLst>
+                      <a:ext uri="{FF2B5EF4-FFF2-40B4-BE49-F238E27FC236}">
+                        <a16:creationId xmlns:a16="http://schemas.microsoft.com/office/drawing/2014/main" id="{B8D01D20-C656-2501-DC68-CF26D817DDEC}"/>
+                      </a:ext>
+                    </a:extLst>
+                  </p14:cNvPr>
+                  <p14:cNvContentPartPr/>
+                  <p14:nvPr/>
+                </p14:nvContentPartPr>
+                <p14:xfrm>
+                  <a:off x="7996970" y="5438482"/>
+                  <a:ext cx="96480" cy="149040"/>
+                </p14:xfrm>
+              </p:contentPart>
+            </mc:Choice>
+            <mc:Fallback xmlns="">
+              <p:pic>
+                <p:nvPicPr>
+                  <p:cNvPr id="7" name="잉크 6">
+                    <a:extLst>
+                      <a:ext uri="{FF2B5EF4-FFF2-40B4-BE49-F238E27FC236}">
+                        <a16:creationId xmlns:a16="http://schemas.microsoft.com/office/drawing/2014/main" id="{B8D01D20-C656-2501-DC68-CF26D817DDEC}"/>
+                      </a:ext>
+                    </a:extLst>
+                  </p:cNvPr>
+                  <p:cNvPicPr/>
+                  <p:nvPr/>
+                </p:nvPicPr>
+                <p:blipFill>
+                  <a:blip r:embed="rId6"/>
+                  <a:stretch>
+                    <a:fillRect/>
+                  </a:stretch>
+                </p:blipFill>
+                <p:spPr>
+                  <a:xfrm>
+                    <a:off x="7992650" y="5434162"/>
+                    <a:ext cx="105120" cy="157680"/>
+                  </a:xfrm>
+                  <a:prstGeom prst="rect">
+                    <a:avLst/>
+                  </a:prstGeom>
+                </p:spPr>
+              </p:pic>
+            </mc:Fallback>
+          </mc:AlternateContent>
+        </p:grpSp>
+        <p:grpSp>
+          <p:nvGrpSpPr>
+            <p:cNvPr id="14" name="그룹 13">
+              <a:extLst>
+                <a:ext uri="{FF2B5EF4-FFF2-40B4-BE49-F238E27FC236}">
+                  <a16:creationId xmlns:a16="http://schemas.microsoft.com/office/drawing/2014/main" id="{3660713C-453D-D8F9-14A4-248AA437F851}"/>
+                </a:ext>
+              </a:extLst>
+            </p:cNvPr>
+            <p:cNvGrpSpPr/>
+            <p:nvPr/>
+          </p:nvGrpSpPr>
+          <p:grpSpPr>
+            <a:xfrm>
+              <a:off x="1408513" y="4616392"/>
+              <a:ext cx="911117" cy="2068979"/>
+              <a:chOff x="5509010" y="3138802"/>
+              <a:chExt cx="1301400" cy="2955240"/>
+            </a:xfrm>
+          </p:grpSpPr>
+          <mc:AlternateContent xmlns:mc="http://schemas.openxmlformats.org/markup-compatibility/2006" xmlns:p14="http://schemas.microsoft.com/office/powerpoint/2010/main" xmlns:aink="http://schemas.microsoft.com/office/drawing/2016/ink">
+            <mc:Choice Requires="p14 aink">
+              <p:contentPart p14:bwMode="auto" r:id="rId7">
+                <p14:nvContentPartPr>
+                  <p14:cNvPr id="9" name="잉크 8">
+                    <a:extLst>
+                      <a:ext uri="{FF2B5EF4-FFF2-40B4-BE49-F238E27FC236}">
+                        <a16:creationId xmlns:a16="http://schemas.microsoft.com/office/drawing/2014/main" id="{32AB1395-520A-FE6E-2FD9-778FF7D4BB6E}"/>
+                      </a:ext>
+                    </a:extLst>
+                  </p14:cNvPr>
+                  <p14:cNvContentPartPr/>
+                  <p14:nvPr/>
+                </p14:nvContentPartPr>
+                <p14:xfrm>
+                  <a:off x="5509010" y="3138802"/>
+                  <a:ext cx="1301400" cy="2141280"/>
+                </p14:xfrm>
+              </p:contentPart>
+            </mc:Choice>
+            <mc:Fallback xmlns="">
+              <p:pic>
+                <p:nvPicPr>
+                  <p:cNvPr id="9" name="잉크 8">
+                    <a:extLst>
+                      <a:ext uri="{FF2B5EF4-FFF2-40B4-BE49-F238E27FC236}">
+                        <a16:creationId xmlns:a16="http://schemas.microsoft.com/office/drawing/2014/main" id="{32AB1395-520A-FE6E-2FD9-778FF7D4BB6E}"/>
+                      </a:ext>
+                    </a:extLst>
+                  </p:cNvPr>
+                  <p:cNvPicPr/>
+                  <p:nvPr/>
+                </p:nvPicPr>
+                <p:blipFill>
+                  <a:blip r:embed="rId8"/>
+                  <a:stretch>
+                    <a:fillRect/>
+                  </a:stretch>
+                </p:blipFill>
+                <p:spPr>
+                  <a:xfrm>
+                    <a:off x="5504690" y="3134482"/>
+                    <a:ext cx="1310040" cy="2149920"/>
+                  </a:xfrm>
+                  <a:prstGeom prst="rect">
+                    <a:avLst/>
+                  </a:prstGeom>
+                </p:spPr>
+              </p:pic>
+            </mc:Fallback>
+          </mc:AlternateContent>
+          <mc:AlternateContent xmlns:mc="http://schemas.openxmlformats.org/markup-compatibility/2006" xmlns:p14="http://schemas.microsoft.com/office/powerpoint/2010/main" xmlns:aink="http://schemas.microsoft.com/office/drawing/2016/ink">
+            <mc:Choice Requires="p14 aink">
+              <p:contentPart p14:bwMode="auto" r:id="rId9">
+                <p14:nvContentPartPr>
+                  <p14:cNvPr id="10" name="잉크 9">
+                    <a:extLst>
+                      <a:ext uri="{FF2B5EF4-FFF2-40B4-BE49-F238E27FC236}">
+                        <a16:creationId xmlns:a16="http://schemas.microsoft.com/office/drawing/2014/main" id="{8576D7A2-FDC4-7BD8-2C16-C1C3CDE2BEBB}"/>
+                      </a:ext>
+                    </a:extLst>
+                  </p14:cNvPr>
+                  <p14:cNvContentPartPr/>
+                  <p14:nvPr/>
+                </p14:nvContentPartPr>
+                <p14:xfrm>
+                  <a:off x="5767130" y="5178922"/>
+                  <a:ext cx="93600" cy="177840"/>
+                </p14:xfrm>
+              </p:contentPart>
+            </mc:Choice>
+            <mc:Fallback xmlns="">
+              <p:pic>
+                <p:nvPicPr>
+                  <p:cNvPr id="10" name="잉크 9">
+                    <a:extLst>
+                      <a:ext uri="{FF2B5EF4-FFF2-40B4-BE49-F238E27FC236}">
+                        <a16:creationId xmlns:a16="http://schemas.microsoft.com/office/drawing/2014/main" id="{8576D7A2-FDC4-7BD8-2C16-C1C3CDE2BEBB}"/>
+                      </a:ext>
+                    </a:extLst>
+                  </p:cNvPr>
+                  <p:cNvPicPr/>
+                  <p:nvPr/>
+                </p:nvPicPr>
+                <p:blipFill>
+                  <a:blip r:embed="rId10"/>
+                  <a:stretch>
+                    <a:fillRect/>
+                  </a:stretch>
+                </p:blipFill>
+                <p:spPr>
+                  <a:xfrm>
+                    <a:off x="5762810" y="5174602"/>
+                    <a:ext cx="102240" cy="186480"/>
+                  </a:xfrm>
+                  <a:prstGeom prst="rect">
+                    <a:avLst/>
+                  </a:prstGeom>
+                </p:spPr>
+              </p:pic>
+            </mc:Fallback>
+          </mc:AlternateContent>
+          <mc:AlternateContent xmlns:mc="http://schemas.openxmlformats.org/markup-compatibility/2006" xmlns:p14="http://schemas.microsoft.com/office/powerpoint/2010/main" xmlns:aink="http://schemas.microsoft.com/office/drawing/2016/ink">
+            <mc:Choice Requires="p14 aink">
+              <p:contentPart p14:bwMode="auto" r:id="rId11">
+                <p14:nvContentPartPr>
+                  <p14:cNvPr id="12" name="잉크 11">
+                    <a:extLst>
+                      <a:ext uri="{FF2B5EF4-FFF2-40B4-BE49-F238E27FC236}">
+                        <a16:creationId xmlns:a16="http://schemas.microsoft.com/office/drawing/2014/main" id="{CE6D6141-8A56-B94D-D991-B1B98A0CE12E}"/>
+                      </a:ext>
+                    </a:extLst>
+                  </p14:cNvPr>
+                  <p14:cNvContentPartPr/>
+                  <p14:nvPr/>
+                </p14:nvContentPartPr>
+                <p14:xfrm>
+                  <a:off x="6208490" y="5650882"/>
+                  <a:ext cx="69840" cy="443160"/>
+                </p14:xfrm>
+              </p:contentPart>
+            </mc:Choice>
+            <mc:Fallback xmlns="">
+              <p:pic>
+                <p:nvPicPr>
+                  <p:cNvPr id="12" name="잉크 11">
+                    <a:extLst>
+                      <a:ext uri="{FF2B5EF4-FFF2-40B4-BE49-F238E27FC236}">
+                        <a16:creationId xmlns:a16="http://schemas.microsoft.com/office/drawing/2014/main" id="{CE6D6141-8A56-B94D-D991-B1B98A0CE12E}"/>
+                      </a:ext>
+                    </a:extLst>
+                  </p:cNvPr>
+                  <p:cNvPicPr/>
+                  <p:nvPr/>
+                </p:nvPicPr>
+                <p:blipFill>
+                  <a:blip r:embed="rId12"/>
+                  <a:stretch>
+                    <a:fillRect/>
+                  </a:stretch>
+                </p:blipFill>
+                <p:spPr>
+                  <a:xfrm>
+                    <a:off x="6204170" y="5646562"/>
+                    <a:ext cx="78480" cy="451800"/>
+                  </a:xfrm>
+                  <a:prstGeom prst="rect">
+                    <a:avLst/>
+                  </a:prstGeom>
+                </p:spPr>
+              </p:pic>
+            </mc:Fallback>
+          </mc:AlternateContent>
+          <mc:AlternateContent xmlns:mc="http://schemas.openxmlformats.org/markup-compatibility/2006" xmlns:p14="http://schemas.microsoft.com/office/powerpoint/2010/main" xmlns:aink="http://schemas.microsoft.com/office/drawing/2016/ink">
+            <mc:Choice Requires="p14 aink">
+              <p:contentPart p14:bwMode="auto" r:id="rId13">
+                <p14:nvContentPartPr>
+                  <p14:cNvPr id="13" name="잉크 12">
+                    <a:extLst>
+                      <a:ext uri="{FF2B5EF4-FFF2-40B4-BE49-F238E27FC236}">
+                        <a16:creationId xmlns:a16="http://schemas.microsoft.com/office/drawing/2014/main" id="{AC590718-D18D-A224-D3DD-604F676C30D6}"/>
+                      </a:ext>
+                    </a:extLst>
+                  </p14:cNvPr>
+                  <p14:cNvContentPartPr/>
+                  <p14:nvPr/>
+                </p14:nvContentPartPr>
+                <p14:xfrm>
+                  <a:off x="6277610" y="5677162"/>
+                  <a:ext cx="97920" cy="65520"/>
+                </p14:xfrm>
+              </p:contentPart>
+            </mc:Choice>
+            <mc:Fallback xmlns="">
+              <p:pic>
+                <p:nvPicPr>
+                  <p:cNvPr id="13" name="잉크 12">
+                    <a:extLst>
+                      <a:ext uri="{FF2B5EF4-FFF2-40B4-BE49-F238E27FC236}">
+                        <a16:creationId xmlns:a16="http://schemas.microsoft.com/office/drawing/2014/main" id="{AC590718-D18D-A224-D3DD-604F676C30D6}"/>
+                      </a:ext>
+                    </a:extLst>
+                  </p:cNvPr>
+                  <p:cNvPicPr/>
+                  <p:nvPr/>
+                </p:nvPicPr>
+                <p:blipFill>
+                  <a:blip r:embed="rId14"/>
+                  <a:stretch>
+                    <a:fillRect/>
+                  </a:stretch>
+                </p:blipFill>
+                <p:spPr>
+                  <a:xfrm>
+                    <a:off x="6273290" y="5672842"/>
+                    <a:ext cx="106560" cy="74160"/>
+                  </a:xfrm>
+                  <a:prstGeom prst="rect">
+                    <a:avLst/>
+                  </a:prstGeom>
+                </p:spPr>
+              </p:pic>
+            </mc:Fallback>
+          </mc:AlternateContent>
+        </p:grpSp>
+      </p:grpSp>
       <p:sp>
         <p:nvSpPr>
-          <p:cNvPr id="4" name="직사각형 3">
-            <a:extLst>
-              <a:ext uri="{FF2B5EF4-FFF2-40B4-BE49-F238E27FC236}">
-                <a16:creationId xmlns:a16="http://schemas.microsoft.com/office/drawing/2014/main" id="{A4D3905C-A86B-EBDA-1DF6-AEFDB1B1AF89}"/>
-              </a:ext>
-            </a:extLst>
-          </p:cNvPr>
-          <p:cNvSpPr/>
+          <p:cNvPr id="11" name="Rectangle 1">
+            <a:extLst>
+              <a:ext uri="{FF2B5EF4-FFF2-40B4-BE49-F238E27FC236}">
+                <a16:creationId xmlns:a16="http://schemas.microsoft.com/office/drawing/2014/main" id="{1C774A6D-D9EA-EC58-A158-F8A836D41B5D}"/>
+              </a:ext>
+            </a:extLst>
+          </p:cNvPr>
+          <p:cNvSpPr>
+            <a:spLocks noChangeArrowheads="1"/>
+          </p:cNvSpPr>
           <p:nvPr/>
         </p:nvSpPr>
-        <p:spPr>
+        <p:spPr bwMode="auto">
           <a:xfrm>
-            <a:off x="2306918" y="6556189"/>
-            <a:ext cx="1757081" cy="223546"/>
+            <a:off x="3473178" y="2813589"/>
+            <a:ext cx="7491670" cy="923330"/>
           </a:xfrm>
           <a:prstGeom prst="rect">
             <a:avLst/>
           </a:prstGeom>
           <a:noFill/>
           <a:ln>
-            <a:solidFill>
-              <a:srgbClr val="FF0000"/>
-            </a:solidFill>
+            <a:noFill/>
           </a:ln>
+          <a:effectLst/>
+          <a:extLst>
+            <a:ext uri="{909E8E84-426E-40DD-AFC4-6F175D3DCCD1}">
+              <a14:hiddenFill xmlns:a14="http://schemas.microsoft.com/office/drawing/2010/main">
+                <a:solidFill>
+                  <a:schemeClr val="accent1"/>
+                </a:solidFill>
+              </a14:hiddenFill>
+            </a:ext>
+            <a:ext uri="{91240B29-F687-4F45-9708-019B960494DF}">
+              <a14:hiddenLine xmlns:a14="http://schemas.microsoft.com/office/drawing/2010/main" w="9525">
+                <a:solidFill>
+                  <a:schemeClr val="tx1"/>
+                </a:solidFill>
+                <a:miter lim="800000"/>
+                <a:headEnd/>
+                <a:tailEnd/>
+              </a14:hiddenLine>
+            </a:ext>
+            <a:ext uri="{AF507438-7753-43E0-B8FC-AC1667EBCBE1}">
+              <a14:hiddenEffects xmlns:a14="http://schemas.microsoft.com/office/drawing/2010/main">
+                <a:effectLst>
+                  <a:outerShdw dist="35921" dir="2700000" algn="ctr" rotWithShape="0">
+                    <a:schemeClr val="bg2"/>
+                  </a:outerShdw>
+                </a:effectLst>
+              </a14:hiddenEffects>
+            </a:ext>
+          </a:extLst>
         </p:spPr>
-        <p:style>
-          <a:lnRef idx="2">
-            <a:schemeClr val="accent1">
-              <a:shade val="15000"/>
-            </a:schemeClr>
-          </a:lnRef>
-          <a:fillRef idx="1">
-            <a:schemeClr val="accent1"/>
-          </a:fillRef>
-          <a:effectRef idx="0">
-            <a:schemeClr val="accent1"/>
-          </a:effectRef>
-          <a:fontRef idx="minor">
-            <a:schemeClr val="lt1"/>
-          </a:fontRef>
-        </p:style>
         <p:txBody>
-          <a:bodyPr rtlCol="0" anchor="ctr"/>
+          <a:bodyPr vert="horz" wrap="square" lIns="91440" tIns="45720" rIns="91440" bIns="45720" numCol="1" anchor="ctr" anchorCtr="0" compatLnSpc="1">
+            <a:prstTxWarp prst="textNoShape">
+              <a:avLst/>
+            </a:prstTxWarp>
+            <a:spAutoFit/>
+          </a:bodyPr>
           <a:lstStyle/>
           <a:p>
-            <a:pPr algn="ctr"/>
-            <a:endParaRPr lang="ko-KR" altLang="en-US"/>
+            <a:pPr marL="0" marR="0" lvl="0" indent="0" algn="l" defTabSz="914400" rtl="0" eaLnBrk="0" fontAlgn="base" latinLnBrk="0" hangingPunct="0">
+              <a:lnSpc>
+                <a:spcPct val="100000"/>
+              </a:lnSpc>
+              <a:spcBef>
+                <a:spcPct val="0"/>
+              </a:spcBef>
+              <a:spcAft>
+                <a:spcPct val="0"/>
+              </a:spcAft>
+              <a:buClrTx/>
+              <a:buSzTx/>
+              <a:tabLst/>
+            </a:pPr>
+            <a:r>
+              <a:rPr lang="en-US" altLang="ko-KR" dirty="0">
+                <a:latin typeface="Arial" panose="020B0604020202020204" pitchFamily="34" charset="0"/>
+              </a:rPr>
+              <a:t>Local</a:t>
+            </a:r>
+            <a:r>
+              <a:rPr lang="ko-KR" altLang="en-US" dirty="0">
+                <a:latin typeface="Arial" panose="020B0604020202020204" pitchFamily="34" charset="0"/>
+              </a:rPr>
+              <a:t> </a:t>
+            </a:r>
+            <a:r>
+              <a:rPr lang="en-US" altLang="ko-KR" dirty="0">
+                <a:latin typeface="Arial" panose="020B0604020202020204" pitchFamily="34" charset="0"/>
+              </a:rPr>
+              <a:t>Illumination:</a:t>
+            </a:r>
+            <a:endParaRPr kumimoji="0" lang="en-US" altLang="ko-KR" sz="1800" b="0" i="0" u="none" strike="noStrike" cap="none" normalizeH="0" baseline="0" dirty="0">
+              <a:ln>
+                <a:noFill/>
+              </a:ln>
+              <a:solidFill>
+                <a:schemeClr val="tx1"/>
+              </a:solidFill>
+              <a:effectLst/>
+              <a:latin typeface="Arial" panose="020B0604020202020204" pitchFamily="34" charset="0"/>
+            </a:endParaRPr>
+          </a:p>
+          <a:p>
+            <a:pPr marL="0" marR="0" lvl="0" indent="0" algn="l" defTabSz="914400" rtl="0" eaLnBrk="0" fontAlgn="base" latinLnBrk="0" hangingPunct="0">
+              <a:lnSpc>
+                <a:spcPct val="100000"/>
+              </a:lnSpc>
+              <a:spcBef>
+                <a:spcPct val="0"/>
+              </a:spcBef>
+              <a:spcAft>
+                <a:spcPct val="0"/>
+              </a:spcAft>
+              <a:buClrTx/>
+              <a:buSzTx/>
+              <a:tabLst/>
+            </a:pPr>
+            <a:r>
+              <a:rPr kumimoji="0" lang="ko-KR" altLang="ko-KR" sz="1800" b="0" i="0" u="none" strike="noStrike" cap="none" normalizeH="0" baseline="0" dirty="0">
+                <a:ln>
+                  <a:noFill/>
+                </a:ln>
+                <a:solidFill>
+                  <a:schemeClr val="tx1"/>
+                </a:solidFill>
+                <a:effectLst/>
+                <a:latin typeface="Arial" panose="020B0604020202020204" pitchFamily="34" charset="0"/>
+              </a:rPr>
+              <a:t>각 표면 점을 독립적으로 계산하는 단순한 조명 모델.</a:t>
+            </a:r>
+          </a:p>
+          <a:p>
+            <a:pPr marL="0" marR="0" lvl="0" indent="0" algn="l" defTabSz="914400" rtl="0" eaLnBrk="0" fontAlgn="base" latinLnBrk="0" hangingPunct="0">
+              <a:lnSpc>
+                <a:spcPct val="100000"/>
+              </a:lnSpc>
+              <a:spcBef>
+                <a:spcPct val="0"/>
+              </a:spcBef>
+              <a:spcAft>
+                <a:spcPct val="0"/>
+              </a:spcAft>
+              <a:buClrTx/>
+              <a:buSzTx/>
+              <a:tabLst/>
+            </a:pPr>
+            <a:r>
+              <a:rPr kumimoji="0" lang="ko-KR" altLang="ko-KR" sz="1800" b="0" i="0" u="none" strike="noStrike" cap="none" normalizeH="0" baseline="0" dirty="0">
+                <a:ln>
+                  <a:noFill/>
+                </a:ln>
+                <a:solidFill>
+                  <a:schemeClr val="tx1"/>
+                </a:solidFill>
+                <a:effectLst/>
+                <a:latin typeface="Arial" panose="020B0604020202020204" pitchFamily="34" charset="0"/>
+              </a:rPr>
+              <a:t>광원과 표면 사이의 직접적인 상호작용만 고려</a:t>
+            </a:r>
           </a:p>
         </p:txBody>
       </p:sp>
-      <p:grpSp>
-        <p:nvGrpSpPr>
-          <p:cNvPr id="8" name="그룹 7">
-            <a:extLst>
-              <a:ext uri="{FF2B5EF4-FFF2-40B4-BE49-F238E27FC236}">
-                <a16:creationId xmlns:a16="http://schemas.microsoft.com/office/drawing/2014/main" id="{6A3BE027-2DE1-67C9-0850-97F3C10BAD97}"/>
-              </a:ext>
-            </a:extLst>
-          </p:cNvPr>
-          <p:cNvGrpSpPr/>
+      <p:sp>
+        <p:nvSpPr>
+          <p:cNvPr id="16" name="TextBox 15">
+            <a:extLst>
+              <a:ext uri="{FF2B5EF4-FFF2-40B4-BE49-F238E27FC236}">
+                <a16:creationId xmlns:a16="http://schemas.microsoft.com/office/drawing/2014/main" id="{DED8547B-F100-7B39-E3CE-A76DAA5F1437}"/>
+              </a:ext>
+            </a:extLst>
+          </p:cNvPr>
+          <p:cNvSpPr txBox="1"/>
           <p:nvPr/>
-        </p:nvGrpSpPr>
-        <p:grpSpPr>
+        </p:nvSpPr>
+        <p:spPr>
           <a:xfrm>
-            <a:off x="7246730" y="3063562"/>
-            <a:ext cx="1436400" cy="2523960"/>
-            <a:chOff x="7246730" y="3063562"/>
-            <a:chExt cx="1436400" cy="2523960"/>
+            <a:off x="3473178" y="5041245"/>
+            <a:ext cx="6094674" cy="923330"/>
           </a:xfrm>
-        </p:grpSpPr>
-        <mc:AlternateContent xmlns:mc="http://schemas.openxmlformats.org/markup-compatibility/2006" xmlns:p14="http://schemas.microsoft.com/office/powerpoint/2010/main" xmlns:aink="http://schemas.microsoft.com/office/drawing/2016/ink">
-          <mc:Choice Requires="p14 aink">
-            <p:contentPart p14:bwMode="auto" r:id="rId3">
-              <p14:nvContentPartPr>
-                <p14:cNvPr id="6" name="잉크 5">
-                  <a:extLst>
-                    <a:ext uri="{FF2B5EF4-FFF2-40B4-BE49-F238E27FC236}">
-                      <a16:creationId xmlns:a16="http://schemas.microsoft.com/office/drawing/2014/main" id="{004C52A1-6283-93E4-39A6-981098815D3D}"/>
-                    </a:ext>
-                  </a:extLst>
-                </p14:cNvPr>
-                <p14:cNvContentPartPr/>
-                <p14:nvPr/>
-              </p14:nvContentPartPr>
-              <p14:xfrm>
-                <a:off x="7246730" y="3063562"/>
-                <a:ext cx="1436400" cy="2473920"/>
-              </p14:xfrm>
-            </p:contentPart>
-          </mc:Choice>
-          <mc:Fallback xmlns="">
-            <p:pic>
-              <p:nvPicPr>
-                <p:cNvPr id="6" name="잉크 5">
-                  <a:extLst>
-                    <a:ext uri="{FF2B5EF4-FFF2-40B4-BE49-F238E27FC236}">
-                      <a16:creationId xmlns:a16="http://schemas.microsoft.com/office/drawing/2014/main" id="{004C52A1-6283-93E4-39A6-981098815D3D}"/>
-                    </a:ext>
-                  </a:extLst>
-                </p:cNvPr>
-                <p:cNvPicPr/>
-                <p:nvPr/>
-              </p:nvPicPr>
-              <p:blipFill>
-                <a:blip r:embed="rId4"/>
-                <a:stretch>
-                  <a:fillRect/>
-                </a:stretch>
-              </p:blipFill>
-              <p:spPr>
-                <a:xfrm>
-                  <a:off x="7242410" y="3059242"/>
-                  <a:ext cx="1445040" cy="2482560"/>
-                </a:xfrm>
-                <a:prstGeom prst="rect">
-                  <a:avLst/>
-                </a:prstGeom>
-              </p:spPr>
-            </p:pic>
-          </mc:Fallback>
-        </mc:AlternateContent>
-        <mc:AlternateContent xmlns:mc="http://schemas.openxmlformats.org/markup-compatibility/2006" xmlns:p14="http://schemas.microsoft.com/office/powerpoint/2010/main" xmlns:aink="http://schemas.microsoft.com/office/drawing/2016/ink">
-          <mc:Choice Requires="p14 aink">
-            <p:contentPart p14:bwMode="auto" r:id="rId5">
-              <p14:nvContentPartPr>
-                <p14:cNvPr id="7" name="잉크 6">
-                  <a:extLst>
-                    <a:ext uri="{FF2B5EF4-FFF2-40B4-BE49-F238E27FC236}">
-                      <a16:creationId xmlns:a16="http://schemas.microsoft.com/office/drawing/2014/main" id="{B8D01D20-C656-2501-DC68-CF26D817DDEC}"/>
-                    </a:ext>
-                  </a:extLst>
-                </p14:cNvPr>
-                <p14:cNvContentPartPr/>
-                <p14:nvPr/>
-              </p14:nvContentPartPr>
-              <p14:xfrm>
-                <a:off x="7996970" y="5438482"/>
-                <a:ext cx="96480" cy="149040"/>
-              </p14:xfrm>
-            </p:contentPart>
-          </mc:Choice>
-          <mc:Fallback xmlns="">
-            <p:pic>
-              <p:nvPicPr>
-                <p:cNvPr id="7" name="잉크 6">
-                  <a:extLst>
-                    <a:ext uri="{FF2B5EF4-FFF2-40B4-BE49-F238E27FC236}">
-                      <a16:creationId xmlns:a16="http://schemas.microsoft.com/office/drawing/2014/main" id="{B8D01D20-C656-2501-DC68-CF26D817DDEC}"/>
-                    </a:ext>
-                  </a:extLst>
-                </p:cNvPr>
-                <p:cNvPicPr/>
-                <p:nvPr/>
-              </p:nvPicPr>
-              <p:blipFill>
-                <a:blip r:embed="rId6"/>
-                <a:stretch>
-                  <a:fillRect/>
-                </a:stretch>
-              </p:blipFill>
-              <p:spPr>
-                <a:xfrm>
-                  <a:off x="7992650" y="5434162"/>
-                  <a:ext cx="105120" cy="157680"/>
-                </a:xfrm>
-                <a:prstGeom prst="rect">
-                  <a:avLst/>
-                </a:prstGeom>
-              </p:spPr>
-            </p:pic>
-          </mc:Fallback>
-        </mc:AlternateContent>
-      </p:grpSp>
-      <p:grpSp>
-        <p:nvGrpSpPr>
-          <p:cNvPr id="14" name="그룹 13">
-            <a:extLst>
-              <a:ext uri="{FF2B5EF4-FFF2-40B4-BE49-F238E27FC236}">
-                <a16:creationId xmlns:a16="http://schemas.microsoft.com/office/drawing/2014/main" id="{3660713C-453D-D8F9-14A4-248AA437F851}"/>
-              </a:ext>
-            </a:extLst>
-          </p:cNvPr>
-          <p:cNvGrpSpPr/>
+          <a:prstGeom prst="rect">
+            <a:avLst/>
+          </a:prstGeom>
+          <a:noFill/>
+        </p:spPr>
+        <p:txBody>
+          <a:bodyPr wrap="square">
+            <a:spAutoFit/>
+          </a:bodyPr>
+          <a:lstStyle/>
+          <a:p>
+            <a:r>
+              <a:rPr lang="en-US" altLang="ko-KR" dirty="0"/>
+              <a:t>Global Illumination:</a:t>
+            </a:r>
+          </a:p>
+          <a:p>
+            <a:r>
+              <a:rPr lang="ko-KR" altLang="en-US" dirty="0"/>
+              <a:t>빛이 다른 물체</a:t>
+            </a:r>
+            <a:r>
+              <a:rPr lang="en-US" altLang="ko-KR" dirty="0"/>
+              <a:t>, </a:t>
+            </a:r>
+            <a:r>
+              <a:rPr lang="ko-KR" altLang="en-US" dirty="0"/>
+              <a:t>표면</a:t>
+            </a:r>
+            <a:r>
+              <a:rPr lang="en-US" altLang="ko-KR" dirty="0"/>
+              <a:t>, </a:t>
+            </a:r>
+            <a:r>
+              <a:rPr lang="ko-KR" altLang="en-US" dirty="0"/>
+              <a:t>대기와 상호작용하면서 </a:t>
+            </a:r>
+            <a:r>
+              <a:rPr lang="ko-KR" altLang="en-US" b="1" dirty="0"/>
+              <a:t>여러 번 반사</a:t>
+            </a:r>
+            <a:r>
+              <a:rPr lang="en-US" altLang="ko-KR" b="1" dirty="0"/>
+              <a:t>, </a:t>
+            </a:r>
+            <a:r>
+              <a:rPr lang="ko-KR" altLang="en-US" b="1" dirty="0"/>
+              <a:t>굴절</a:t>
+            </a:r>
+            <a:r>
+              <a:rPr lang="en-US" altLang="ko-KR" b="1" dirty="0"/>
+              <a:t>, </a:t>
+            </a:r>
+            <a:r>
+              <a:rPr lang="ko-KR" altLang="en-US" b="1" dirty="0"/>
+              <a:t>산란</a:t>
+            </a:r>
+            <a:r>
+              <a:rPr lang="ko-KR" altLang="en-US" dirty="0"/>
+              <a:t>하는 간접광까지 포함해 계산하는 모델</a:t>
+            </a:r>
+            <a:r>
+              <a:rPr lang="en-US" altLang="ko-KR" dirty="0"/>
+              <a:t>.</a:t>
+            </a:r>
+            <a:endParaRPr lang="ko-KR" altLang="en-US" dirty="0"/>
+          </a:p>
+        </p:txBody>
+      </p:sp>
+      <p:sp>
+        <p:nvSpPr>
+          <p:cNvPr id="19" name="TextBox 18">
+            <a:extLst>
+              <a:ext uri="{FF2B5EF4-FFF2-40B4-BE49-F238E27FC236}">
+                <a16:creationId xmlns:a16="http://schemas.microsoft.com/office/drawing/2014/main" id="{047EA5F8-0BAA-57E8-A5E9-3FE52DB0A918}"/>
+              </a:ext>
+            </a:extLst>
+          </p:cNvPr>
+          <p:cNvSpPr txBox="1"/>
           <p:nvPr/>
-        </p:nvGrpSpPr>
-        <p:grpSpPr>
+        </p:nvSpPr>
+        <p:spPr>
           <a:xfrm>
-            <a:off x="5509010" y="3138802"/>
-            <a:ext cx="1301400" cy="2955240"/>
-            <a:chOff x="5509010" y="3138802"/>
-            <a:chExt cx="1301400" cy="2955240"/>
+            <a:off x="3381049" y="1857358"/>
+            <a:ext cx="7337065" cy="369332"/>
           </a:xfrm>
-        </p:grpSpPr>
-        <mc:AlternateContent xmlns:mc="http://schemas.openxmlformats.org/markup-compatibility/2006" xmlns:p14="http://schemas.microsoft.com/office/powerpoint/2010/main" xmlns:aink="http://schemas.microsoft.com/office/drawing/2016/ink">
-          <mc:Choice Requires="p14 aink">
-            <p:contentPart p14:bwMode="auto" r:id="rId7">
-              <p14:nvContentPartPr>
-                <p14:cNvPr id="9" name="잉크 8">
-                  <a:extLst>
-                    <a:ext uri="{FF2B5EF4-FFF2-40B4-BE49-F238E27FC236}">
-                      <a16:creationId xmlns:a16="http://schemas.microsoft.com/office/drawing/2014/main" id="{32AB1395-520A-FE6E-2FD9-778FF7D4BB6E}"/>
-                    </a:ext>
-                  </a:extLst>
-                </p14:cNvPr>
-                <p14:cNvContentPartPr/>
-                <p14:nvPr/>
-              </p14:nvContentPartPr>
-              <p14:xfrm>
-                <a:off x="5509010" y="3138802"/>
-                <a:ext cx="1301400" cy="2141280"/>
-              </p14:xfrm>
-            </p:contentPart>
-          </mc:Choice>
-          <mc:Fallback xmlns="">
-            <p:pic>
-              <p:nvPicPr>
-                <p:cNvPr id="9" name="잉크 8">
-                  <a:extLst>
-                    <a:ext uri="{FF2B5EF4-FFF2-40B4-BE49-F238E27FC236}">
-                      <a16:creationId xmlns:a16="http://schemas.microsoft.com/office/drawing/2014/main" id="{32AB1395-520A-FE6E-2FD9-778FF7D4BB6E}"/>
-                    </a:ext>
-                  </a:extLst>
-                </p:cNvPr>
-                <p:cNvPicPr/>
-                <p:nvPr/>
-              </p:nvPicPr>
-              <p:blipFill>
-                <a:blip r:embed="rId8"/>
-                <a:stretch>
-                  <a:fillRect/>
-                </a:stretch>
-              </p:blipFill>
-              <p:spPr>
-                <a:xfrm>
-                  <a:off x="5504690" y="3134482"/>
-                  <a:ext cx="1310040" cy="2149920"/>
-                </a:xfrm>
-                <a:prstGeom prst="rect">
-                  <a:avLst/>
-                </a:prstGeom>
-              </p:spPr>
-            </p:pic>
-          </mc:Fallback>
-        </mc:AlternateContent>
-        <mc:AlternateContent xmlns:mc="http://schemas.openxmlformats.org/markup-compatibility/2006" xmlns:p14="http://schemas.microsoft.com/office/powerpoint/2010/main" xmlns:aink="http://schemas.microsoft.com/office/drawing/2016/ink">
-          <mc:Choice Requires="p14 aink">
-            <p:contentPart p14:bwMode="auto" r:id="rId9">
-              <p14:nvContentPartPr>
-                <p14:cNvPr id="10" name="잉크 9">
-                  <a:extLst>
-                    <a:ext uri="{FF2B5EF4-FFF2-40B4-BE49-F238E27FC236}">
-                      <a16:creationId xmlns:a16="http://schemas.microsoft.com/office/drawing/2014/main" id="{8576D7A2-FDC4-7BD8-2C16-C1C3CDE2BEBB}"/>
-                    </a:ext>
-                  </a:extLst>
-                </p14:cNvPr>
-                <p14:cNvContentPartPr/>
-                <p14:nvPr/>
-              </p14:nvContentPartPr>
-              <p14:xfrm>
-                <a:off x="5767130" y="5178922"/>
-                <a:ext cx="93600" cy="177840"/>
-              </p14:xfrm>
-            </p:contentPart>
-          </mc:Choice>
-          <mc:Fallback xmlns="">
-            <p:pic>
-              <p:nvPicPr>
-                <p:cNvPr id="10" name="잉크 9">
-                  <a:extLst>
-                    <a:ext uri="{FF2B5EF4-FFF2-40B4-BE49-F238E27FC236}">
-                      <a16:creationId xmlns:a16="http://schemas.microsoft.com/office/drawing/2014/main" id="{8576D7A2-FDC4-7BD8-2C16-C1C3CDE2BEBB}"/>
-                    </a:ext>
-                  </a:extLst>
-                </p:cNvPr>
-                <p:cNvPicPr/>
-                <p:nvPr/>
-              </p:nvPicPr>
-              <p:blipFill>
-                <a:blip r:embed="rId10"/>
-                <a:stretch>
-                  <a:fillRect/>
-                </a:stretch>
-              </p:blipFill>
-              <p:spPr>
-                <a:xfrm>
-                  <a:off x="5762810" y="5174602"/>
-                  <a:ext cx="102240" cy="186480"/>
-                </a:xfrm>
-                <a:prstGeom prst="rect">
-                  <a:avLst/>
-                </a:prstGeom>
-              </p:spPr>
-            </p:pic>
-          </mc:Fallback>
-        </mc:AlternateContent>
-        <mc:AlternateContent xmlns:mc="http://schemas.openxmlformats.org/markup-compatibility/2006" xmlns:p14="http://schemas.microsoft.com/office/powerpoint/2010/main" xmlns:aink="http://schemas.microsoft.com/office/drawing/2016/ink">
-          <mc:Choice Requires="p14 aink">
-            <p:contentPart p14:bwMode="auto" r:id="rId11">
-              <p14:nvContentPartPr>
-                <p14:cNvPr id="12" name="잉크 11">
-                  <a:extLst>
-                    <a:ext uri="{FF2B5EF4-FFF2-40B4-BE49-F238E27FC236}">
-                      <a16:creationId xmlns:a16="http://schemas.microsoft.com/office/drawing/2014/main" id="{CE6D6141-8A56-B94D-D991-B1B98A0CE12E}"/>
-                    </a:ext>
-                  </a:extLst>
-                </p14:cNvPr>
-                <p14:cNvContentPartPr/>
-                <p14:nvPr/>
-              </p14:nvContentPartPr>
-              <p14:xfrm>
-                <a:off x="6208490" y="5650882"/>
-                <a:ext cx="69840" cy="443160"/>
-              </p14:xfrm>
-            </p:contentPart>
-          </mc:Choice>
-          <mc:Fallback xmlns="">
-            <p:pic>
-              <p:nvPicPr>
-                <p:cNvPr id="12" name="잉크 11">
-                  <a:extLst>
-                    <a:ext uri="{FF2B5EF4-FFF2-40B4-BE49-F238E27FC236}">
-                      <a16:creationId xmlns:a16="http://schemas.microsoft.com/office/drawing/2014/main" id="{CE6D6141-8A56-B94D-D991-B1B98A0CE12E}"/>
-                    </a:ext>
-                  </a:extLst>
-                </p:cNvPr>
-                <p:cNvPicPr/>
-                <p:nvPr/>
-              </p:nvPicPr>
-              <p:blipFill>
-                <a:blip r:embed="rId12"/>
-                <a:stretch>
-                  <a:fillRect/>
-                </a:stretch>
-              </p:blipFill>
-              <p:spPr>
-                <a:xfrm>
-                  <a:off x="6204170" y="5646562"/>
-                  <a:ext cx="78480" cy="451800"/>
-                </a:xfrm>
-                <a:prstGeom prst="rect">
-                  <a:avLst/>
-                </a:prstGeom>
-              </p:spPr>
-            </p:pic>
-          </mc:Fallback>
-        </mc:AlternateContent>
-        <mc:AlternateContent xmlns:mc="http://schemas.openxmlformats.org/markup-compatibility/2006" xmlns:p14="http://schemas.microsoft.com/office/powerpoint/2010/main" xmlns:aink="http://schemas.microsoft.com/office/drawing/2016/ink">
-          <mc:Choice Requires="p14 aink">
-            <p:contentPart p14:bwMode="auto" r:id="rId13">
-              <p14:nvContentPartPr>
-                <p14:cNvPr id="13" name="잉크 12">
-                  <a:extLst>
-                    <a:ext uri="{FF2B5EF4-FFF2-40B4-BE49-F238E27FC236}">
-                      <a16:creationId xmlns:a16="http://schemas.microsoft.com/office/drawing/2014/main" id="{AC590718-D18D-A224-D3DD-604F676C30D6}"/>
-                    </a:ext>
-                  </a:extLst>
-                </p14:cNvPr>
-                <p14:cNvContentPartPr/>
-                <p14:nvPr/>
-              </p14:nvContentPartPr>
-              <p14:xfrm>
-                <a:off x="6277610" y="5677162"/>
-                <a:ext cx="97920" cy="65520"/>
-              </p14:xfrm>
-            </p:contentPart>
-          </mc:Choice>
-          <mc:Fallback xmlns="">
-            <p:pic>
-              <p:nvPicPr>
-                <p:cNvPr id="13" name="잉크 12">
-                  <a:extLst>
-                    <a:ext uri="{FF2B5EF4-FFF2-40B4-BE49-F238E27FC236}">
-                      <a16:creationId xmlns:a16="http://schemas.microsoft.com/office/drawing/2014/main" id="{AC590718-D18D-A224-D3DD-604F676C30D6}"/>
-                    </a:ext>
-                  </a:extLst>
-                </p:cNvPr>
-                <p:cNvPicPr/>
-                <p:nvPr/>
-              </p:nvPicPr>
-              <p:blipFill>
-                <a:blip r:embed="rId14"/>
-                <a:stretch>
-                  <a:fillRect/>
-                </a:stretch>
-              </p:blipFill>
-              <p:spPr>
-                <a:xfrm>
-                  <a:off x="6273290" y="5672842"/>
-                  <a:ext cx="106560" cy="74160"/>
-                </a:xfrm>
-                <a:prstGeom prst="rect">
-                  <a:avLst/>
-                </a:prstGeom>
-              </p:spPr>
-            </p:pic>
-          </mc:Fallback>
-        </mc:AlternateContent>
-      </p:grpSp>
+          <a:prstGeom prst="rect">
+            <a:avLst/>
+          </a:prstGeom>
+          <a:noFill/>
+        </p:spPr>
+        <p:txBody>
+          <a:bodyPr wrap="square">
+            <a:spAutoFit/>
+          </a:bodyPr>
+          <a:lstStyle/>
+          <a:p>
+            <a:r>
+              <a:rPr lang="en-US" altLang="ko-KR" dirty="0"/>
+              <a:t>“Light = Cause,                          Illumination = Effect”</a:t>
+            </a:r>
+            <a:endParaRPr lang="ko-KR" altLang="en-US" dirty="0"/>
+          </a:p>
+        </p:txBody>
+      </p:sp>
     </p:spTree>
     <p:extLst>
       <p:ext uri="{BB962C8B-B14F-4D97-AF65-F5344CB8AC3E}">
@@ -5658,7 +7327,7 @@
           <a:p>
             <a:r>
               <a:rPr lang="ko-KR" altLang="en-US" dirty="0"/>
-              <a:t>입사한 빛의 양은  표면 방향과 입사한 빛의 방향 두 사이각의  </a:t>
+              <a:t> 입사한 빛의 양은  표면 방향과 입사한 빛의 방향 두 사이각의  </a:t>
             </a:r>
             <a:r>
               <a:rPr lang="en-US" altLang="ko-KR" dirty="0"/>
@@ -5675,12 +7344,8 @@
           </a:p>
           <a:p>
             <a:r>
-              <a:rPr lang="en-US" altLang="ko-KR" dirty="0"/>
-              <a:t> </a:t>
-            </a:r>
-            <a:r>
               <a:rPr lang="ko-KR" altLang="en-US" dirty="0"/>
-              <a:t>같은 양의 빛은 </a:t>
+              <a:t>같은 강도의 빛이라도 단위 면적 당 도달하는 빛의 양은 </a:t>
             </a:r>
             <a:r>
               <a:rPr lang="en-US" altLang="ko-KR" dirty="0"/>
@@ -5688,7 +7353,7 @@
             </a:r>
             <a:r>
               <a:rPr lang="ko-KR" altLang="en-US" dirty="0"/>
-              <a:t>에 가까울수록 더 많은 면적에 분산되므로 약해진다</a:t>
+              <a:t>도에 가까워 질수록 줄어든다</a:t>
             </a:r>
             <a:r>
               <a:rPr lang="en-US" altLang="ko-KR" dirty="0"/>
@@ -5711,7 +7376,7 @@
         </p:nvGrpSpPr>
         <p:grpSpPr>
           <a:xfrm>
-            <a:off x="869598" y="2877578"/>
+            <a:off x="162088" y="2845329"/>
             <a:ext cx="3869141" cy="2754386"/>
             <a:chOff x="5960659" y="3846511"/>
             <a:chExt cx="3869141" cy="2754386"/>
@@ -5797,27 +7462,11 @@
               <a:p>
                 <a:r>
                   <a:rPr lang="ko-KR" altLang="en-US" sz="1200" dirty="0"/>
-                  <a:t>빛의 양 </a:t>
+                  <a:t>단위 면적당 도달하는 빛의 양이 줄어든다</a:t>
                 </a:r>
                 <a:r>
                   <a:rPr lang="en-US" altLang="ko-KR" sz="1200" dirty="0"/>
-                  <a:t>90</a:t>
-                </a:r>
-                <a:r>
-                  <a:rPr lang="ko-KR" altLang="en-US" sz="1200" dirty="0"/>
-                  <a:t>도에서 </a:t>
-                </a:r>
-                <a:r>
-                  <a:rPr lang="en-US" altLang="ko-KR" sz="1200" dirty="0"/>
-                  <a:t>180</a:t>
-                </a:r>
-                <a:r>
-                  <a:rPr lang="ko-KR" altLang="en-US" sz="1200" dirty="0"/>
-                  <a:t>도는 </a:t>
-                </a:r>
-                <a:r>
-                  <a:rPr lang="en-US" altLang="ko-KR" sz="1200" dirty="0"/>
-                  <a:t>0%</a:t>
+                  <a:t>.</a:t>
                 </a:r>
                 <a:endParaRPr lang="ko-KR" altLang="en-US" sz="1200" dirty="0"/>
               </a:p>
@@ -6360,7 +8009,7 @@
         </p:nvSpPr>
         <p:spPr>
           <a:xfrm>
-            <a:off x="8388381" y="6105559"/>
+            <a:off x="6173501" y="6087063"/>
             <a:ext cx="2279535" cy="646331"/>
           </a:xfrm>
           <a:prstGeom prst="rect">
@@ -6406,7 +8055,7 @@
         </p:nvSpPr>
         <p:spPr>
           <a:xfrm>
-            <a:off x="6312205" y="6110556"/>
+            <a:off x="4097325" y="6092060"/>
             <a:ext cx="1966949" cy="646331"/>
           </a:xfrm>
           <a:prstGeom prst="rect">
@@ -6452,8 +8101,8 @@
         </p:nvSpPr>
         <p:spPr>
           <a:xfrm>
-            <a:off x="10804789" y="6110554"/>
-            <a:ext cx="958917" cy="646331"/>
+            <a:off x="8589909" y="6092058"/>
+            <a:ext cx="2212465" cy="646331"/>
           </a:xfrm>
           <a:prstGeom prst="rect">
             <a:avLst/>
@@ -6471,8 +8120,12 @@
               <a:t>입사량</a:t>
             </a:r>
             <a:r>
+              <a:rPr lang="ko-KR" altLang="en-US" b="1" dirty="0"/>
+              <a:t> </a:t>
+            </a:r>
+            <a:r>
               <a:rPr lang="en-US" altLang="ko-KR" b="1" dirty="0"/>
-              <a:t> </a:t>
+              <a:t>( N dot L ) </a:t>
             </a:r>
             <a:endParaRPr lang="en-US" altLang="ko-KR" dirty="0"/>
           </a:p>
@@ -6499,7 +8152,7 @@
         </p:nvSpPr>
         <p:spPr>
           <a:xfrm>
-            <a:off x="4178247" y="6110555"/>
+            <a:off x="1963367" y="6092059"/>
             <a:ext cx="2031069" cy="646331"/>
           </a:xfrm>
           <a:prstGeom prst="rect">
@@ -6547,7 +8200,7 @@
         </p:nvCxnSpPr>
         <p:spPr>
           <a:xfrm>
-            <a:off x="2865005" y="3213686"/>
+            <a:off x="2157495" y="3181437"/>
             <a:ext cx="1147679" cy="2023786"/>
           </a:xfrm>
           <a:prstGeom prst="straightConnector1">
@@ -6594,7 +8247,7 @@
         </p:nvCxnSpPr>
         <p:spPr>
           <a:xfrm>
-            <a:off x="2015095" y="3715944"/>
+            <a:off x="1294029" y="3693206"/>
             <a:ext cx="2655952" cy="1579565"/>
           </a:xfrm>
           <a:prstGeom prst="straightConnector1">
@@ -6625,6 +8278,53 @@
           </a:fontRef>
         </p:style>
       </p:cxnSp>
+      <p:pic>
+        <p:nvPicPr>
+          <p:cNvPr id="9" name="Picture 2" descr="코사인함수의 그래프 – GeoGebra">
+            <a:extLst>
+              <a:ext uri="{FF2B5EF4-FFF2-40B4-BE49-F238E27FC236}">
+                <a16:creationId xmlns:a16="http://schemas.microsoft.com/office/drawing/2014/main" id="{2C76D58E-1F01-0400-CCA4-F0D9F6E2EDD9}"/>
+              </a:ext>
+            </a:extLst>
+          </p:cNvPr>
+          <p:cNvPicPr>
+            <a:picLocks noChangeAspect="1" noChangeArrowheads="1"/>
+          </p:cNvPicPr>
+          <p:nvPr/>
+        </p:nvPicPr>
+        <p:blipFill rotWithShape="1">
+          <a:blip r:embed="rId4">
+            <a:extLst>
+              <a:ext uri="{28A0092B-C50C-407E-A947-70E740481C1C}">
+                <a14:useLocalDpi xmlns:a14="http://schemas.microsoft.com/office/drawing/2010/main" val="0"/>
+              </a:ext>
+            </a:extLst>
+          </a:blip>
+          <a:srcRect l="38082" r="44081"/>
+          <a:stretch>
+            <a:fillRect/>
+          </a:stretch>
+        </p:blipFill>
+        <p:spPr bwMode="auto">
+          <a:xfrm>
+            <a:off x="3834839" y="3122328"/>
+            <a:ext cx="1514463" cy="2280376"/>
+          </a:xfrm>
+          <a:prstGeom prst="rect">
+            <a:avLst/>
+          </a:prstGeom>
+          <a:noFill/>
+          <a:extLst>
+            <a:ext uri="{909E8E84-426E-40DD-AFC4-6F175D3DCCD1}">
+              <a14:hiddenFill xmlns:a14="http://schemas.microsoft.com/office/drawing/2010/main">
+                <a:solidFill>
+                  <a:srgbClr val="FFFFFF"/>
+                </a:solidFill>
+              </a14:hiddenFill>
+            </a:ext>
+          </a:extLst>
+        </p:spPr>
+      </p:pic>
     </p:spTree>
     <p:extLst>
       <p:ext uri="{BB962C8B-B14F-4D97-AF65-F5344CB8AC3E}">
@@ -6702,7 +8402,7 @@
         <p:spPr>
           <a:xfrm>
             <a:off x="238980" y="1558413"/>
-            <a:ext cx="11885048" cy="923330"/>
+            <a:ext cx="11710257" cy="646331"/>
           </a:xfrm>
           <a:prstGeom prst="rect">
             <a:avLst/>
@@ -6745,15 +8445,23 @@
             </a:r>
             <a:r>
               <a:rPr lang="ko-KR" altLang="en-US" dirty="0"/>
-              <a:t>은 </a:t>
+              <a:t>을 </a:t>
             </a:r>
             <a:r>
               <a:rPr lang="en-US" altLang="ko-KR" dirty="0"/>
-              <a:t>World Matrix</a:t>
+              <a:t>World Matrix 3x3 </a:t>
             </a:r>
             <a:r>
               <a:rPr lang="ko-KR" altLang="en-US" dirty="0"/>
-              <a:t>를 그대로 변환하면 스케일 또는 이동 성분에 의해 </a:t>
+              <a:t>회전 행렬로 변환한다</a:t>
+            </a:r>
+            <a:r>
+              <a:rPr lang="en-US" altLang="ko-KR" dirty="0"/>
+              <a:t>.  </a:t>
+            </a:r>
+            <a:r>
+              <a:rPr lang="ko-KR" altLang="en-US" dirty="0"/>
+              <a:t>다만 스케일에 의해 </a:t>
             </a:r>
             <a:r>
               <a:rPr lang="en-US" altLang="ko-KR" dirty="0"/>
@@ -6768,7 +8476,7 @@
           <a:p>
             <a:r>
               <a:rPr lang="ko-KR" altLang="en-US" dirty="0"/>
-              <a:t>가 더 이상 </a:t>
+              <a:t> 더 이상 </a:t>
             </a:r>
             <a:r>
               <a:rPr lang="en-US" altLang="ko-KR" dirty="0"/>
@@ -6784,30 +8492,7 @@
             </a:r>
             <a:r>
               <a:rPr lang="ko-KR" altLang="en-US" dirty="0"/>
-              <a:t>이동 성분을 제외한 </a:t>
-            </a:r>
-            <a:r>
-              <a:rPr lang="en-US" altLang="ko-KR" dirty="0"/>
-              <a:t>World Matrix</a:t>
-            </a:r>
-            <a:r>
-              <a:rPr lang="ko-KR" altLang="en-US" dirty="0"/>
-              <a:t>의 </a:t>
-            </a:r>
-            <a:r>
-              <a:rPr lang="en-US" altLang="ko-KR" dirty="0"/>
-              <a:t>3x3</a:t>
-            </a:r>
-            <a:r>
-              <a:rPr lang="ko-KR" altLang="en-US" dirty="0"/>
-              <a:t> 행렬을 곱하고 스케일에 의한 크기 </a:t>
-            </a:r>
-            <a:endParaRPr lang="en-US" altLang="ko-KR" dirty="0"/>
-          </a:p>
-          <a:p>
-            <a:r>
-              <a:rPr lang="ko-KR" altLang="en-US" dirty="0"/>
-              <a:t>변화에 대비하여 </a:t>
+              <a:t>스케일에 의한 크기 변화에 대비하여 </a:t>
             </a:r>
             <a:r>
               <a:rPr lang="en-US" altLang="ko-KR" dirty="0"/>
@@ -6824,269 +8509,6 @@
           </a:p>
         </p:txBody>
       </p:sp>
-      <p:grpSp>
-        <p:nvGrpSpPr>
-          <p:cNvPr id="11" name="그룹 10">
-            <a:extLst>
-              <a:ext uri="{FF2B5EF4-FFF2-40B4-BE49-F238E27FC236}">
-                <a16:creationId xmlns:a16="http://schemas.microsoft.com/office/drawing/2014/main" id="{680ECD0D-A068-40EF-B40D-8EEFCBCD5513}"/>
-              </a:ext>
-            </a:extLst>
-          </p:cNvPr>
-          <p:cNvGrpSpPr/>
-          <p:nvPr/>
-        </p:nvGrpSpPr>
-        <p:grpSpPr>
-          <a:xfrm>
-            <a:off x="0" y="3340988"/>
-            <a:ext cx="5201376" cy="2351753"/>
-            <a:chOff x="856241" y="3325139"/>
-            <a:chExt cx="5201376" cy="2351753"/>
-          </a:xfrm>
-        </p:grpSpPr>
-        <p:pic>
-          <p:nvPicPr>
-            <p:cNvPr id="3" name="그림 2">
-              <a:extLst>
-                <a:ext uri="{FF2B5EF4-FFF2-40B4-BE49-F238E27FC236}">
-                  <a16:creationId xmlns:a16="http://schemas.microsoft.com/office/drawing/2014/main" id="{EC9D64AC-90F6-4CF7-B8B5-8E7121C42EB0}"/>
-                </a:ext>
-              </a:extLst>
-            </p:cNvPr>
-            <p:cNvPicPr>
-              <a:picLocks noChangeAspect="1"/>
-            </p:cNvPicPr>
-            <p:nvPr/>
-          </p:nvPicPr>
-          <p:blipFill>
-            <a:blip r:embed="rId2"/>
-            <a:stretch>
-              <a:fillRect/>
-            </a:stretch>
-          </p:blipFill>
-          <p:spPr>
-            <a:xfrm>
-              <a:off x="856241" y="3377381"/>
-              <a:ext cx="5201376" cy="2114845"/>
-            </a:xfrm>
-            <a:prstGeom prst="rect">
-              <a:avLst/>
-            </a:prstGeom>
-          </p:spPr>
-        </p:pic>
-        <p:sp>
-          <p:nvSpPr>
-            <p:cNvPr id="4" name="직사각형 3">
-              <a:extLst>
-                <a:ext uri="{FF2B5EF4-FFF2-40B4-BE49-F238E27FC236}">
-                  <a16:creationId xmlns:a16="http://schemas.microsoft.com/office/drawing/2014/main" id="{8655D14A-851A-4914-9513-8EF01ACC5586}"/>
-                </a:ext>
-              </a:extLst>
-            </p:cNvPr>
-            <p:cNvSpPr/>
-            <p:nvPr/>
-          </p:nvSpPr>
-          <p:spPr>
-            <a:xfrm>
-              <a:off x="3223355" y="3726426"/>
-              <a:ext cx="2005781" cy="1160206"/>
-            </a:xfrm>
-            <a:prstGeom prst="rect">
-              <a:avLst/>
-            </a:prstGeom>
-            <a:noFill/>
-            <a:ln w="57150">
-              <a:solidFill>
-                <a:srgbClr val="FF0000"/>
-              </a:solidFill>
-            </a:ln>
-          </p:spPr>
-          <p:style>
-            <a:lnRef idx="2">
-              <a:schemeClr val="accent1">
-                <a:shade val="50000"/>
-              </a:schemeClr>
-            </a:lnRef>
-            <a:fillRef idx="1">
-              <a:schemeClr val="accent1"/>
-            </a:fillRef>
-            <a:effectRef idx="0">
-              <a:schemeClr val="accent1"/>
-            </a:effectRef>
-            <a:fontRef idx="minor">
-              <a:schemeClr val="lt1"/>
-            </a:fontRef>
-          </p:style>
-          <p:txBody>
-            <a:bodyPr rtlCol="0" anchor="ctr"/>
-            <a:lstStyle/>
-            <a:p>
-              <a:pPr algn="ctr"/>
-              <a:endParaRPr lang="ko-KR" altLang="en-US"/>
-            </a:p>
-          </p:txBody>
-        </p:sp>
-        <p:sp>
-          <p:nvSpPr>
-            <p:cNvPr id="5" name="직사각형 4">
-              <a:extLst>
-                <a:ext uri="{FF2B5EF4-FFF2-40B4-BE49-F238E27FC236}">
-                  <a16:creationId xmlns:a16="http://schemas.microsoft.com/office/drawing/2014/main" id="{BFB71F55-8AC0-49B0-92FF-170A6985A138}"/>
-                </a:ext>
-              </a:extLst>
-            </p:cNvPr>
-            <p:cNvSpPr/>
-            <p:nvPr/>
-          </p:nvSpPr>
-          <p:spPr>
-            <a:xfrm>
-              <a:off x="3223355" y="4950542"/>
-              <a:ext cx="2005781" cy="349045"/>
-            </a:xfrm>
-            <a:prstGeom prst="rect">
-              <a:avLst/>
-            </a:prstGeom>
-            <a:noFill/>
-            <a:ln w="57150">
-              <a:solidFill>
-                <a:srgbClr val="FF0000"/>
-              </a:solidFill>
-            </a:ln>
-          </p:spPr>
-          <p:style>
-            <a:lnRef idx="2">
-              <a:schemeClr val="accent1">
-                <a:shade val="50000"/>
-              </a:schemeClr>
-            </a:lnRef>
-            <a:fillRef idx="1">
-              <a:schemeClr val="accent1"/>
-            </a:fillRef>
-            <a:effectRef idx="0">
-              <a:schemeClr val="accent1"/>
-            </a:effectRef>
-            <a:fontRef idx="minor">
-              <a:schemeClr val="lt1"/>
-            </a:fontRef>
-          </p:style>
-          <p:txBody>
-            <a:bodyPr rtlCol="0" anchor="ctr"/>
-            <a:lstStyle/>
-            <a:p>
-              <a:pPr algn="ctr"/>
-              <a:endParaRPr lang="ko-KR" altLang="en-US"/>
-            </a:p>
-          </p:txBody>
-        </p:sp>
-        <p:sp>
-          <p:nvSpPr>
-            <p:cNvPr id="7" name="TextBox 6">
-              <a:extLst>
-                <a:ext uri="{FF2B5EF4-FFF2-40B4-BE49-F238E27FC236}">
-                  <a16:creationId xmlns:a16="http://schemas.microsoft.com/office/drawing/2014/main" id="{15E4F704-32F5-4350-951A-76FA2828D71C}"/>
-                </a:ext>
-              </a:extLst>
-            </p:cNvPr>
-            <p:cNvSpPr txBox="1"/>
-            <p:nvPr/>
-          </p:nvSpPr>
-          <p:spPr>
-            <a:xfrm>
-              <a:off x="3260753" y="3325139"/>
-              <a:ext cx="2234907" cy="369332"/>
-            </a:xfrm>
-            <a:prstGeom prst="rect">
-              <a:avLst/>
-            </a:prstGeom>
-            <a:noFill/>
-          </p:spPr>
-          <p:txBody>
-            <a:bodyPr wrap="none" rtlCol="0">
-              <a:spAutoFit/>
-            </a:bodyPr>
-            <a:lstStyle/>
-            <a:p>
-              <a:r>
-                <a:rPr lang="ko-KR" altLang="en-US" dirty="0"/>
-                <a:t>회전 </a:t>
-              </a:r>
-              <a:r>
-                <a:rPr lang="en-US" altLang="ko-KR" dirty="0"/>
-                <a:t>&amp; </a:t>
-              </a:r>
-              <a:r>
-                <a:rPr lang="ko-KR" altLang="en-US" dirty="0"/>
-                <a:t>스케일 성분</a:t>
-              </a:r>
-            </a:p>
-          </p:txBody>
-        </p:sp>
-        <p:sp>
-          <p:nvSpPr>
-            <p:cNvPr id="8" name="TextBox 7">
-              <a:extLst>
-                <a:ext uri="{FF2B5EF4-FFF2-40B4-BE49-F238E27FC236}">
-                  <a16:creationId xmlns:a16="http://schemas.microsoft.com/office/drawing/2014/main" id="{1EAC33B6-7976-44F3-8CF2-D09E188949FD}"/>
-                </a:ext>
-              </a:extLst>
-            </p:cNvPr>
-            <p:cNvSpPr txBox="1"/>
-            <p:nvPr/>
-          </p:nvSpPr>
-          <p:spPr>
-            <a:xfrm>
-              <a:off x="3467986" y="5307560"/>
-              <a:ext cx="1189749" cy="369332"/>
-            </a:xfrm>
-            <a:prstGeom prst="rect">
-              <a:avLst/>
-            </a:prstGeom>
-            <a:noFill/>
-          </p:spPr>
-          <p:txBody>
-            <a:bodyPr wrap="none" rtlCol="0">
-              <a:spAutoFit/>
-            </a:bodyPr>
-            <a:lstStyle/>
-            <a:p>
-              <a:r>
-                <a:rPr lang="ko-KR" altLang="en-US" dirty="0"/>
-                <a:t>이동 성분</a:t>
-              </a:r>
-            </a:p>
-          </p:txBody>
-        </p:sp>
-      </p:grpSp>
-      <p:pic>
-        <p:nvPicPr>
-          <p:cNvPr id="9" name="그림 8">
-            <a:extLst>
-              <a:ext uri="{FF2B5EF4-FFF2-40B4-BE49-F238E27FC236}">
-                <a16:creationId xmlns:a16="http://schemas.microsoft.com/office/drawing/2014/main" id="{6723C244-956C-4660-84F4-801477E05020}"/>
-              </a:ext>
-            </a:extLst>
-          </p:cNvPr>
-          <p:cNvPicPr>
-            <a:picLocks noChangeAspect="1"/>
-          </p:cNvPicPr>
-          <p:nvPr/>
-        </p:nvPicPr>
-        <p:blipFill>
-          <a:blip r:embed="rId3"/>
-          <a:stretch>
-            <a:fillRect/>
-          </a:stretch>
-        </p:blipFill>
-        <p:spPr>
-          <a:xfrm>
-            <a:off x="5398893" y="3101100"/>
-            <a:ext cx="6651418" cy="2550316"/>
-          </a:xfrm>
-          <a:prstGeom prst="rect">
-            <a:avLst/>
-          </a:prstGeom>
-        </p:spPr>
-      </p:pic>
       <p:sp>
         <p:nvSpPr>
           <p:cNvPr id="10" name="TextBox 9">
@@ -7117,19 +8539,19 @@
           <a:p>
             <a:r>
               <a:rPr lang="en-US" altLang="ko-KR" dirty="0">
-                <a:hlinkClick r:id="rId4"/>
+                <a:hlinkClick r:id="rId2"/>
               </a:rPr>
               <a:t>Vector</a:t>
             </a:r>
             <a:r>
               <a:rPr lang="ko-KR" altLang="en-US" dirty="0">
-                <a:hlinkClick r:id="rId4"/>
+                <a:hlinkClick r:id="rId2"/>
               </a:rPr>
               <a:t> </a:t>
             </a:r>
             <a:r>
               <a:rPr lang="en-US" altLang="ko-KR" dirty="0">
-                <a:hlinkClick r:id="rId4"/>
+                <a:hlinkClick r:id="rId2"/>
               </a:rPr>
               <a:t>Normalization</a:t>
             </a:r>
@@ -7167,7 +8589,7 @@
           <a:p>
             <a:r>
               <a:rPr lang="en-US" altLang="ko-KR" dirty="0">
-                <a:hlinkClick r:id="rId5"/>
+                <a:hlinkClick r:id="rId3"/>
               </a:rPr>
               <a:t>Matrix Calculator</a:t>
             </a:r>
@@ -7175,6 +8597,223 @@
           </a:p>
         </p:txBody>
       </p:sp>
+      <p:pic>
+        <p:nvPicPr>
+          <p:cNvPr id="14" name="그림 13">
+            <a:extLst>
+              <a:ext uri="{FF2B5EF4-FFF2-40B4-BE49-F238E27FC236}">
+                <a16:creationId xmlns:a16="http://schemas.microsoft.com/office/drawing/2014/main" id="{25C28B3E-78CD-A535-4C70-080127A286D4}"/>
+              </a:ext>
+            </a:extLst>
+          </p:cNvPr>
+          <p:cNvPicPr>
+            <a:picLocks noChangeAspect="1"/>
+          </p:cNvPicPr>
+          <p:nvPr/>
+        </p:nvPicPr>
+        <p:blipFill>
+          <a:blip r:embed="rId4"/>
+          <a:stretch>
+            <a:fillRect/>
+          </a:stretch>
+        </p:blipFill>
+        <p:spPr>
+          <a:xfrm>
+            <a:off x="917028" y="3810859"/>
+            <a:ext cx="3286584" cy="1638529"/>
+          </a:xfrm>
+          <a:prstGeom prst="rect">
+            <a:avLst/>
+          </a:prstGeom>
+        </p:spPr>
+      </p:pic>
+      <p:sp>
+        <p:nvSpPr>
+          <p:cNvPr id="15" name="직사각형 14">
+            <a:extLst>
+              <a:ext uri="{FF2B5EF4-FFF2-40B4-BE49-F238E27FC236}">
+                <a16:creationId xmlns:a16="http://schemas.microsoft.com/office/drawing/2014/main" id="{C165A3C1-8850-DD78-6506-0629CEFEFCFB}"/>
+              </a:ext>
+            </a:extLst>
+          </p:cNvPr>
+          <p:cNvSpPr/>
+          <p:nvPr/>
+        </p:nvSpPr>
+        <p:spPr>
+          <a:xfrm>
+            <a:off x="1727200" y="3931920"/>
+            <a:ext cx="1859280" cy="1136788"/>
+          </a:xfrm>
+          <a:prstGeom prst="rect">
+            <a:avLst/>
+          </a:prstGeom>
+          <a:noFill/>
+          <a:ln>
+            <a:prstDash val="dash"/>
+          </a:ln>
+        </p:spPr>
+        <p:style>
+          <a:lnRef idx="2">
+            <a:schemeClr val="accent1">
+              <a:shade val="15000"/>
+            </a:schemeClr>
+          </a:lnRef>
+          <a:fillRef idx="1">
+            <a:schemeClr val="accent1"/>
+          </a:fillRef>
+          <a:effectRef idx="0">
+            <a:schemeClr val="accent1"/>
+          </a:effectRef>
+          <a:fontRef idx="minor">
+            <a:schemeClr val="lt1"/>
+          </a:fontRef>
+        </p:style>
+        <p:txBody>
+          <a:bodyPr rtlCol="0" anchor="ctr"/>
+          <a:lstStyle/>
+          <a:p>
+            <a:pPr algn="ctr"/>
+            <a:endParaRPr lang="ko-KR" altLang="en-US"/>
+          </a:p>
+        </p:txBody>
+      </p:sp>
+      <p:sp>
+        <p:nvSpPr>
+          <p:cNvPr id="16" name="직사각형 15">
+            <a:extLst>
+              <a:ext uri="{FF2B5EF4-FFF2-40B4-BE49-F238E27FC236}">
+                <a16:creationId xmlns:a16="http://schemas.microsoft.com/office/drawing/2014/main" id="{37E58736-D790-362C-8AE4-E4911B4A5D40}"/>
+              </a:ext>
+            </a:extLst>
+          </p:cNvPr>
+          <p:cNvSpPr/>
+          <p:nvPr/>
+        </p:nvSpPr>
+        <p:spPr>
+          <a:xfrm>
+            <a:off x="1727200" y="4003040"/>
+            <a:ext cx="1859280" cy="1065668"/>
+          </a:xfrm>
+          <a:prstGeom prst="rect">
+            <a:avLst/>
+          </a:prstGeom>
+          <a:noFill/>
+          <a:ln w="57150">
+            <a:solidFill>
+              <a:srgbClr val="C00000"/>
+            </a:solidFill>
+          </a:ln>
+        </p:spPr>
+        <p:style>
+          <a:lnRef idx="2">
+            <a:schemeClr val="accent1">
+              <a:shade val="15000"/>
+            </a:schemeClr>
+          </a:lnRef>
+          <a:fillRef idx="1">
+            <a:schemeClr val="accent1"/>
+          </a:fillRef>
+          <a:effectRef idx="0">
+            <a:schemeClr val="accent1"/>
+          </a:effectRef>
+          <a:fontRef idx="minor">
+            <a:schemeClr val="lt1"/>
+          </a:fontRef>
+        </p:style>
+        <p:txBody>
+          <a:bodyPr rtlCol="0" anchor="ctr"/>
+          <a:lstStyle/>
+          <a:p>
+            <a:pPr algn="ctr"/>
+            <a:endParaRPr lang="ko-KR" altLang="en-US"/>
+          </a:p>
+        </p:txBody>
+      </p:sp>
+      <p:sp>
+        <p:nvSpPr>
+          <p:cNvPr id="17" name="TextBox 16">
+            <a:extLst>
+              <a:ext uri="{FF2B5EF4-FFF2-40B4-BE49-F238E27FC236}">
+                <a16:creationId xmlns:a16="http://schemas.microsoft.com/office/drawing/2014/main" id="{BDAFDB99-3DE2-C3E7-8647-D9BFC67DC316}"/>
+              </a:ext>
+            </a:extLst>
+          </p:cNvPr>
+          <p:cNvSpPr txBox="1"/>
+          <p:nvPr/>
+        </p:nvSpPr>
+        <p:spPr>
+          <a:xfrm>
+            <a:off x="570922" y="3377653"/>
+            <a:ext cx="4405373" cy="369332"/>
+          </a:xfrm>
+          <a:prstGeom prst="rect">
+            <a:avLst/>
+          </a:prstGeom>
+          <a:noFill/>
+        </p:spPr>
+        <p:txBody>
+          <a:bodyPr wrap="none" rtlCol="0">
+            <a:spAutoFit/>
+          </a:bodyPr>
+          <a:lstStyle/>
+          <a:p>
+            <a:r>
+              <a:rPr lang="en-US" altLang="ko-KR" dirty="0"/>
+              <a:t>HLSL</a:t>
+            </a:r>
+            <a:r>
+              <a:rPr lang="ko-KR" altLang="en-US" dirty="0"/>
+              <a:t>에서는 </a:t>
+            </a:r>
+            <a:r>
+              <a:rPr lang="en-US" altLang="ko-KR" dirty="0"/>
+              <a:t>column-Major(</a:t>
+            </a:r>
+            <a:r>
+              <a:rPr lang="ko-KR" altLang="en-US" dirty="0"/>
+              <a:t>열 우선</a:t>
+            </a:r>
+            <a:r>
+              <a:rPr lang="en-US" altLang="ko-KR" dirty="0"/>
+              <a:t>) </a:t>
+            </a:r>
+            <a:r>
+              <a:rPr lang="ko-KR" altLang="en-US" dirty="0"/>
+              <a:t>행렬</a:t>
+            </a:r>
+          </a:p>
+        </p:txBody>
+      </p:sp>
+      <p:pic>
+        <p:nvPicPr>
+          <p:cNvPr id="19" name="그림 18">
+            <a:extLst>
+              <a:ext uri="{FF2B5EF4-FFF2-40B4-BE49-F238E27FC236}">
+                <a16:creationId xmlns:a16="http://schemas.microsoft.com/office/drawing/2014/main" id="{0E33ECFB-D22A-1A4B-81D4-2A67231AFB9B}"/>
+              </a:ext>
+            </a:extLst>
+          </p:cNvPr>
+          <p:cNvPicPr>
+            <a:picLocks noChangeAspect="1"/>
+          </p:cNvPicPr>
+          <p:nvPr/>
+        </p:nvPicPr>
+        <p:blipFill>
+          <a:blip r:embed="rId5"/>
+          <a:stretch>
+            <a:fillRect/>
+          </a:stretch>
+        </p:blipFill>
+        <p:spPr>
+          <a:xfrm>
+            <a:off x="5080000" y="2708525"/>
+            <a:ext cx="6963030" cy="2446789"/>
+          </a:xfrm>
+          <a:prstGeom prst="rect">
+            <a:avLst/>
+          </a:prstGeom>
+        </p:spPr>
+      </p:pic>
     </p:spTree>
     <p:extLst>
       <p:ext uri="{BB962C8B-B14F-4D97-AF65-F5344CB8AC3E}">
@@ -7396,51 +9035,6 @@
       </p:pic>
       <p:cxnSp>
         <p:nvCxnSpPr>
-          <p:cNvPr id="7" name="직선 연결선 6">
-            <a:extLst>
-              <a:ext uri="{FF2B5EF4-FFF2-40B4-BE49-F238E27FC236}">
-                <a16:creationId xmlns:a16="http://schemas.microsoft.com/office/drawing/2014/main" id="{20D4467C-D753-756F-3A90-178EC3C7753E}"/>
-              </a:ext>
-            </a:extLst>
-          </p:cNvPr>
-          <p:cNvCxnSpPr>
-            <a:cxnSpLocks/>
-          </p:cNvCxnSpPr>
-          <p:nvPr/>
-        </p:nvCxnSpPr>
-        <p:spPr>
-          <a:xfrm flipV="1">
-            <a:off x="5119307" y="2292479"/>
-            <a:ext cx="1165956" cy="2350096"/>
-          </a:xfrm>
-          <a:prstGeom prst="line">
-            <a:avLst/>
-          </a:prstGeom>
-          <a:ln w="38100">
-            <a:solidFill>
-              <a:srgbClr val="FF0000"/>
-            </a:solidFill>
-            <a:headEnd type="none" w="med" len="med"/>
-            <a:tailEnd type="none" w="med" len="med"/>
-          </a:ln>
-        </p:spPr>
-        <p:style>
-          <a:lnRef idx="1">
-            <a:schemeClr val="accent1"/>
-          </a:lnRef>
-          <a:fillRef idx="0">
-            <a:schemeClr val="accent1"/>
-          </a:fillRef>
-          <a:effectRef idx="0">
-            <a:schemeClr val="accent1"/>
-          </a:effectRef>
-          <a:fontRef idx="minor">
-            <a:schemeClr val="tx1"/>
-          </a:fontRef>
-        </p:style>
-      </p:cxnSp>
-      <p:cxnSp>
-        <p:nvCxnSpPr>
           <p:cNvPr id="18" name="직선 연결선 17">
             <a:extLst>
               <a:ext uri="{FF2B5EF4-FFF2-40B4-BE49-F238E27FC236}">
@@ -7455,8 +9049,8 @@
         </p:nvCxnSpPr>
         <p:spPr>
           <a:xfrm flipH="1" flipV="1">
-            <a:off x="5083298" y="3178454"/>
-            <a:ext cx="618987" cy="267128"/>
+            <a:off x="5164667" y="3209277"/>
+            <a:ext cx="537618" cy="236305"/>
           </a:xfrm>
           <a:prstGeom prst="line">
             <a:avLst/>
@@ -7466,51 +9060,6 @@
               <a:srgbClr val="FF0000"/>
             </a:solidFill>
             <a:tailEnd type="triangle"/>
-          </a:ln>
-        </p:spPr>
-        <p:style>
-          <a:lnRef idx="1">
-            <a:schemeClr val="accent1"/>
-          </a:lnRef>
-          <a:fillRef idx="0">
-            <a:schemeClr val="accent1"/>
-          </a:fillRef>
-          <a:effectRef idx="0">
-            <a:schemeClr val="accent1"/>
-          </a:effectRef>
-          <a:fontRef idx="minor">
-            <a:schemeClr val="tx1"/>
-          </a:fontRef>
-        </p:style>
-      </p:cxnSp>
-      <p:cxnSp>
-        <p:nvCxnSpPr>
-          <p:cNvPr id="21" name="직선 연결선 20">
-            <a:extLst>
-              <a:ext uri="{FF2B5EF4-FFF2-40B4-BE49-F238E27FC236}">
-                <a16:creationId xmlns:a16="http://schemas.microsoft.com/office/drawing/2014/main" id="{BCD985F1-4F96-9367-FB7E-9A0B2C6CFF32}"/>
-              </a:ext>
-            </a:extLst>
-          </p:cNvPr>
-          <p:cNvCxnSpPr>
-            <a:cxnSpLocks/>
-          </p:cNvCxnSpPr>
-          <p:nvPr/>
-        </p:nvCxnSpPr>
-        <p:spPr>
-          <a:xfrm flipV="1">
-            <a:off x="7505395" y="3209277"/>
-            <a:ext cx="2282343" cy="1126540"/>
-          </a:xfrm>
-          <a:prstGeom prst="line">
-            <a:avLst/>
-          </a:prstGeom>
-          <a:ln w="38100">
-            <a:solidFill>
-              <a:srgbClr val="FF0000"/>
-            </a:solidFill>
-            <a:headEnd type="none" w="med" len="med"/>
-            <a:tailEnd type="none" w="med" len="med"/>
           </a:ln>
         </p:spPr>
         <p:style>
@@ -7697,7 +9246,7 @@
             </a:r>
             <a:r>
               <a:rPr lang="ko-KR" altLang="en-US" dirty="0"/>
-              <a:t>  </a:t>
+              <a:t> </a:t>
             </a:r>
             <a:r>
               <a:rPr lang="en-US" altLang="ko-KR" dirty="0"/>
@@ -7705,7 +9254,7 @@
             </a:r>
             <a:r>
               <a:rPr lang="ko-KR" altLang="en-US" dirty="0"/>
-              <a:t>필요하다면 </a:t>
+              <a:t>보정하기 위해 </a:t>
             </a:r>
             <a:r>
               <a:rPr lang="en-US" altLang="ko-KR" dirty="0"/>
@@ -7877,6 +9426,466 @@
           </a:p>
         </p:txBody>
       </p:sp>
+      <p:cxnSp>
+        <p:nvCxnSpPr>
+          <p:cNvPr id="4" name="직선 화살표 연결선 3">
+            <a:extLst>
+              <a:ext uri="{FF2B5EF4-FFF2-40B4-BE49-F238E27FC236}">
+                <a16:creationId xmlns:a16="http://schemas.microsoft.com/office/drawing/2014/main" id="{42FADBAB-B5E3-B4A7-FD9C-78DB5B8179F5}"/>
+              </a:ext>
+            </a:extLst>
+          </p:cNvPr>
+          <p:cNvCxnSpPr>
+            <a:cxnSpLocks/>
+          </p:cNvCxnSpPr>
+          <p:nvPr/>
+        </p:nvCxnSpPr>
+        <p:spPr>
+          <a:xfrm flipH="1">
+            <a:off x="471670" y="3927475"/>
+            <a:ext cx="344305" cy="340515"/>
+          </a:xfrm>
+          <a:prstGeom prst="straightConnector1">
+            <a:avLst/>
+          </a:prstGeom>
+          <a:ln w="38100">
+            <a:solidFill>
+              <a:srgbClr val="00B050"/>
+            </a:solidFill>
+            <a:tailEnd type="triangle"/>
+          </a:ln>
+        </p:spPr>
+        <p:style>
+          <a:lnRef idx="1">
+            <a:schemeClr val="accent1"/>
+          </a:lnRef>
+          <a:fillRef idx="0">
+            <a:schemeClr val="accent1"/>
+          </a:fillRef>
+          <a:effectRef idx="0">
+            <a:schemeClr val="accent1"/>
+          </a:effectRef>
+          <a:fontRef idx="minor">
+            <a:schemeClr val="tx1"/>
+          </a:fontRef>
+        </p:style>
+      </p:cxnSp>
+      <p:cxnSp>
+        <p:nvCxnSpPr>
+          <p:cNvPr id="9" name="직선 화살표 연결선 8">
+            <a:extLst>
+              <a:ext uri="{FF2B5EF4-FFF2-40B4-BE49-F238E27FC236}">
+                <a16:creationId xmlns:a16="http://schemas.microsoft.com/office/drawing/2014/main" id="{502B9007-9A3E-4F6D-5B03-123C36A83F80}"/>
+              </a:ext>
+            </a:extLst>
+          </p:cNvPr>
+          <p:cNvCxnSpPr>
+            <a:cxnSpLocks/>
+          </p:cNvCxnSpPr>
+          <p:nvPr/>
+        </p:nvCxnSpPr>
+        <p:spPr>
+          <a:xfrm flipH="1">
+            <a:off x="5376051" y="3445582"/>
+            <a:ext cx="344305" cy="724359"/>
+          </a:xfrm>
+          <a:prstGeom prst="straightConnector1">
+            <a:avLst/>
+          </a:prstGeom>
+          <a:ln w="38100">
+            <a:solidFill>
+              <a:srgbClr val="00B050"/>
+            </a:solidFill>
+            <a:tailEnd type="triangle"/>
+          </a:ln>
+        </p:spPr>
+        <p:style>
+          <a:lnRef idx="1">
+            <a:schemeClr val="accent1"/>
+          </a:lnRef>
+          <a:fillRef idx="0">
+            <a:schemeClr val="accent1"/>
+          </a:fillRef>
+          <a:effectRef idx="0">
+            <a:schemeClr val="accent1"/>
+          </a:effectRef>
+          <a:fontRef idx="minor">
+            <a:schemeClr val="tx1"/>
+          </a:fontRef>
+        </p:style>
+      </p:cxnSp>
+      <p:cxnSp>
+        <p:nvCxnSpPr>
+          <p:cNvPr id="11" name="직선 화살표 연결선 10">
+            <a:extLst>
+              <a:ext uri="{FF2B5EF4-FFF2-40B4-BE49-F238E27FC236}">
+                <a16:creationId xmlns:a16="http://schemas.microsoft.com/office/drawing/2014/main" id="{DDE00DAE-5EF1-F26B-6F77-AC9F634007C0}"/>
+              </a:ext>
+            </a:extLst>
+          </p:cNvPr>
+          <p:cNvCxnSpPr>
+            <a:cxnSpLocks/>
+          </p:cNvCxnSpPr>
+          <p:nvPr/>
+        </p:nvCxnSpPr>
+        <p:spPr>
+          <a:xfrm flipH="1">
+            <a:off x="7955898" y="3772547"/>
+            <a:ext cx="676038" cy="325185"/>
+          </a:xfrm>
+          <a:prstGeom prst="straightConnector1">
+            <a:avLst/>
+          </a:prstGeom>
+          <a:ln w="38100">
+            <a:solidFill>
+              <a:srgbClr val="00B050"/>
+            </a:solidFill>
+            <a:tailEnd type="triangle"/>
+          </a:ln>
+        </p:spPr>
+        <p:style>
+          <a:lnRef idx="1">
+            <a:schemeClr val="accent1"/>
+          </a:lnRef>
+          <a:fillRef idx="0">
+            <a:schemeClr val="accent1"/>
+          </a:fillRef>
+          <a:effectRef idx="0">
+            <a:schemeClr val="accent1"/>
+          </a:effectRef>
+          <a:fontRef idx="minor">
+            <a:schemeClr val="tx1"/>
+          </a:fontRef>
+        </p:style>
+      </p:cxnSp>
+      <mc:AlternateContent xmlns:mc="http://schemas.openxmlformats.org/markup-compatibility/2006">
+        <mc:Choice xmlns:a14="http://schemas.microsoft.com/office/drawing/2010/main" Requires="a14">
+          <p:sp>
+            <p:nvSpPr>
+              <p:cNvPr id="19" name="TextBox 18">
+                <a:extLst>
+                  <a:ext uri="{FF2B5EF4-FFF2-40B4-BE49-F238E27FC236}">
+                    <a16:creationId xmlns:a16="http://schemas.microsoft.com/office/drawing/2014/main" id="{94EEAB5F-0C33-F093-84EB-CE9E63BBEDFD}"/>
+                  </a:ext>
+                </a:extLst>
+              </p:cNvPr>
+              <p:cNvSpPr txBox="1"/>
+              <p:nvPr/>
+            </p:nvSpPr>
+            <p:spPr>
+              <a:xfrm>
+                <a:off x="396835" y="2312843"/>
+                <a:ext cx="6096000" cy="369332"/>
+              </a:xfrm>
+              <a:prstGeom prst="rect">
+                <a:avLst/>
+              </a:prstGeom>
+              <a:noFill/>
+            </p:spPr>
+            <p:txBody>
+              <a:bodyPr wrap="square">
+                <a:spAutoFit/>
+              </a:bodyPr>
+              <a:lstStyle/>
+              <a:p>
+                <a:r>
+                  <a:rPr lang="en-US" altLang="ko-KR" b="1" dirty="0">
+                    <a:solidFill>
+                      <a:srgbClr val="0070C0"/>
+                    </a:solidFill>
+                  </a:rPr>
+                  <a:t>Normal</a:t>
+                </a:r>
+                <a:r>
+                  <a:rPr lang="en-US" altLang="ko-KR" dirty="0"/>
+                  <a:t> </a:t>
+                </a:r>
+                <a14:m>
+                  <m:oMath xmlns:m="http://schemas.openxmlformats.org/officeDocument/2006/math">
+                    <m:r>
+                      <a:rPr lang="ko-KR" altLang="en-US" i="1">
+                        <a:latin typeface="Cambria Math" panose="02040503050406030204" pitchFamily="18" charset="0"/>
+                      </a:rPr>
+                      <m:t>𝑛</m:t>
+                    </m:r>
+                  </m:oMath>
+                </a14:m>
+                <a:r>
+                  <a:rPr lang="ko-KR" altLang="en-US" dirty="0"/>
+                  <a:t>은 </a:t>
+                </a:r>
+                <a:r>
+                  <a:rPr lang="en-US" altLang="ko-KR" b="1" dirty="0">
+                    <a:solidFill>
+                      <a:srgbClr val="00B050"/>
+                    </a:solidFill>
+                  </a:rPr>
+                  <a:t>Tangent</a:t>
+                </a:r>
+                <a:r>
+                  <a:rPr lang="en-US" altLang="ko-KR" dirty="0"/>
+                  <a:t> </a:t>
+                </a:r>
+                <a14:m>
+                  <m:oMath xmlns:m="http://schemas.openxmlformats.org/officeDocument/2006/math">
+                    <m:r>
+                      <a:rPr lang="ko-KR" altLang="en-US" i="1">
+                        <a:latin typeface="Cambria Math" panose="02040503050406030204" pitchFamily="18" charset="0"/>
+                      </a:rPr>
+                      <m:t>𝑡</m:t>
+                    </m:r>
+                  </m:oMath>
+                </a14:m>
+                <a:r>
+                  <a:rPr lang="ko-KR" altLang="en-US" dirty="0"/>
+                  <a:t>와 항상 직각이어야 합니다</a:t>
+                </a:r>
+                <a:r>
+                  <a:rPr lang="en-US" altLang="ko-KR" dirty="0"/>
+                  <a:t>.</a:t>
+                </a:r>
+                <a:endParaRPr lang="ko-KR" altLang="en-US" dirty="0"/>
+              </a:p>
+            </p:txBody>
+          </p:sp>
+        </mc:Choice>
+        <mc:Fallback>
+          <p:sp>
+            <p:nvSpPr>
+              <p:cNvPr id="19" name="TextBox 18">
+                <a:extLst>
+                  <a:ext uri="{FF2B5EF4-FFF2-40B4-BE49-F238E27FC236}">
+                    <a16:creationId xmlns:a16="http://schemas.microsoft.com/office/drawing/2014/main" id="{94EEAB5F-0C33-F093-84EB-CE9E63BBEDFD}"/>
+                  </a:ext>
+                </a:extLst>
+              </p:cNvPr>
+              <p:cNvSpPr txBox="1">
+                <a:spLocks noRot="1" noChangeAspect="1" noMove="1" noResize="1" noEditPoints="1" noAdjustHandles="1" noChangeArrowheads="1" noChangeShapeType="1" noTextEdit="1"/>
+              </p:cNvSpPr>
+              <p:nvPr/>
+            </p:nvSpPr>
+            <p:spPr>
+              <a:xfrm>
+                <a:off x="396835" y="2312843"/>
+                <a:ext cx="6096000" cy="369332"/>
+              </a:xfrm>
+              <a:prstGeom prst="rect">
+                <a:avLst/>
+              </a:prstGeom>
+              <a:blipFill>
+                <a:blip r:embed="rId3"/>
+                <a:stretch>
+                  <a:fillRect l="-800" t="-8197" b="-24590"/>
+                </a:stretch>
+              </a:blipFill>
+            </p:spPr>
+            <p:txBody>
+              <a:bodyPr/>
+              <a:lstStyle/>
+              <a:p>
+                <a:r>
+                  <a:rPr lang="ko-KR" altLang="en-US">
+                    <a:noFill/>
+                  </a:rPr>
+                  <a:t> </a:t>
+                </a:r>
+              </a:p>
+            </p:txBody>
+          </p:sp>
+        </mc:Fallback>
+      </mc:AlternateContent>
+      <mc:AlternateContent xmlns:mc="http://schemas.openxmlformats.org/markup-compatibility/2006">
+        <mc:Choice xmlns:a14="http://schemas.microsoft.com/office/drawing/2010/main" Requires="a14">
+          <p:sp>
+            <p:nvSpPr>
+              <p:cNvPr id="22" name="TextBox 21">
+                <a:extLst>
+                  <a:ext uri="{FF2B5EF4-FFF2-40B4-BE49-F238E27FC236}">
+                    <a16:creationId xmlns:a16="http://schemas.microsoft.com/office/drawing/2014/main" id="{212BF9AC-D9C4-A91D-8991-CC27D3D225AD}"/>
+                  </a:ext>
+                </a:extLst>
+              </p:cNvPr>
+              <p:cNvSpPr txBox="1"/>
+              <p:nvPr/>
+            </p:nvSpPr>
+            <p:spPr>
+              <a:xfrm>
+                <a:off x="471670" y="3369759"/>
+                <a:ext cx="473686" cy="369332"/>
+              </a:xfrm>
+              <a:prstGeom prst="rect">
+                <a:avLst/>
+              </a:prstGeom>
+              <a:noFill/>
+            </p:spPr>
+            <p:txBody>
+              <a:bodyPr wrap="square">
+                <a:spAutoFit/>
+              </a:bodyPr>
+              <a:lstStyle/>
+              <a:p>
+                <a:pPr/>
+                <a14:m>
+                  <m:oMathPara xmlns:m="http://schemas.openxmlformats.org/officeDocument/2006/math">
+                    <m:oMathParaPr>
+                      <m:jc m:val="centerGroup"/>
+                    </m:oMathParaPr>
+                    <m:oMath xmlns:m="http://schemas.openxmlformats.org/officeDocument/2006/math">
+                      <m:r>
+                        <a:rPr lang="ko-KR" altLang="en-US" i="1" smtClean="0">
+                          <a:latin typeface="Cambria Math" panose="02040503050406030204" pitchFamily="18" charset="0"/>
+                        </a:rPr>
+                        <m:t>𝑛</m:t>
+                      </m:r>
+                    </m:oMath>
+                  </m:oMathPara>
+                </a14:m>
+                <a:endParaRPr lang="ko-KR" altLang="en-US" dirty="0"/>
+              </a:p>
+            </p:txBody>
+          </p:sp>
+        </mc:Choice>
+        <mc:Fallback>
+          <p:sp>
+            <p:nvSpPr>
+              <p:cNvPr id="22" name="TextBox 21">
+                <a:extLst>
+                  <a:ext uri="{FF2B5EF4-FFF2-40B4-BE49-F238E27FC236}">
+                    <a16:creationId xmlns:a16="http://schemas.microsoft.com/office/drawing/2014/main" id="{212BF9AC-D9C4-A91D-8991-CC27D3D225AD}"/>
+                  </a:ext>
+                </a:extLst>
+              </p:cNvPr>
+              <p:cNvSpPr txBox="1">
+                <a:spLocks noRot="1" noChangeAspect="1" noMove="1" noResize="1" noEditPoints="1" noAdjustHandles="1" noChangeArrowheads="1" noChangeShapeType="1" noTextEdit="1"/>
+              </p:cNvSpPr>
+              <p:nvPr/>
+            </p:nvSpPr>
+            <p:spPr>
+              <a:xfrm>
+                <a:off x="471670" y="3369759"/>
+                <a:ext cx="473686" cy="369332"/>
+              </a:xfrm>
+              <a:prstGeom prst="rect">
+                <a:avLst/>
+              </a:prstGeom>
+              <a:blipFill>
+                <a:blip r:embed="rId4"/>
+                <a:stretch>
+                  <a:fillRect/>
+                </a:stretch>
+              </a:blipFill>
+            </p:spPr>
+            <p:txBody>
+              <a:bodyPr/>
+              <a:lstStyle/>
+              <a:p>
+                <a:r>
+                  <a:rPr lang="ko-KR" altLang="en-US">
+                    <a:noFill/>
+                  </a:rPr>
+                  <a:t> </a:t>
+                </a:r>
+              </a:p>
+            </p:txBody>
+          </p:sp>
+        </mc:Fallback>
+      </mc:AlternateContent>
+      <mc:AlternateContent xmlns:mc="http://schemas.openxmlformats.org/markup-compatibility/2006">
+        <mc:Choice xmlns:a14="http://schemas.microsoft.com/office/drawing/2010/main" Requires="a14">
+          <p:sp>
+            <p:nvSpPr>
+              <p:cNvPr id="24" name="TextBox 23">
+                <a:extLst>
+                  <a:ext uri="{FF2B5EF4-FFF2-40B4-BE49-F238E27FC236}">
+                    <a16:creationId xmlns:a16="http://schemas.microsoft.com/office/drawing/2014/main" id="{EA551BBB-E6E8-2856-DEEA-116BBCF2148C}"/>
+                  </a:ext>
+                </a:extLst>
+              </p:cNvPr>
+              <p:cNvSpPr txBox="1"/>
+              <p:nvPr/>
+            </p:nvSpPr>
+            <p:spPr>
+              <a:xfrm>
+                <a:off x="539368" y="3970826"/>
+                <a:ext cx="370131" cy="369332"/>
+              </a:xfrm>
+              <a:prstGeom prst="rect">
+                <a:avLst/>
+              </a:prstGeom>
+              <a:noFill/>
+            </p:spPr>
+            <p:txBody>
+              <a:bodyPr wrap="square">
+                <a:spAutoFit/>
+              </a:bodyPr>
+              <a:lstStyle/>
+              <a:p>
+                <a:pPr/>
+                <a14:m>
+                  <m:oMathPara xmlns:m="http://schemas.openxmlformats.org/officeDocument/2006/math">
+                    <m:oMathParaPr>
+                      <m:jc m:val="centerGroup"/>
+                    </m:oMathParaPr>
+                    <m:oMath xmlns:m="http://schemas.openxmlformats.org/officeDocument/2006/math">
+                      <m:r>
+                        <a:rPr lang="ko-KR" altLang="en-US" i="1" smtClean="0">
+                          <a:latin typeface="Cambria Math" panose="02040503050406030204" pitchFamily="18" charset="0"/>
+                        </a:rPr>
+                        <m:t>𝑡</m:t>
+                      </m:r>
+                    </m:oMath>
+                  </m:oMathPara>
+                </a14:m>
+                <a:endParaRPr lang="ko-KR" altLang="en-US" dirty="0"/>
+              </a:p>
+            </p:txBody>
+          </p:sp>
+        </mc:Choice>
+        <mc:Fallback>
+          <p:sp>
+            <p:nvSpPr>
+              <p:cNvPr id="24" name="TextBox 23">
+                <a:extLst>
+                  <a:ext uri="{FF2B5EF4-FFF2-40B4-BE49-F238E27FC236}">
+                    <a16:creationId xmlns:a16="http://schemas.microsoft.com/office/drawing/2014/main" id="{EA551BBB-E6E8-2856-DEEA-116BBCF2148C}"/>
+                  </a:ext>
+                </a:extLst>
+              </p:cNvPr>
+              <p:cNvSpPr txBox="1">
+                <a:spLocks noRot="1" noChangeAspect="1" noMove="1" noResize="1" noEditPoints="1" noAdjustHandles="1" noChangeArrowheads="1" noChangeShapeType="1" noTextEdit="1"/>
+              </p:cNvSpPr>
+              <p:nvPr/>
+            </p:nvSpPr>
+            <p:spPr>
+              <a:xfrm>
+                <a:off x="539368" y="3970826"/>
+                <a:ext cx="370131" cy="369332"/>
+              </a:xfrm>
+              <a:prstGeom prst="rect">
+                <a:avLst/>
+              </a:prstGeom>
+              <a:blipFill>
+                <a:blip r:embed="rId5"/>
+                <a:stretch>
+                  <a:fillRect/>
+                </a:stretch>
+              </a:blipFill>
+            </p:spPr>
+            <p:txBody>
+              <a:bodyPr/>
+              <a:lstStyle/>
+              <a:p>
+                <a:r>
+                  <a:rPr lang="ko-KR" altLang="en-US">
+                    <a:noFill/>
+                  </a:rPr>
+                  <a:t> </a:t>
+                </a:r>
+              </a:p>
+            </p:txBody>
+          </p:sp>
+        </mc:Fallback>
+      </mc:AlternateContent>
     </p:spTree>
     <p:extLst>
       <p:ext uri="{BB962C8B-B14F-4D97-AF65-F5344CB8AC3E}">
@@ -7912,7 +9921,7 @@
           <p:cNvPr id="2" name="제목 1">
             <a:extLst>
               <a:ext uri="{FF2B5EF4-FFF2-40B4-BE49-F238E27FC236}">
-                <a16:creationId xmlns:a16="http://schemas.microsoft.com/office/drawing/2014/main" id="{C6E16444-6FF6-474D-DEF5-1FB32080FB13}"/>
+                <a16:creationId xmlns:a16="http://schemas.microsoft.com/office/drawing/2014/main" id="{0F8C7705-0883-8DD8-11FB-22FE41A7A5A1}"/>
               </a:ext>
             </a:extLst>
           </p:cNvPr>
@@ -7930,734 +9939,2252 @@
           <a:p>
             <a:r>
               <a:rPr lang="ko-KR" altLang="en-US" dirty="0"/>
-              <a:t>수식 설명</a:t>
+              <a:t>역 전치행렬</a:t>
+            </a:r>
+            <a:r>
+              <a:rPr lang="en-US" altLang="ko-KR" dirty="0"/>
+              <a:t>(Inverse Transpose) </a:t>
+            </a:r>
+            <a:r>
+              <a:rPr lang="ko-KR" altLang="en-US" dirty="0"/>
+              <a:t>증명</a:t>
             </a:r>
           </a:p>
         </p:txBody>
       </p:sp>
-      <p:sp>
-        <p:nvSpPr>
-          <p:cNvPr id="7" name="TextBox 6">
-            <a:extLst>
-              <a:ext uri="{FF2B5EF4-FFF2-40B4-BE49-F238E27FC236}">
-                <a16:creationId xmlns:a16="http://schemas.microsoft.com/office/drawing/2014/main" id="{0531CE5C-786E-715D-87A1-D6F13C3A7A92}"/>
-              </a:ext>
-            </a:extLst>
-          </p:cNvPr>
-          <p:cNvSpPr txBox="1"/>
+      <mc:AlternateContent xmlns:mc="http://schemas.openxmlformats.org/markup-compatibility/2006">
+        <mc:Choice xmlns:a14="http://schemas.microsoft.com/office/drawing/2010/main" Requires="a14">
+          <p:sp>
+            <p:nvSpPr>
+              <p:cNvPr id="4" name="TextBox 3">
+                <a:extLst>
+                  <a:ext uri="{FF2B5EF4-FFF2-40B4-BE49-F238E27FC236}">
+                    <a16:creationId xmlns:a16="http://schemas.microsoft.com/office/drawing/2014/main" id="{72879FA8-EB9B-1036-02F0-7BF57E396CE9}"/>
+                  </a:ext>
+                </a:extLst>
+              </p:cNvPr>
+              <p:cNvSpPr txBox="1"/>
+              <p:nvPr/>
+            </p:nvSpPr>
+            <p:spPr>
+              <a:xfrm>
+                <a:off x="119482" y="2005074"/>
+                <a:ext cx="6096000" cy="923330"/>
+              </a:xfrm>
+              <a:prstGeom prst="rect">
+                <a:avLst/>
+              </a:prstGeom>
+              <a:noFill/>
+            </p:spPr>
+            <p:txBody>
+              <a:bodyPr wrap="square">
+                <a:spAutoFit/>
+              </a:bodyPr>
+              <a:lstStyle/>
+              <a:p>
+                <a:pPr>
+                  <a:buNone/>
+                </a:pPr>
+                <a:r>
+                  <a:rPr lang="en-US" altLang="ko-KR" b="1" dirty="0"/>
+                  <a:t>1. Normal </a:t>
+                </a:r>
+                <a:r>
+                  <a:rPr lang="ko-KR" altLang="en-US" b="1" dirty="0"/>
+                  <a:t>정의 복습</a:t>
+                </a:r>
+              </a:p>
+              <a:p>
+                <a:pPr>
+                  <a:buNone/>
+                </a:pPr>
+                <a:r>
+                  <a:rPr lang="en-US" altLang="ko-KR" dirty="0"/>
+                  <a:t>Normal </a:t>
+                </a:r>
+                <a14:m>
+                  <m:oMath xmlns:m="http://schemas.openxmlformats.org/officeDocument/2006/math">
+                    <m:r>
+                      <a:rPr lang="ko-KR" altLang="en-US" i="1">
+                        <a:latin typeface="Cambria Math" panose="02040503050406030204" pitchFamily="18" charset="0"/>
+                      </a:rPr>
+                      <m:t>𝑛</m:t>
+                    </m:r>
+                  </m:oMath>
+                </a14:m>
+                <a:r>
+                  <a:rPr lang="ko-KR" altLang="en-US" dirty="0"/>
+                  <a:t>은 </a:t>
+                </a:r>
+                <a:r>
+                  <a:rPr lang="en-US" altLang="ko-KR" dirty="0"/>
+                  <a:t>Tangent </a:t>
+                </a:r>
+                <a14:m>
+                  <m:oMath xmlns:m="http://schemas.openxmlformats.org/officeDocument/2006/math">
+                    <m:r>
+                      <a:rPr lang="ko-KR" altLang="en-US" i="1">
+                        <a:latin typeface="Cambria Math" panose="02040503050406030204" pitchFamily="18" charset="0"/>
+                      </a:rPr>
+                      <m:t>𝑡</m:t>
+                    </m:r>
+                  </m:oMath>
+                </a14:m>
+                <a:r>
+                  <a:rPr lang="ko-KR" altLang="en-US" dirty="0"/>
+                  <a:t>와 항상 직각이어야 합니다</a:t>
+                </a:r>
+                <a:r>
+                  <a:rPr lang="en-US" altLang="ko-KR" dirty="0"/>
+                  <a:t>.</a:t>
+                </a:r>
+              </a:p>
+              <a:p>
+                <a:pPr>
+                  <a:buNone/>
+                </a:pPr>
+                <a14:m>
+                  <m:oMathPara xmlns:m="http://schemas.openxmlformats.org/officeDocument/2006/math">
+                    <m:oMathParaPr>
+                      <m:jc m:val="centerGroup"/>
+                    </m:oMathParaPr>
+                    <m:oMath xmlns:m="http://schemas.openxmlformats.org/officeDocument/2006/math">
+                      <m:r>
+                        <a:rPr lang="ko-KR" altLang="en-US" i="1">
+                          <a:latin typeface="Cambria Math" panose="02040503050406030204" pitchFamily="18" charset="0"/>
+                        </a:rPr>
+                        <m:t>𝑛</m:t>
+                      </m:r>
+                      <m:r>
+                        <a:rPr lang="ko-KR" altLang="en-US" i="0">
+                          <a:latin typeface="Cambria Math" panose="02040503050406030204" pitchFamily="18" charset="0"/>
+                        </a:rPr>
+                        <m:t>⋅</m:t>
+                      </m:r>
+                      <m:r>
+                        <a:rPr lang="ko-KR" altLang="en-US" i="1">
+                          <a:latin typeface="Cambria Math" panose="02040503050406030204" pitchFamily="18" charset="0"/>
+                        </a:rPr>
+                        <m:t>𝑡</m:t>
+                      </m:r>
+                      <m:r>
+                        <a:rPr lang="en-US" altLang="ko-KR" i="0">
+                          <a:latin typeface="Cambria Math" panose="02040503050406030204" pitchFamily="18" charset="0"/>
+                        </a:rPr>
+                        <m:t>=</m:t>
+                      </m:r>
+                      <m:r>
+                        <a:rPr lang="en-US" altLang="ko-KR" i="0">
+                          <a:latin typeface="Cambria Math" panose="02040503050406030204" pitchFamily="18" charset="0"/>
+                        </a:rPr>
+                        <m:t>0</m:t>
+                      </m:r>
+                    </m:oMath>
+                  </m:oMathPara>
+                </a14:m>
+                <a:endParaRPr lang="ko-KR" altLang="en-US" dirty="0"/>
+              </a:p>
+            </p:txBody>
+          </p:sp>
+        </mc:Choice>
+        <mc:Fallback>
+          <p:sp>
+            <p:nvSpPr>
+              <p:cNvPr id="4" name="TextBox 3">
+                <a:extLst>
+                  <a:ext uri="{FF2B5EF4-FFF2-40B4-BE49-F238E27FC236}">
+                    <a16:creationId xmlns:a16="http://schemas.microsoft.com/office/drawing/2014/main" id="{72879FA8-EB9B-1036-02F0-7BF57E396CE9}"/>
+                  </a:ext>
+                </a:extLst>
+              </p:cNvPr>
+              <p:cNvSpPr txBox="1">
+                <a:spLocks noRot="1" noChangeAspect="1" noMove="1" noResize="1" noEditPoints="1" noAdjustHandles="1" noChangeArrowheads="1" noChangeShapeType="1" noTextEdit="1"/>
+              </p:cNvSpPr>
+              <p:nvPr/>
+            </p:nvSpPr>
+            <p:spPr>
+              <a:xfrm>
+                <a:off x="119482" y="2005074"/>
+                <a:ext cx="6096000" cy="923330"/>
+              </a:xfrm>
+              <a:prstGeom prst="rect">
+                <a:avLst/>
+              </a:prstGeom>
+              <a:blipFill>
+                <a:blip r:embed="rId2"/>
+                <a:stretch>
+                  <a:fillRect l="-900" t="-3974"/>
+                </a:stretch>
+              </a:blipFill>
+            </p:spPr>
+            <p:txBody>
+              <a:bodyPr/>
+              <a:lstStyle/>
+              <a:p>
+                <a:r>
+                  <a:rPr lang="ko-KR" altLang="en-US">
+                    <a:noFill/>
+                  </a:rPr>
+                  <a:t> </a:t>
+                </a:r>
+              </a:p>
+            </p:txBody>
+          </p:sp>
+        </mc:Fallback>
+      </mc:AlternateContent>
+      <mc:AlternateContent xmlns:mc="http://schemas.openxmlformats.org/markup-compatibility/2006">
+        <mc:Choice xmlns:a14="http://schemas.microsoft.com/office/drawing/2010/main" Requires="a14">
+          <p:sp>
+            <p:nvSpPr>
+              <p:cNvPr id="6" name="TextBox 5">
+                <a:extLst>
+                  <a:ext uri="{FF2B5EF4-FFF2-40B4-BE49-F238E27FC236}">
+                    <a16:creationId xmlns:a16="http://schemas.microsoft.com/office/drawing/2014/main" id="{CF02DEB8-A06E-58B6-BCC9-0BE3F572AD93}"/>
+                  </a:ext>
+                </a:extLst>
+              </p:cNvPr>
+              <p:cNvSpPr txBox="1"/>
+              <p:nvPr/>
+            </p:nvSpPr>
+            <p:spPr>
+              <a:xfrm>
+                <a:off x="107289" y="3242790"/>
+                <a:ext cx="6871411" cy="3047886"/>
+              </a:xfrm>
+              <a:prstGeom prst="rect">
+                <a:avLst/>
+              </a:prstGeom>
+              <a:noFill/>
+            </p:spPr>
+            <p:txBody>
+              <a:bodyPr wrap="square">
+                <a:spAutoFit/>
+              </a:bodyPr>
+              <a:lstStyle/>
+              <a:p>
+                <a:pPr>
+                  <a:buNone/>
+                </a:pPr>
+                <a:r>
+                  <a:rPr lang="en-US" altLang="ko-KR" b="1" dirty="0"/>
+                  <a:t>2. </a:t>
+                </a:r>
+                <a:r>
+                  <a:rPr lang="ko-KR" altLang="en-US" b="1" dirty="0"/>
+                  <a:t>역행렬만 쓴 경우</a:t>
+                </a:r>
+              </a:p>
+              <a:p>
+                <a:pPr>
+                  <a:buNone/>
+                </a:pPr>
+                <a:r>
+                  <a:rPr lang="en-US" altLang="ko-KR" dirty="0"/>
+                  <a:t>Normal</a:t>
+                </a:r>
+                <a:r>
+                  <a:rPr lang="ko-KR" altLang="en-US" dirty="0"/>
+                  <a:t>을 이렇게 바꾼다고 가정해 봅시다</a:t>
+                </a:r>
+                <a:r>
+                  <a:rPr lang="en-US" altLang="ko-KR" dirty="0"/>
+                  <a:t>:</a:t>
+                </a:r>
+              </a:p>
+              <a:p>
+                <a:pPr>
+                  <a:buNone/>
+                </a:pPr>
+                <a14:m>
+                  <m:oMathPara xmlns:m="http://schemas.openxmlformats.org/officeDocument/2006/math">
+                    <m:oMathParaPr>
+                      <m:jc m:val="centerGroup"/>
+                    </m:oMathParaPr>
+                    <m:oMath xmlns:m="http://schemas.openxmlformats.org/officeDocument/2006/math">
+                      <m:sSup>
+                        <m:sSupPr>
+                          <m:ctrlPr>
+                            <a:rPr lang="ko-KR" altLang="en-US" i="1">
+                              <a:latin typeface="Cambria Math" panose="02040503050406030204" pitchFamily="18" charset="0"/>
+                            </a:rPr>
+                          </m:ctrlPr>
+                        </m:sSupPr>
+                        <m:e>
+                          <m:r>
+                            <a:rPr lang="ko-KR" altLang="en-US" i="1">
+                              <a:latin typeface="Cambria Math" panose="02040503050406030204" pitchFamily="18" charset="0"/>
+                            </a:rPr>
+                            <m:t>𝑛</m:t>
+                          </m:r>
+                        </m:e>
+                        <m:sup>
+                          <m:r>
+                            <a:rPr lang="en-US" altLang="ko-KR" i="0">
+                              <a:latin typeface="Cambria Math" panose="02040503050406030204" pitchFamily="18" charset="0"/>
+                            </a:rPr>
+                            <m:t>′</m:t>
+                          </m:r>
+                        </m:sup>
+                      </m:sSup>
+                      <m:r>
+                        <a:rPr lang="en-US" altLang="ko-KR" i="0">
+                          <a:latin typeface="Cambria Math" panose="02040503050406030204" pitchFamily="18" charset="0"/>
+                        </a:rPr>
+                        <m:t>=</m:t>
+                      </m:r>
+                      <m:sSup>
+                        <m:sSupPr>
+                          <m:ctrlPr>
+                            <a:rPr lang="ko-KR" altLang="en-US" i="1">
+                              <a:latin typeface="Cambria Math" panose="02040503050406030204" pitchFamily="18" charset="0"/>
+                            </a:rPr>
+                          </m:ctrlPr>
+                        </m:sSupPr>
+                        <m:e>
+                          <m:r>
+                            <a:rPr lang="ko-KR" altLang="en-US" i="1">
+                              <a:latin typeface="Cambria Math" panose="02040503050406030204" pitchFamily="18" charset="0"/>
+                            </a:rPr>
+                            <m:t>𝑀</m:t>
+                          </m:r>
+                        </m:e>
+                        <m:sup>
+                          <m:r>
+                            <a:rPr lang="ko-KR" altLang="en-US" i="0">
+                              <a:latin typeface="Cambria Math" panose="02040503050406030204" pitchFamily="18" charset="0"/>
+                            </a:rPr>
+                            <m:t>−</m:t>
+                          </m:r>
+                          <m:r>
+                            <a:rPr lang="en-US" altLang="ko-KR" i="0">
+                              <a:latin typeface="Cambria Math" panose="02040503050406030204" pitchFamily="18" charset="0"/>
+                            </a:rPr>
+                            <m:t>1</m:t>
+                          </m:r>
+                        </m:sup>
+                      </m:sSup>
+                      <m:r>
+                        <a:rPr lang="ko-KR" altLang="en-US" i="0">
+                          <a:latin typeface="Cambria Math" panose="02040503050406030204" pitchFamily="18" charset="0"/>
+                        </a:rPr>
+                        <m:t>⋅</m:t>
+                      </m:r>
+                      <m:r>
+                        <a:rPr lang="ko-KR" altLang="en-US" i="1">
+                          <a:latin typeface="Cambria Math" panose="02040503050406030204" pitchFamily="18" charset="0"/>
+                        </a:rPr>
+                        <m:t>𝑛</m:t>
+                      </m:r>
+                    </m:oMath>
+                  </m:oMathPara>
+                </a14:m>
+                <a:endParaRPr lang="ko-KR" altLang="en-US" dirty="0"/>
+              </a:p>
+              <a:p>
+                <a:pPr>
+                  <a:buNone/>
+                </a:pPr>
+                <a:r>
+                  <a:rPr lang="en-US" altLang="ko-KR" dirty="0"/>
+                  <a:t>Tangent</a:t>
+                </a:r>
+                <a:r>
+                  <a:rPr lang="ko-KR" altLang="en-US" dirty="0"/>
+                  <a:t>는</a:t>
+                </a:r>
+              </a:p>
+              <a:p>
+                <a:pPr>
+                  <a:buNone/>
+                </a:pPr>
+                <a14:m>
+                  <m:oMathPara xmlns:m="http://schemas.openxmlformats.org/officeDocument/2006/math">
+                    <m:oMathParaPr>
+                      <m:jc m:val="centerGroup"/>
+                    </m:oMathParaPr>
+                    <m:oMath xmlns:m="http://schemas.openxmlformats.org/officeDocument/2006/math">
+                      <m:sSup>
+                        <m:sSupPr>
+                          <m:ctrlPr>
+                            <a:rPr lang="ko-KR" altLang="en-US" i="1">
+                              <a:latin typeface="Cambria Math" panose="02040503050406030204" pitchFamily="18" charset="0"/>
+                            </a:rPr>
+                          </m:ctrlPr>
+                        </m:sSupPr>
+                        <m:e>
+                          <m:r>
+                            <a:rPr lang="ko-KR" altLang="en-US" i="1">
+                              <a:latin typeface="Cambria Math" panose="02040503050406030204" pitchFamily="18" charset="0"/>
+                            </a:rPr>
+                            <m:t>𝑡</m:t>
+                          </m:r>
+                        </m:e>
+                        <m:sup>
+                          <m:r>
+                            <a:rPr lang="en-US" altLang="ko-KR" i="0">
+                              <a:latin typeface="Cambria Math" panose="02040503050406030204" pitchFamily="18" charset="0"/>
+                            </a:rPr>
+                            <m:t>′</m:t>
+                          </m:r>
+                        </m:sup>
+                      </m:sSup>
+                      <m:r>
+                        <a:rPr lang="en-US" altLang="ko-KR" i="0">
+                          <a:latin typeface="Cambria Math" panose="02040503050406030204" pitchFamily="18" charset="0"/>
+                        </a:rPr>
+                        <m:t>=</m:t>
+                      </m:r>
+                      <m:r>
+                        <a:rPr lang="ko-KR" altLang="en-US" i="1">
+                          <a:latin typeface="Cambria Math" panose="02040503050406030204" pitchFamily="18" charset="0"/>
+                        </a:rPr>
+                        <m:t>𝑀</m:t>
+                      </m:r>
+                      <m:r>
+                        <a:rPr lang="ko-KR" altLang="en-US" i="0">
+                          <a:latin typeface="Cambria Math" panose="02040503050406030204" pitchFamily="18" charset="0"/>
+                        </a:rPr>
+                        <m:t>⋅</m:t>
+                      </m:r>
+                      <m:r>
+                        <a:rPr lang="ko-KR" altLang="en-US" i="1">
+                          <a:latin typeface="Cambria Math" panose="02040503050406030204" pitchFamily="18" charset="0"/>
+                        </a:rPr>
+                        <m:t>𝑡</m:t>
+                      </m:r>
+                    </m:oMath>
+                  </m:oMathPara>
+                </a14:m>
+                <a:endParaRPr lang="ko-KR" altLang="en-US" dirty="0"/>
+              </a:p>
+              <a:p>
+                <a:pPr>
+                  <a:buNone/>
+                </a:pPr>
+                <a:r>
+                  <a:rPr lang="ko-KR" altLang="en-US" dirty="0"/>
+                  <a:t>그럼 내적은</a:t>
+                </a:r>
+                <a:r>
+                  <a:rPr lang="en-US" altLang="ko-KR" dirty="0"/>
+                  <a:t>? </a:t>
+                </a:r>
+              </a:p>
+              <a:p>
+                <a:pPr>
+                  <a:buNone/>
+                </a:pPr>
+                <a14:m>
+                  <m:oMathPara xmlns:m="http://schemas.openxmlformats.org/officeDocument/2006/math">
+                    <m:oMathParaPr>
+                      <m:jc m:val="centerGroup"/>
+                    </m:oMathParaPr>
+                    <m:oMath xmlns:m="http://schemas.openxmlformats.org/officeDocument/2006/math">
+                      <m:sSup>
+                        <m:sSupPr>
+                          <m:ctrlPr>
+                            <a:rPr lang="ko-KR" altLang="en-US" i="1">
+                              <a:latin typeface="Cambria Math" panose="02040503050406030204" pitchFamily="18" charset="0"/>
+                            </a:rPr>
+                          </m:ctrlPr>
+                        </m:sSupPr>
+                        <m:e>
+                          <m:r>
+                            <a:rPr lang="ko-KR" altLang="en-US" i="1">
+                              <a:latin typeface="Cambria Math" panose="02040503050406030204" pitchFamily="18" charset="0"/>
+                            </a:rPr>
+                            <m:t>𝑛</m:t>
+                          </m:r>
+                        </m:e>
+                        <m:sup>
+                          <m:r>
+                            <a:rPr lang="en-US" altLang="ko-KR" i="0">
+                              <a:latin typeface="Cambria Math" panose="02040503050406030204" pitchFamily="18" charset="0"/>
+                            </a:rPr>
+                            <m:t>′</m:t>
+                          </m:r>
+                          <m:r>
+                            <a:rPr lang="ko-KR" altLang="en-US" i="1">
+                              <a:latin typeface="Cambria Math" panose="02040503050406030204" pitchFamily="18" charset="0"/>
+                            </a:rPr>
+                            <m:t>𝑇</m:t>
+                          </m:r>
+                        </m:sup>
+                      </m:sSup>
+                      <m:r>
+                        <a:rPr lang="ko-KR" altLang="en-US" i="0">
+                          <a:latin typeface="Cambria Math" panose="02040503050406030204" pitchFamily="18" charset="0"/>
+                        </a:rPr>
+                        <m:t>⋅</m:t>
+                      </m:r>
+                      <m:sSup>
+                        <m:sSupPr>
+                          <m:ctrlPr>
+                            <a:rPr lang="ko-KR" altLang="en-US" i="1">
+                              <a:latin typeface="Cambria Math" panose="02040503050406030204" pitchFamily="18" charset="0"/>
+                            </a:rPr>
+                          </m:ctrlPr>
+                        </m:sSupPr>
+                        <m:e>
+                          <m:r>
+                            <a:rPr lang="ko-KR" altLang="en-US" i="1">
+                              <a:latin typeface="Cambria Math" panose="02040503050406030204" pitchFamily="18" charset="0"/>
+                            </a:rPr>
+                            <m:t>𝑡</m:t>
+                          </m:r>
+                        </m:e>
+                        <m:sup>
+                          <m:r>
+                            <a:rPr lang="en-US" altLang="ko-KR" i="0">
+                              <a:latin typeface="Cambria Math" panose="02040503050406030204" pitchFamily="18" charset="0"/>
+                            </a:rPr>
+                            <m:t>′</m:t>
+                          </m:r>
+                        </m:sup>
+                      </m:sSup>
+                      <m:r>
+                        <a:rPr lang="en-US" altLang="ko-KR" i="0">
+                          <a:latin typeface="Cambria Math" panose="02040503050406030204" pitchFamily="18" charset="0"/>
+                        </a:rPr>
+                        <m:t>=</m:t>
+                      </m:r>
+                      <m:d>
+                        <m:dPr>
+                          <m:endChr m:val=""/>
+                          <m:ctrlPr>
+                            <a:rPr lang="ko-KR" altLang="en-US" i="1">
+                              <a:latin typeface="Cambria Math" panose="02040503050406030204" pitchFamily="18" charset="0"/>
+                            </a:rPr>
+                          </m:ctrlPr>
+                        </m:dPr>
+                        <m:e>
+                          <m:sSup>
+                            <m:sSupPr>
+                              <m:ctrlPr>
+                                <a:rPr lang="ko-KR" altLang="en-US" i="1">
+                                  <a:latin typeface="Cambria Math" panose="02040503050406030204" pitchFamily="18" charset="0"/>
+                                </a:rPr>
+                              </m:ctrlPr>
+                            </m:sSupPr>
+                            <m:e>
+                              <m:r>
+                                <a:rPr lang="ko-KR" altLang="en-US" i="1">
+                                  <a:latin typeface="Cambria Math" panose="02040503050406030204" pitchFamily="18" charset="0"/>
+                                </a:rPr>
+                                <m:t>𝑀</m:t>
+                              </m:r>
+                            </m:e>
+                            <m:sup>
+                              <m:r>
+                                <a:rPr lang="ko-KR" altLang="en-US" i="0">
+                                  <a:latin typeface="Cambria Math" panose="02040503050406030204" pitchFamily="18" charset="0"/>
+                                </a:rPr>
+                                <m:t>−</m:t>
+                              </m:r>
+                              <m:r>
+                                <a:rPr lang="en-US" altLang="ko-KR" i="0">
+                                  <a:latin typeface="Cambria Math" panose="02040503050406030204" pitchFamily="18" charset="0"/>
+                                </a:rPr>
+                                <m:t>1</m:t>
+                              </m:r>
+                            </m:sup>
+                          </m:sSup>
+                          <m:r>
+                            <a:rPr lang="ko-KR" altLang="en-US" i="1">
+                              <a:latin typeface="Cambria Math" panose="02040503050406030204" pitchFamily="18" charset="0"/>
+                            </a:rPr>
+                            <m:t>𝑛</m:t>
+                          </m:r>
+                          <m:sSup>
+                            <m:sSupPr>
+                              <m:ctrlPr>
+                                <a:rPr lang="ko-KR" altLang="en-US" i="1">
+                                  <a:latin typeface="Cambria Math" panose="02040503050406030204" pitchFamily="18" charset="0"/>
+                                </a:rPr>
+                              </m:ctrlPr>
+                            </m:sSupPr>
+                            <m:e>
+                              <m:d>
+                                <m:dPr>
+                                  <m:begChr m:val=""/>
+                                  <m:endChr m:val=""/>
+                                  <m:ctrlPr>
+                                    <a:rPr lang="ko-KR" altLang="en-US" i="1">
+                                      <a:latin typeface="Cambria Math" panose="02040503050406030204" pitchFamily="18" charset="0"/>
+                                    </a:rPr>
+                                  </m:ctrlPr>
+                                </m:dPr>
+                                <m:e>
+                                  <m:r>
+                                    <a:rPr lang="en-US" altLang="ko-KR" i="0">
+                                      <a:latin typeface="Cambria Math" panose="02040503050406030204" pitchFamily="18" charset="0"/>
+                                    </a:rPr>
+                                    <m:t>)</m:t>
+                                  </m:r>
+                                </m:e>
+                              </m:d>
+                            </m:e>
+                            <m:sup>
+                              <m:r>
+                                <a:rPr lang="ko-KR" altLang="en-US" i="1">
+                                  <a:latin typeface="Cambria Math" panose="02040503050406030204" pitchFamily="18" charset="0"/>
+                                </a:rPr>
+                                <m:t>𝑇</m:t>
+                              </m:r>
+                            </m:sup>
+                          </m:sSup>
+                          <m:d>
+                            <m:dPr>
+                              <m:ctrlPr>
+                                <a:rPr lang="ko-KR" altLang="en-US" i="1">
+                                  <a:latin typeface="Cambria Math" panose="02040503050406030204" pitchFamily="18" charset="0"/>
+                                </a:rPr>
+                              </m:ctrlPr>
+                            </m:dPr>
+                            <m:e>
+                              <m:r>
+                                <a:rPr lang="ko-KR" altLang="en-US" i="1">
+                                  <a:latin typeface="Cambria Math" panose="02040503050406030204" pitchFamily="18" charset="0"/>
+                                </a:rPr>
+                                <m:t>𝑀𝑡</m:t>
+                              </m:r>
+                            </m:e>
+                          </m:d>
+                          <m:r>
+                            <a:rPr lang="en-US" altLang="ko-KR" i="0">
+                              <a:latin typeface="Cambria Math" panose="02040503050406030204" pitchFamily="18" charset="0"/>
+                            </a:rPr>
+                            <m:t>=</m:t>
+                          </m:r>
+                          <m:sSup>
+                            <m:sSupPr>
+                              <m:ctrlPr>
+                                <a:rPr lang="ko-KR" altLang="en-US" i="1">
+                                  <a:latin typeface="Cambria Math" panose="02040503050406030204" pitchFamily="18" charset="0"/>
+                                </a:rPr>
+                              </m:ctrlPr>
+                            </m:sSupPr>
+                            <m:e>
+                              <m:r>
+                                <a:rPr lang="ko-KR" altLang="en-US" i="1">
+                                  <a:latin typeface="Cambria Math" panose="02040503050406030204" pitchFamily="18" charset="0"/>
+                                </a:rPr>
+                                <m:t>𝑛</m:t>
+                              </m:r>
+                            </m:e>
+                            <m:sup>
+                              <m:r>
+                                <a:rPr lang="ko-KR" altLang="en-US" i="1">
+                                  <a:latin typeface="Cambria Math" panose="02040503050406030204" pitchFamily="18" charset="0"/>
+                                </a:rPr>
+                                <m:t>𝑇</m:t>
+                              </m:r>
+                            </m:sup>
+                          </m:sSup>
+                          <m:d>
+                            <m:dPr>
+                              <m:endChr m:val=""/>
+                              <m:ctrlPr>
+                                <a:rPr lang="ko-KR" altLang="en-US" i="1">
+                                  <a:latin typeface="Cambria Math" panose="02040503050406030204" pitchFamily="18" charset="0"/>
+                                </a:rPr>
+                              </m:ctrlPr>
+                            </m:dPr>
+                            <m:e>
+                              <m:sSup>
+                                <m:sSupPr>
+                                  <m:ctrlPr>
+                                    <a:rPr lang="ko-KR" altLang="en-US" i="1">
+                                      <a:latin typeface="Cambria Math" panose="02040503050406030204" pitchFamily="18" charset="0"/>
+                                    </a:rPr>
+                                  </m:ctrlPr>
+                                </m:sSupPr>
+                                <m:e>
+                                  <m:r>
+                                    <a:rPr lang="ko-KR" altLang="en-US" i="1">
+                                      <a:latin typeface="Cambria Math" panose="02040503050406030204" pitchFamily="18" charset="0"/>
+                                    </a:rPr>
+                                    <m:t>𝑀</m:t>
+                                  </m:r>
+                                </m:e>
+                                <m:sup>
+                                  <m:r>
+                                    <a:rPr lang="ko-KR" altLang="en-US" i="0">
+                                      <a:latin typeface="Cambria Math" panose="02040503050406030204" pitchFamily="18" charset="0"/>
+                                    </a:rPr>
+                                    <m:t>−</m:t>
+                                  </m:r>
+                                  <m:r>
+                                    <a:rPr lang="en-US" altLang="ko-KR" i="0">
+                                      <a:latin typeface="Cambria Math" panose="02040503050406030204" pitchFamily="18" charset="0"/>
+                                    </a:rPr>
+                                    <m:t>1</m:t>
+                                  </m:r>
+                                </m:sup>
+                              </m:sSup>
+                              <m:sSup>
+                                <m:sSupPr>
+                                  <m:ctrlPr>
+                                    <a:rPr lang="ko-KR" altLang="en-US" i="1">
+                                      <a:latin typeface="Cambria Math" panose="02040503050406030204" pitchFamily="18" charset="0"/>
+                                    </a:rPr>
+                                  </m:ctrlPr>
+                                </m:sSupPr>
+                                <m:e>
+                                  <m:d>
+                                    <m:dPr>
+                                      <m:begChr m:val=""/>
+                                      <m:endChr m:val=""/>
+                                      <m:ctrlPr>
+                                        <a:rPr lang="ko-KR" altLang="en-US" i="1">
+                                          <a:latin typeface="Cambria Math" panose="02040503050406030204" pitchFamily="18" charset="0"/>
+                                        </a:rPr>
+                                      </m:ctrlPr>
+                                    </m:dPr>
+                                    <m:e>
+                                      <m:r>
+                                        <a:rPr lang="en-US" altLang="ko-KR" i="0">
+                                          <a:latin typeface="Cambria Math" panose="02040503050406030204" pitchFamily="18" charset="0"/>
+                                        </a:rPr>
+                                        <m:t>)</m:t>
+                                      </m:r>
+                                    </m:e>
+                                  </m:d>
+                                </m:e>
+                                <m:sup>
+                                  <m:r>
+                                    <a:rPr lang="ko-KR" altLang="en-US" i="1">
+                                      <a:latin typeface="Cambria Math" panose="02040503050406030204" pitchFamily="18" charset="0"/>
+                                    </a:rPr>
+                                    <m:t>𝑇</m:t>
+                                  </m:r>
+                                </m:sup>
+                              </m:sSup>
+                              <m:r>
+                                <a:rPr lang="ko-KR" altLang="en-US" i="1">
+                                  <a:latin typeface="Cambria Math" panose="02040503050406030204" pitchFamily="18" charset="0"/>
+                                </a:rPr>
+                                <m:t>𝑀𝑡</m:t>
+                              </m:r>
+                            </m:e>
+                          </m:d>
+                        </m:e>
+                      </m:d>
+                    </m:oMath>
+                  </m:oMathPara>
+                </a14:m>
+                <a:endParaRPr lang="ko-KR" altLang="en-US" dirty="0"/>
+              </a:p>
+              <a:p>
+                <a:pPr>
+                  <a:buNone/>
+                </a:pPr>
+                <a:r>
+                  <a:rPr lang="ko-KR" altLang="en-US" dirty="0"/>
+                  <a:t>여기서 </a:t>
+                </a:r>
+                <a14:m>
+                  <m:oMath xmlns:m="http://schemas.openxmlformats.org/officeDocument/2006/math">
+                    <m:r>
+                      <a:rPr lang="ko-KR" altLang="en-US" i="1">
+                        <a:latin typeface="Cambria Math" panose="02040503050406030204" pitchFamily="18" charset="0"/>
+                      </a:rPr>
+                      <m:t>𝑀</m:t>
+                    </m:r>
+                    <m:r>
+                      <a:rPr lang="ko-KR" altLang="en-US" i="1" smtClean="0">
+                        <a:latin typeface="Cambria Math" panose="02040503050406030204" pitchFamily="18" charset="0"/>
+                      </a:rPr>
+                      <m:t>이</m:t>
+                    </m:r>
+                    <m:r>
+                      <a:rPr lang="en-US" altLang="ko-KR" b="0" i="1" smtClean="0">
+                        <a:latin typeface="Cambria Math" panose="02040503050406030204" pitchFamily="18" charset="0"/>
+                      </a:rPr>
+                      <m:t> </m:t>
+                    </m:r>
+                    <m:r>
+                      <a:rPr lang="ko-KR" altLang="en-US" i="1" smtClean="0">
+                        <a:latin typeface="Cambria Math" panose="02040503050406030204" pitchFamily="18" charset="0"/>
+                      </a:rPr>
+                      <m:t>회</m:t>
+                    </m:r>
+                  </m:oMath>
+                </a14:m>
+                <a:r>
+                  <a:rPr lang="ko-KR" altLang="en-US" dirty="0"/>
+                  <a:t>전</a:t>
+                </a:r>
+                <a:r>
+                  <a:rPr lang="en-US" altLang="ko-KR" dirty="0"/>
+                  <a:t>&amp;</a:t>
+                </a:r>
+                <a:r>
+                  <a:rPr lang="ko-KR" altLang="en-US" dirty="0"/>
+                  <a:t>스케일 </a:t>
+                </a:r>
+                <a:r>
+                  <a:rPr lang="en-US" altLang="ko-KR" dirty="0"/>
+                  <a:t>1</a:t>
+                </a:r>
+                <a:r>
+                  <a:rPr lang="ko-KR" altLang="en-US" dirty="0"/>
+                  <a:t>아니면    </a:t>
+                </a:r>
+                <a14:m>
+                  <m:oMath xmlns:m="http://schemas.openxmlformats.org/officeDocument/2006/math">
+                    <m:d>
+                      <m:dPr>
+                        <m:endChr m:val=""/>
+                        <m:ctrlPr>
+                          <a:rPr lang="ko-KR" altLang="en-US" i="1">
+                            <a:latin typeface="Cambria Math" panose="02040503050406030204" pitchFamily="18" charset="0"/>
+                          </a:rPr>
+                        </m:ctrlPr>
+                      </m:dPr>
+                      <m:e>
+                        <m:sSup>
+                          <m:sSupPr>
+                            <m:ctrlPr>
+                              <a:rPr lang="ko-KR" altLang="en-US" i="1">
+                                <a:latin typeface="Cambria Math" panose="02040503050406030204" pitchFamily="18" charset="0"/>
+                              </a:rPr>
+                            </m:ctrlPr>
+                          </m:sSupPr>
+                          <m:e>
+                            <m:r>
+                              <a:rPr lang="ko-KR" altLang="en-US" i="1">
+                                <a:latin typeface="Cambria Math" panose="02040503050406030204" pitchFamily="18" charset="0"/>
+                              </a:rPr>
+                              <m:t>𝑀</m:t>
+                            </m:r>
+                          </m:e>
+                          <m:sup>
+                            <m:r>
+                              <a:rPr lang="ko-KR" altLang="en-US" i="0">
+                                <a:latin typeface="Cambria Math" panose="02040503050406030204" pitchFamily="18" charset="0"/>
+                              </a:rPr>
+                              <m:t>−</m:t>
+                            </m:r>
+                            <m:r>
+                              <a:rPr lang="en-US" altLang="ko-KR" i="0">
+                                <a:latin typeface="Cambria Math" panose="02040503050406030204" pitchFamily="18" charset="0"/>
+                              </a:rPr>
+                              <m:t>1</m:t>
+                            </m:r>
+                          </m:sup>
+                        </m:sSup>
+                        <m:sSup>
+                          <m:sSupPr>
+                            <m:ctrlPr>
+                              <a:rPr lang="ko-KR" altLang="en-US" i="1">
+                                <a:latin typeface="Cambria Math" panose="02040503050406030204" pitchFamily="18" charset="0"/>
+                              </a:rPr>
+                            </m:ctrlPr>
+                          </m:sSupPr>
+                          <m:e>
+                            <m:d>
+                              <m:dPr>
+                                <m:begChr m:val=""/>
+                                <m:endChr m:val=""/>
+                                <m:ctrlPr>
+                                  <a:rPr lang="ko-KR" altLang="en-US" i="1">
+                                    <a:latin typeface="Cambria Math" panose="02040503050406030204" pitchFamily="18" charset="0"/>
+                                  </a:rPr>
+                                </m:ctrlPr>
+                              </m:dPr>
+                              <m:e>
+                                <m:r>
+                                  <a:rPr lang="en-US" altLang="ko-KR" i="0">
+                                    <a:latin typeface="Cambria Math" panose="02040503050406030204" pitchFamily="18" charset="0"/>
+                                  </a:rPr>
+                                  <m:t>)</m:t>
+                                </m:r>
+                              </m:e>
+                            </m:d>
+                          </m:e>
+                          <m:sup>
+                            <m:r>
+                              <a:rPr lang="ko-KR" altLang="en-US" i="1">
+                                <a:latin typeface="Cambria Math" panose="02040503050406030204" pitchFamily="18" charset="0"/>
+                              </a:rPr>
+                              <m:t>𝑇</m:t>
+                            </m:r>
+                          </m:sup>
+                        </m:sSup>
+                        <m:r>
+                          <a:rPr lang="ko-KR" altLang="en-US" i="1">
+                            <a:latin typeface="Cambria Math" panose="02040503050406030204" pitchFamily="18" charset="0"/>
+                          </a:rPr>
+                          <m:t>𝑀</m:t>
+                        </m:r>
+                        <m:r>
+                          <a:rPr lang="ko-KR" altLang="en-US" i="0">
+                            <a:latin typeface="Cambria Math" panose="02040503050406030204" pitchFamily="18" charset="0"/>
+                          </a:rPr>
+                          <m:t>≠</m:t>
+                        </m:r>
+                        <m:r>
+                          <a:rPr lang="ko-KR" altLang="en-US" i="1">
+                            <a:latin typeface="Cambria Math" panose="02040503050406030204" pitchFamily="18" charset="0"/>
+                          </a:rPr>
+                          <m:t>𝐼</m:t>
+                        </m:r>
+                      </m:e>
+                    </m:d>
+                  </m:oMath>
+                </a14:m>
+                <a:r>
+                  <a:rPr lang="ko-KR" altLang="en-US" dirty="0"/>
+                  <a:t>이기 때문에</a:t>
+                </a:r>
+                <a:br>
+                  <a:rPr lang="ko-KR" altLang="en-US" dirty="0"/>
+                </a:br>
+                <a:r>
+                  <a:rPr lang="ko-KR" altLang="en-US" dirty="0"/>
+                  <a:t>👉 내적이 </a:t>
+                </a:r>
+                <a:r>
+                  <a:rPr lang="en-US" altLang="ko-KR" dirty="0"/>
+                  <a:t>0</a:t>
+                </a:r>
+                <a:r>
+                  <a:rPr lang="ko-KR" altLang="en-US" dirty="0"/>
+                  <a:t>이 되지 않습니다</a:t>
+                </a:r>
+                <a:r>
+                  <a:rPr lang="en-US" altLang="ko-KR" dirty="0"/>
+                  <a:t>. ( </a:t>
+                </a:r>
+                <a:r>
+                  <a:rPr lang="ko-KR" altLang="en-US" dirty="0"/>
+                  <a:t>양쪽 </a:t>
+                </a:r>
+                <a:r>
+                  <a:rPr lang="en-US" altLang="ko-KR" dirty="0"/>
+                  <a:t>0 </a:t>
+                </a:r>
+                <a:r>
+                  <a:rPr lang="ko-KR" altLang="en-US" dirty="0"/>
+                  <a:t>이어야 함 </a:t>
+                </a:r>
+                <a:r>
+                  <a:rPr lang="en-US" altLang="ko-KR" dirty="0"/>
+                  <a:t>)</a:t>
+                </a:r>
+                <a:br>
+                  <a:rPr lang="en-US" altLang="ko-KR" dirty="0"/>
+                </a:br>
+                <a:r>
+                  <a:rPr lang="ko-KR" altLang="en-US" dirty="0"/>
+                  <a:t>즉</a:t>
+                </a:r>
+                <a:r>
+                  <a:rPr lang="en-US" altLang="ko-KR" dirty="0"/>
+                  <a:t>, Tangent</a:t>
+                </a:r>
+                <a:r>
+                  <a:rPr lang="ko-KR" altLang="en-US" dirty="0"/>
+                  <a:t>와 직각 관계가 깨집니다 ❌</a:t>
+                </a:r>
+              </a:p>
+            </p:txBody>
+          </p:sp>
+        </mc:Choice>
+        <mc:Fallback>
+          <p:sp>
+            <p:nvSpPr>
+              <p:cNvPr id="6" name="TextBox 5">
+                <a:extLst>
+                  <a:ext uri="{FF2B5EF4-FFF2-40B4-BE49-F238E27FC236}">
+                    <a16:creationId xmlns:a16="http://schemas.microsoft.com/office/drawing/2014/main" id="{CF02DEB8-A06E-58B6-BCC9-0BE3F572AD93}"/>
+                  </a:ext>
+                </a:extLst>
+              </p:cNvPr>
+              <p:cNvSpPr txBox="1">
+                <a:spLocks noRot="1" noChangeAspect="1" noMove="1" noResize="1" noEditPoints="1" noAdjustHandles="1" noChangeArrowheads="1" noChangeShapeType="1" noTextEdit="1"/>
+              </p:cNvSpPr>
+              <p:nvPr/>
+            </p:nvSpPr>
+            <p:spPr>
+              <a:xfrm>
+                <a:off x="107289" y="3242790"/>
+                <a:ext cx="6871411" cy="3047886"/>
+              </a:xfrm>
+              <a:prstGeom prst="rect">
+                <a:avLst/>
+              </a:prstGeom>
+              <a:blipFill>
+                <a:blip r:embed="rId3"/>
+                <a:stretch>
+                  <a:fillRect l="-799" t="-1200" b="-14000"/>
+                </a:stretch>
+              </a:blipFill>
+            </p:spPr>
+            <p:txBody>
+              <a:bodyPr/>
+              <a:lstStyle/>
+              <a:p>
+                <a:r>
+                  <a:rPr lang="ko-KR" altLang="en-US">
+                    <a:noFill/>
+                  </a:rPr>
+                  <a:t> </a:t>
+                </a:r>
+              </a:p>
+            </p:txBody>
+          </p:sp>
+        </mc:Fallback>
+      </mc:AlternateContent>
+      <mc:AlternateContent xmlns:mc="http://schemas.openxmlformats.org/markup-compatibility/2006">
+        <mc:Choice xmlns:a14="http://schemas.microsoft.com/office/drawing/2010/main" Requires="a14">
+          <p:sp>
+            <p:nvSpPr>
+              <p:cNvPr id="8" name="TextBox 7">
+                <a:extLst>
+                  <a:ext uri="{FF2B5EF4-FFF2-40B4-BE49-F238E27FC236}">
+                    <a16:creationId xmlns:a16="http://schemas.microsoft.com/office/drawing/2014/main" id="{F2DAC2AB-B445-2207-EB38-D51A52FD02EA}"/>
+                  </a:ext>
+                </a:extLst>
+              </p:cNvPr>
+              <p:cNvSpPr txBox="1"/>
+              <p:nvPr/>
+            </p:nvSpPr>
+            <p:spPr>
+              <a:xfrm>
+                <a:off x="6625133" y="3242790"/>
+                <a:ext cx="5225491" cy="1939890"/>
+              </a:xfrm>
+              <a:prstGeom prst="rect">
+                <a:avLst/>
+              </a:prstGeom>
+              <a:noFill/>
+            </p:spPr>
+            <p:txBody>
+              <a:bodyPr wrap="square">
+                <a:spAutoFit/>
+              </a:bodyPr>
+              <a:lstStyle/>
+              <a:p>
+                <a:pPr>
+                  <a:buNone/>
+                </a:pPr>
+                <a:r>
+                  <a:rPr lang="en-US" altLang="ko-KR" b="1" dirty="0"/>
+                  <a:t>3. </a:t>
+                </a:r>
+                <a:r>
+                  <a:rPr lang="ko-KR" altLang="en-US" b="1" dirty="0"/>
+                  <a:t>전치까지 한 경우</a:t>
+                </a:r>
+              </a:p>
+              <a:p>
+                <a:pPr>
+                  <a:buNone/>
+                </a:pPr>
+                <a:r>
+                  <a:rPr lang="en-US" altLang="ko-KR" dirty="0"/>
+                  <a:t>Normal</a:t>
+                </a:r>
+                <a:r>
+                  <a:rPr lang="ko-KR" altLang="en-US" dirty="0"/>
+                  <a:t>을</a:t>
+                </a:r>
+              </a:p>
+              <a:p>
+                <a:pPr>
+                  <a:buNone/>
+                </a:pPr>
+                <a14:m>
+                  <m:oMathPara xmlns:m="http://schemas.openxmlformats.org/officeDocument/2006/math">
+                    <m:oMathParaPr>
+                      <m:jc m:val="centerGroup"/>
+                    </m:oMathParaPr>
+                    <m:oMath xmlns:m="http://schemas.openxmlformats.org/officeDocument/2006/math">
+                      <m:sSup>
+                        <m:sSupPr>
+                          <m:ctrlPr>
+                            <a:rPr lang="ar-AE" altLang="ko-KR" i="1">
+                              <a:latin typeface="Cambria Math" panose="02040503050406030204" pitchFamily="18" charset="0"/>
+                            </a:rPr>
+                          </m:ctrlPr>
+                        </m:sSupPr>
+                        <m:e>
+                          <m:r>
+                            <a:rPr lang="ko-KR" altLang="ar-AE" i="1">
+                              <a:latin typeface="Cambria Math" panose="02040503050406030204" pitchFamily="18" charset="0"/>
+                            </a:rPr>
+                            <m:t>𝑛</m:t>
+                          </m:r>
+                        </m:e>
+                        <m:sup>
+                          <m:r>
+                            <a:rPr lang="ar-AE" altLang="ko-KR" i="0">
+                              <a:latin typeface="Cambria Math" panose="02040503050406030204" pitchFamily="18" charset="0"/>
+                            </a:rPr>
+                            <m:t>′</m:t>
+                          </m:r>
+                        </m:sup>
+                      </m:sSup>
+                      <m:r>
+                        <a:rPr lang="ar-AE" altLang="ko-KR" i="0">
+                          <a:latin typeface="Cambria Math" panose="02040503050406030204" pitchFamily="18" charset="0"/>
+                        </a:rPr>
+                        <m:t>=</m:t>
+                      </m:r>
+                      <m:d>
+                        <m:dPr>
+                          <m:endChr m:val=""/>
+                          <m:ctrlPr>
+                            <a:rPr lang="ar-AE" altLang="ko-KR" i="1">
+                              <a:latin typeface="Cambria Math" panose="02040503050406030204" pitchFamily="18" charset="0"/>
+                            </a:rPr>
+                          </m:ctrlPr>
+                        </m:dPr>
+                        <m:e>
+                          <m:sSup>
+                            <m:sSupPr>
+                              <m:ctrlPr>
+                                <a:rPr lang="ar-AE" altLang="ko-KR" i="1">
+                                  <a:latin typeface="Cambria Math" panose="02040503050406030204" pitchFamily="18" charset="0"/>
+                                </a:rPr>
+                              </m:ctrlPr>
+                            </m:sSupPr>
+                            <m:e>
+                              <m:r>
+                                <a:rPr lang="ko-KR" altLang="ar-AE" i="1">
+                                  <a:latin typeface="Cambria Math" panose="02040503050406030204" pitchFamily="18" charset="0"/>
+                                </a:rPr>
+                                <m:t>𝑀</m:t>
+                              </m:r>
+                            </m:e>
+                            <m:sup>
+                              <m:r>
+                                <a:rPr lang="ar-AE" altLang="ko-KR" i="0">
+                                  <a:latin typeface="Cambria Math" panose="02040503050406030204" pitchFamily="18" charset="0"/>
+                                </a:rPr>
+                                <m:t>−</m:t>
+                              </m:r>
+                              <m:r>
+                                <a:rPr lang="ar-AE" altLang="ko-KR" i="0">
+                                  <a:latin typeface="Cambria Math" panose="02040503050406030204" pitchFamily="18" charset="0"/>
+                                </a:rPr>
+                                <m:t>1</m:t>
+                              </m:r>
+                            </m:sup>
+                          </m:sSup>
+                          <m:sSup>
+                            <m:sSupPr>
+                              <m:ctrlPr>
+                                <a:rPr lang="ar-AE" altLang="ko-KR" i="1">
+                                  <a:latin typeface="Cambria Math" panose="02040503050406030204" pitchFamily="18" charset="0"/>
+                                </a:rPr>
+                              </m:ctrlPr>
+                            </m:sSupPr>
+                            <m:e>
+                              <m:d>
+                                <m:dPr>
+                                  <m:begChr m:val=""/>
+                                  <m:endChr m:val=""/>
+                                  <m:ctrlPr>
+                                    <a:rPr lang="ar-AE" altLang="ko-KR" i="1">
+                                      <a:latin typeface="Cambria Math" panose="02040503050406030204" pitchFamily="18" charset="0"/>
+                                    </a:rPr>
+                                  </m:ctrlPr>
+                                </m:dPr>
+                                <m:e>
+                                  <m:r>
+                                    <a:rPr lang="ar-AE" altLang="ko-KR" i="0">
+                                      <a:latin typeface="Cambria Math" panose="02040503050406030204" pitchFamily="18" charset="0"/>
+                                    </a:rPr>
+                                    <m:t>)</m:t>
+                                  </m:r>
+                                </m:e>
+                              </m:d>
+                            </m:e>
+                            <m:sup>
+                              <m:r>
+                                <a:rPr lang="ko-KR" altLang="ar-AE" i="1">
+                                  <a:latin typeface="Cambria Math" panose="02040503050406030204" pitchFamily="18" charset="0"/>
+                                </a:rPr>
+                                <m:t>𝑇</m:t>
+                              </m:r>
+                            </m:sup>
+                          </m:sSup>
+                          <m:r>
+                            <a:rPr lang="ar-AE" altLang="ko-KR" i="0">
+                              <a:latin typeface="Cambria Math" panose="02040503050406030204" pitchFamily="18" charset="0"/>
+                            </a:rPr>
+                            <m:t>⋅</m:t>
+                          </m:r>
+                          <m:r>
+                            <a:rPr lang="ko-KR" altLang="ar-AE" i="1">
+                              <a:latin typeface="Cambria Math" panose="02040503050406030204" pitchFamily="18" charset="0"/>
+                            </a:rPr>
+                            <m:t>𝑛</m:t>
+                          </m:r>
+                        </m:e>
+                      </m:d>
+                    </m:oMath>
+                  </m:oMathPara>
+                </a14:m>
+                <a:endParaRPr lang="ar-AE" altLang="ko-KR" dirty="0"/>
+              </a:p>
+              <a:p>
+                <a:pPr>
+                  <a:buNone/>
+                </a:pPr>
+                <a:r>
+                  <a:rPr lang="ko-KR" altLang="en-US" dirty="0"/>
+                  <a:t>로 정의하면</a:t>
+                </a:r>
+                <a:r>
+                  <a:rPr lang="en-US" altLang="ko-KR" dirty="0"/>
+                  <a:t>, </a:t>
+                </a:r>
+                <a:r>
+                  <a:rPr lang="ko-KR" altLang="en-US" dirty="0"/>
+                  <a:t>내적은</a:t>
+                </a:r>
+                <a:r>
+                  <a:rPr lang="en-US" altLang="ko-KR" dirty="0"/>
+                  <a:t>:</a:t>
+                </a:r>
+              </a:p>
+              <a:p>
+                <a:pPr>
+                  <a:buNone/>
+                </a:pPr>
+                <a14:m>
+                  <m:oMathPara xmlns:m="http://schemas.openxmlformats.org/officeDocument/2006/math">
+                    <m:oMathParaPr>
+                      <m:jc m:val="centerGroup"/>
+                    </m:oMathParaPr>
+                    <m:oMath xmlns:m="http://schemas.openxmlformats.org/officeDocument/2006/math">
+                      <m:sSup>
+                        <m:sSupPr>
+                          <m:ctrlPr>
+                            <a:rPr lang="ar-AE" altLang="ko-KR" i="1">
+                              <a:latin typeface="Cambria Math" panose="02040503050406030204" pitchFamily="18" charset="0"/>
+                            </a:rPr>
+                          </m:ctrlPr>
+                        </m:sSupPr>
+                        <m:e>
+                          <m:r>
+                            <a:rPr lang="ko-KR" altLang="ar-AE" i="1">
+                              <a:latin typeface="Cambria Math" panose="02040503050406030204" pitchFamily="18" charset="0"/>
+                            </a:rPr>
+                            <m:t>𝑛</m:t>
+                          </m:r>
+                        </m:e>
+                        <m:sup>
+                          <m:r>
+                            <a:rPr lang="ar-AE" altLang="ko-KR" i="0">
+                              <a:latin typeface="Cambria Math" panose="02040503050406030204" pitchFamily="18" charset="0"/>
+                            </a:rPr>
+                            <m:t>′</m:t>
+                          </m:r>
+                          <m:r>
+                            <a:rPr lang="ko-KR" altLang="ar-AE" i="1">
+                              <a:latin typeface="Cambria Math" panose="02040503050406030204" pitchFamily="18" charset="0"/>
+                            </a:rPr>
+                            <m:t>𝑇</m:t>
+                          </m:r>
+                        </m:sup>
+                      </m:sSup>
+                      <m:r>
+                        <a:rPr lang="ar-AE" altLang="ko-KR" i="0">
+                          <a:latin typeface="Cambria Math" panose="02040503050406030204" pitchFamily="18" charset="0"/>
+                        </a:rPr>
+                        <m:t>⋅</m:t>
+                      </m:r>
+                      <m:sSup>
+                        <m:sSupPr>
+                          <m:ctrlPr>
+                            <a:rPr lang="ar-AE" altLang="ko-KR" i="1">
+                              <a:latin typeface="Cambria Math" panose="02040503050406030204" pitchFamily="18" charset="0"/>
+                            </a:rPr>
+                          </m:ctrlPr>
+                        </m:sSupPr>
+                        <m:e>
+                          <m:r>
+                            <a:rPr lang="ko-KR" altLang="ar-AE" i="1">
+                              <a:latin typeface="Cambria Math" panose="02040503050406030204" pitchFamily="18" charset="0"/>
+                            </a:rPr>
+                            <m:t>𝑡</m:t>
+                          </m:r>
+                        </m:e>
+                        <m:sup>
+                          <m:r>
+                            <a:rPr lang="ar-AE" altLang="ko-KR" i="0">
+                              <a:latin typeface="Cambria Math" panose="02040503050406030204" pitchFamily="18" charset="0"/>
+                            </a:rPr>
+                            <m:t>′</m:t>
+                          </m:r>
+                        </m:sup>
+                      </m:sSup>
+                      <m:r>
+                        <a:rPr lang="ar-AE" altLang="ko-KR" i="0">
+                          <a:latin typeface="Cambria Math" panose="02040503050406030204" pitchFamily="18" charset="0"/>
+                        </a:rPr>
+                        <m:t>=</m:t>
+                      </m:r>
+                      <m:d>
+                        <m:dPr>
+                          <m:endChr m:val=""/>
+                          <m:ctrlPr>
+                            <a:rPr lang="ar-AE" altLang="ko-KR" i="1">
+                              <a:latin typeface="Cambria Math" panose="02040503050406030204" pitchFamily="18" charset="0"/>
+                            </a:rPr>
+                          </m:ctrlPr>
+                        </m:dPr>
+                        <m:e>
+                          <m:d>
+                            <m:dPr>
+                              <m:endChr m:val=""/>
+                              <m:ctrlPr>
+                                <a:rPr lang="ar-AE" altLang="ko-KR" i="1">
+                                  <a:latin typeface="Cambria Math" panose="02040503050406030204" pitchFamily="18" charset="0"/>
+                                </a:rPr>
+                              </m:ctrlPr>
+                            </m:dPr>
+                            <m:e>
+                              <m:sSup>
+                                <m:sSupPr>
+                                  <m:ctrlPr>
+                                    <a:rPr lang="ar-AE" altLang="ko-KR" i="1">
+                                      <a:latin typeface="Cambria Math" panose="02040503050406030204" pitchFamily="18" charset="0"/>
+                                    </a:rPr>
+                                  </m:ctrlPr>
+                                </m:sSupPr>
+                                <m:e>
+                                  <m:r>
+                                    <a:rPr lang="ko-KR" altLang="ar-AE" i="1">
+                                      <a:latin typeface="Cambria Math" panose="02040503050406030204" pitchFamily="18" charset="0"/>
+                                    </a:rPr>
+                                    <m:t>𝑀</m:t>
+                                  </m:r>
+                                </m:e>
+                                <m:sup>
+                                  <m:r>
+                                    <a:rPr lang="ar-AE" altLang="ko-KR" i="0">
+                                      <a:latin typeface="Cambria Math" panose="02040503050406030204" pitchFamily="18" charset="0"/>
+                                    </a:rPr>
+                                    <m:t>−</m:t>
+                                  </m:r>
+                                  <m:r>
+                                    <a:rPr lang="ar-AE" altLang="ko-KR" i="0">
+                                      <a:latin typeface="Cambria Math" panose="02040503050406030204" pitchFamily="18" charset="0"/>
+                                    </a:rPr>
+                                    <m:t>1</m:t>
+                                  </m:r>
+                                </m:sup>
+                              </m:sSup>
+                              <m:sSup>
+                                <m:sSupPr>
+                                  <m:ctrlPr>
+                                    <a:rPr lang="ar-AE" altLang="ko-KR" i="1">
+                                      <a:latin typeface="Cambria Math" panose="02040503050406030204" pitchFamily="18" charset="0"/>
+                                    </a:rPr>
+                                  </m:ctrlPr>
+                                </m:sSupPr>
+                                <m:e>
+                                  <m:d>
+                                    <m:dPr>
+                                      <m:begChr m:val=""/>
+                                      <m:endChr m:val=""/>
+                                      <m:ctrlPr>
+                                        <a:rPr lang="ar-AE" altLang="ko-KR" i="1">
+                                          <a:latin typeface="Cambria Math" panose="02040503050406030204" pitchFamily="18" charset="0"/>
+                                        </a:rPr>
+                                      </m:ctrlPr>
+                                    </m:dPr>
+                                    <m:e>
+                                      <m:r>
+                                        <a:rPr lang="ar-AE" altLang="ko-KR" i="0">
+                                          <a:latin typeface="Cambria Math" panose="02040503050406030204" pitchFamily="18" charset="0"/>
+                                        </a:rPr>
+                                        <m:t>)</m:t>
+                                      </m:r>
+                                    </m:e>
+                                  </m:d>
+                                </m:e>
+                                <m:sup>
+                                  <m:r>
+                                    <a:rPr lang="ko-KR" altLang="ar-AE" i="1">
+                                      <a:latin typeface="Cambria Math" panose="02040503050406030204" pitchFamily="18" charset="0"/>
+                                    </a:rPr>
+                                    <m:t>𝑇</m:t>
+                                  </m:r>
+                                </m:sup>
+                              </m:sSup>
+                              <m:r>
+                                <a:rPr lang="ko-KR" altLang="ar-AE" i="1">
+                                  <a:latin typeface="Cambria Math" panose="02040503050406030204" pitchFamily="18" charset="0"/>
+                                </a:rPr>
+                                <m:t>𝑛</m:t>
+                              </m:r>
+                              <m:sSup>
+                                <m:sSupPr>
+                                  <m:ctrlPr>
+                                    <a:rPr lang="ar-AE" altLang="ko-KR" i="1">
+                                      <a:latin typeface="Cambria Math" panose="02040503050406030204" pitchFamily="18" charset="0"/>
+                                    </a:rPr>
+                                  </m:ctrlPr>
+                                </m:sSupPr>
+                                <m:e>
+                                  <m:d>
+                                    <m:dPr>
+                                      <m:begChr m:val=""/>
+                                      <m:endChr m:val=""/>
+                                      <m:ctrlPr>
+                                        <a:rPr lang="ar-AE" altLang="ko-KR" i="1">
+                                          <a:latin typeface="Cambria Math" panose="02040503050406030204" pitchFamily="18" charset="0"/>
+                                        </a:rPr>
+                                      </m:ctrlPr>
+                                    </m:dPr>
+                                    <m:e>
+                                      <m:r>
+                                        <a:rPr lang="ar-AE" altLang="ko-KR" i="0">
+                                          <a:latin typeface="Cambria Math" panose="02040503050406030204" pitchFamily="18" charset="0"/>
+                                        </a:rPr>
+                                        <m:t>)</m:t>
+                                      </m:r>
+                                    </m:e>
+                                  </m:d>
+                                </m:e>
+                                <m:sup>
+                                  <m:r>
+                                    <a:rPr lang="ko-KR" altLang="ar-AE" i="1">
+                                      <a:latin typeface="Cambria Math" panose="02040503050406030204" pitchFamily="18" charset="0"/>
+                                    </a:rPr>
+                                    <m:t>𝑇</m:t>
+                                  </m:r>
+                                </m:sup>
+                              </m:sSup>
+                              <m:d>
+                                <m:dPr>
+                                  <m:ctrlPr>
+                                    <a:rPr lang="ar-AE" altLang="ko-KR" i="1">
+                                      <a:latin typeface="Cambria Math" panose="02040503050406030204" pitchFamily="18" charset="0"/>
+                                    </a:rPr>
+                                  </m:ctrlPr>
+                                </m:dPr>
+                                <m:e>
+                                  <m:r>
+                                    <a:rPr lang="ko-KR" altLang="ar-AE" i="1">
+                                      <a:latin typeface="Cambria Math" panose="02040503050406030204" pitchFamily="18" charset="0"/>
+                                    </a:rPr>
+                                    <m:t>𝑀𝑡</m:t>
+                                  </m:r>
+                                </m:e>
+                              </m:d>
+                              <m:r>
+                                <a:rPr lang="ar-AE" altLang="ko-KR" i="0">
+                                  <a:latin typeface="Cambria Math" panose="02040503050406030204" pitchFamily="18" charset="0"/>
+                                </a:rPr>
+                                <m:t>=</m:t>
+                              </m:r>
+                              <m:sSup>
+                                <m:sSupPr>
+                                  <m:ctrlPr>
+                                    <a:rPr lang="ar-AE" altLang="ko-KR" i="1">
+                                      <a:latin typeface="Cambria Math" panose="02040503050406030204" pitchFamily="18" charset="0"/>
+                                    </a:rPr>
+                                  </m:ctrlPr>
+                                </m:sSupPr>
+                                <m:e>
+                                  <m:r>
+                                    <a:rPr lang="ko-KR" altLang="ar-AE" i="1">
+                                      <a:latin typeface="Cambria Math" panose="02040503050406030204" pitchFamily="18" charset="0"/>
+                                    </a:rPr>
+                                    <m:t>𝑛</m:t>
+                                  </m:r>
+                                </m:e>
+                                <m:sup>
+                                  <m:r>
+                                    <a:rPr lang="ko-KR" altLang="ar-AE" i="1">
+                                      <a:latin typeface="Cambria Math" panose="02040503050406030204" pitchFamily="18" charset="0"/>
+                                    </a:rPr>
+                                    <m:t>𝑇</m:t>
+                                  </m:r>
+                                </m:sup>
+                              </m:sSup>
+                              <m:sSup>
+                                <m:sSupPr>
+                                  <m:ctrlPr>
+                                    <a:rPr lang="ar-AE" altLang="ko-KR" i="1">
+                                      <a:latin typeface="Cambria Math" panose="02040503050406030204" pitchFamily="18" charset="0"/>
+                                    </a:rPr>
+                                  </m:ctrlPr>
+                                </m:sSupPr>
+                                <m:e>
+                                  <m:r>
+                                    <a:rPr lang="ko-KR" altLang="ar-AE" i="1">
+                                      <a:latin typeface="Cambria Math" panose="02040503050406030204" pitchFamily="18" charset="0"/>
+                                    </a:rPr>
+                                    <m:t>𝑀</m:t>
+                                  </m:r>
+                                </m:e>
+                                <m:sup>
+                                  <m:r>
+                                    <a:rPr lang="ar-AE" altLang="ko-KR" i="0">
+                                      <a:latin typeface="Cambria Math" panose="02040503050406030204" pitchFamily="18" charset="0"/>
+                                    </a:rPr>
+                                    <m:t>−</m:t>
+                                  </m:r>
+                                  <m:r>
+                                    <a:rPr lang="ar-AE" altLang="ko-KR" i="0">
+                                      <a:latin typeface="Cambria Math" panose="02040503050406030204" pitchFamily="18" charset="0"/>
+                                    </a:rPr>
+                                    <m:t>1</m:t>
+                                  </m:r>
+                                </m:sup>
+                              </m:sSup>
+                              <m:r>
+                                <a:rPr lang="ko-KR" altLang="ar-AE" i="1">
+                                  <a:latin typeface="Cambria Math" panose="02040503050406030204" pitchFamily="18" charset="0"/>
+                                </a:rPr>
+                                <m:t>𝑀𝑡</m:t>
+                              </m:r>
+                              <m:r>
+                                <a:rPr lang="ar-AE" altLang="ko-KR" i="0">
+                                  <a:latin typeface="Cambria Math" panose="02040503050406030204" pitchFamily="18" charset="0"/>
+                                </a:rPr>
+                                <m:t>=</m:t>
+                              </m:r>
+                              <m:sSup>
+                                <m:sSupPr>
+                                  <m:ctrlPr>
+                                    <a:rPr lang="ar-AE" altLang="ko-KR" i="1">
+                                      <a:latin typeface="Cambria Math" panose="02040503050406030204" pitchFamily="18" charset="0"/>
+                                    </a:rPr>
+                                  </m:ctrlPr>
+                                </m:sSupPr>
+                                <m:e>
+                                  <m:r>
+                                    <a:rPr lang="ko-KR" altLang="ar-AE" i="1">
+                                      <a:latin typeface="Cambria Math" panose="02040503050406030204" pitchFamily="18" charset="0"/>
+                                    </a:rPr>
+                                    <m:t>𝑛</m:t>
+                                  </m:r>
+                                </m:e>
+                                <m:sup>
+                                  <m:r>
+                                    <a:rPr lang="ko-KR" altLang="ar-AE" i="1">
+                                      <a:latin typeface="Cambria Math" panose="02040503050406030204" pitchFamily="18" charset="0"/>
+                                    </a:rPr>
+                                    <m:t>𝑇</m:t>
+                                  </m:r>
+                                </m:sup>
+                              </m:sSup>
+                              <m:r>
+                                <a:rPr lang="ko-KR" altLang="ar-AE" i="1">
+                                  <a:latin typeface="Cambria Math" panose="02040503050406030204" pitchFamily="18" charset="0"/>
+                                </a:rPr>
+                                <m:t>𝑡</m:t>
+                              </m:r>
+                              <m:r>
+                                <a:rPr lang="ar-AE" altLang="ko-KR" i="0">
+                                  <a:latin typeface="Cambria Math" panose="02040503050406030204" pitchFamily="18" charset="0"/>
+                                </a:rPr>
+                                <m:t>=</m:t>
+                              </m:r>
+                              <m:r>
+                                <a:rPr lang="ar-AE" altLang="ko-KR" i="0">
+                                  <a:latin typeface="Cambria Math" panose="02040503050406030204" pitchFamily="18" charset="0"/>
+                                </a:rPr>
+                                <m:t>0</m:t>
+                              </m:r>
+                            </m:e>
+                          </m:d>
+                        </m:e>
+                      </m:d>
+                    </m:oMath>
+                  </m:oMathPara>
+                </a14:m>
+                <a:endParaRPr lang="ar-AE" altLang="ko-KR" dirty="0"/>
+              </a:p>
+              <a:p>
+                <a:pPr>
+                  <a:buNone/>
+                </a:pPr>
+                <a:r>
+                  <a:rPr lang="ko-KR" altLang="en-US" dirty="0"/>
+                  <a:t>👉 </a:t>
+                </a:r>
+                <a:r>
+                  <a:rPr lang="en-US" altLang="ko-KR" dirty="0"/>
+                  <a:t>Tangent</a:t>
+                </a:r>
+                <a:r>
+                  <a:rPr lang="ko-KR" altLang="en-US" dirty="0"/>
+                  <a:t>와의 직각 관계가 유지됩니다 ✅</a:t>
+                </a:r>
+              </a:p>
+            </p:txBody>
+          </p:sp>
+        </mc:Choice>
+        <mc:Fallback>
+          <p:sp>
+            <p:nvSpPr>
+              <p:cNvPr id="8" name="TextBox 7">
+                <a:extLst>
+                  <a:ext uri="{FF2B5EF4-FFF2-40B4-BE49-F238E27FC236}">
+                    <a16:creationId xmlns:a16="http://schemas.microsoft.com/office/drawing/2014/main" id="{F2DAC2AB-B445-2207-EB38-D51A52FD02EA}"/>
+                  </a:ext>
+                </a:extLst>
+              </p:cNvPr>
+              <p:cNvSpPr txBox="1">
+                <a:spLocks noRot="1" noChangeAspect="1" noMove="1" noResize="1" noEditPoints="1" noAdjustHandles="1" noChangeArrowheads="1" noChangeShapeType="1" noTextEdit="1"/>
+              </p:cNvSpPr>
+              <p:nvPr/>
+            </p:nvSpPr>
+            <p:spPr>
+              <a:xfrm>
+                <a:off x="6625133" y="3242790"/>
+                <a:ext cx="5225491" cy="1939890"/>
+              </a:xfrm>
+              <a:prstGeom prst="rect">
+                <a:avLst/>
+              </a:prstGeom>
+              <a:blipFill>
+                <a:blip r:embed="rId4"/>
+                <a:stretch>
+                  <a:fillRect l="-1050" t="-3459" b="-53459"/>
+                </a:stretch>
+              </a:blipFill>
+            </p:spPr>
+            <p:txBody>
+              <a:bodyPr/>
+              <a:lstStyle/>
+              <a:p>
+                <a:r>
+                  <a:rPr lang="ko-KR" altLang="en-US">
+                    <a:noFill/>
+                  </a:rPr>
+                  <a:t> </a:t>
+                </a:r>
+              </a:p>
+            </p:txBody>
+          </p:sp>
+        </mc:Fallback>
+      </mc:AlternateContent>
+      <mc:AlternateContent xmlns:mc="http://schemas.openxmlformats.org/markup-compatibility/2006">
+        <mc:Choice xmlns:a14="http://schemas.microsoft.com/office/drawing/2010/main" Requires="a14">
+          <p:sp>
+            <p:nvSpPr>
+              <p:cNvPr id="10" name="TextBox 9">
+                <a:extLst>
+                  <a:ext uri="{FF2B5EF4-FFF2-40B4-BE49-F238E27FC236}">
+                    <a16:creationId xmlns:a16="http://schemas.microsoft.com/office/drawing/2014/main" id="{3C6F45D7-E775-610C-C08F-0B22E456E5A9}"/>
+                  </a:ext>
+                </a:extLst>
+              </p:cNvPr>
+              <p:cNvSpPr txBox="1"/>
+              <p:nvPr/>
+            </p:nvSpPr>
+            <p:spPr>
+              <a:xfrm>
+                <a:off x="4639733" y="2015840"/>
+                <a:ext cx="6096000" cy="826060"/>
+              </a:xfrm>
+              <a:prstGeom prst="rect">
+                <a:avLst/>
+              </a:prstGeom>
+              <a:noFill/>
+            </p:spPr>
+            <p:txBody>
+              <a:bodyPr wrap="square">
+                <a:spAutoFit/>
+              </a:bodyPr>
+              <a:lstStyle/>
+              <a:p>
+                <a:pPr>
+                  <a:buNone/>
+                </a:pPr>
+                <a14:m>
+                  <m:oMathPara xmlns:m="http://schemas.openxmlformats.org/officeDocument/2006/math">
+                    <m:oMathParaPr>
+                      <m:jc m:val="centerGroup"/>
+                    </m:oMathParaPr>
+                    <m:oMath xmlns:m="http://schemas.openxmlformats.org/officeDocument/2006/math">
+                      <m:r>
+                        <a:rPr lang="ko-KR" altLang="en-US" i="1" smtClean="0">
+                          <a:latin typeface="Cambria Math" panose="02040503050406030204" pitchFamily="18" charset="0"/>
+                        </a:rPr>
+                        <m:t>𝑢</m:t>
+                      </m:r>
+                      <m:r>
+                        <a:rPr lang="ko-KR" altLang="en-US" i="0">
+                          <a:latin typeface="Cambria Math" panose="02040503050406030204" pitchFamily="18" charset="0"/>
+                        </a:rPr>
+                        <m:t>⋅</m:t>
+                      </m:r>
+                      <m:r>
+                        <a:rPr lang="ko-KR" altLang="en-US" i="1">
+                          <a:latin typeface="Cambria Math" panose="02040503050406030204" pitchFamily="18" charset="0"/>
+                        </a:rPr>
+                        <m:t>𝑣</m:t>
+                      </m:r>
+                      <m:r>
+                        <a:rPr lang="en-US" altLang="ko-KR" i="0">
+                          <a:latin typeface="Cambria Math" panose="02040503050406030204" pitchFamily="18" charset="0"/>
+                        </a:rPr>
+                        <m:t>=</m:t>
+                      </m:r>
+                      <m:d>
+                        <m:dPr>
+                          <m:begChr m:val="["/>
+                          <m:endChr m:val="]"/>
+                          <m:ctrlPr>
+                            <a:rPr lang="ko-KR" altLang="en-US" i="1">
+                              <a:latin typeface="Cambria Math" panose="02040503050406030204" pitchFamily="18" charset="0"/>
+                            </a:rPr>
+                          </m:ctrlPr>
+                        </m:dPr>
+                        <m:e>
+                          <m:m>
+                            <m:mPr>
+                              <m:plcHide m:val="on"/>
+                              <m:mcs>
+                                <m:mc>
+                                  <m:mcPr>
+                                    <m:count m:val="3"/>
+                                    <m:mcJc m:val="center"/>
+                                  </m:mcPr>
+                                </m:mc>
+                              </m:mcs>
+                              <m:ctrlPr>
+                                <a:rPr lang="ko-KR" altLang="en-US" i="1">
+                                  <a:latin typeface="Cambria Math" panose="02040503050406030204" pitchFamily="18" charset="0"/>
+                                </a:rPr>
+                              </m:ctrlPr>
+                            </m:mPr>
+                            <m:mr>
+                              <m:e>
+                                <m:sSub>
+                                  <m:sSubPr>
+                                    <m:ctrlPr>
+                                      <a:rPr lang="ko-KR" altLang="en-US" i="1">
+                                        <a:latin typeface="Cambria Math" panose="02040503050406030204" pitchFamily="18" charset="0"/>
+                                      </a:rPr>
+                                    </m:ctrlPr>
+                                  </m:sSubPr>
+                                  <m:e>
+                                    <m:r>
+                                      <a:rPr lang="ko-KR" altLang="en-US" i="1">
+                                        <a:latin typeface="Cambria Math" panose="02040503050406030204" pitchFamily="18" charset="0"/>
+                                      </a:rPr>
+                                      <m:t>𝑢</m:t>
+                                    </m:r>
+                                  </m:e>
+                                  <m:sub>
+                                    <m:r>
+                                      <a:rPr lang="en-US" altLang="ko-KR" i="0">
+                                        <a:latin typeface="Cambria Math" panose="02040503050406030204" pitchFamily="18" charset="0"/>
+                                      </a:rPr>
+                                      <m:t>1</m:t>
+                                    </m:r>
+                                  </m:sub>
+                                </m:sSub>
+                              </m:e>
+                              <m:e>
+                                <m:sSub>
+                                  <m:sSubPr>
+                                    <m:ctrlPr>
+                                      <a:rPr lang="ko-KR" altLang="en-US" i="1">
+                                        <a:latin typeface="Cambria Math" panose="02040503050406030204" pitchFamily="18" charset="0"/>
+                                      </a:rPr>
+                                    </m:ctrlPr>
+                                  </m:sSubPr>
+                                  <m:e>
+                                    <m:r>
+                                      <a:rPr lang="ko-KR" altLang="en-US" i="1">
+                                        <a:latin typeface="Cambria Math" panose="02040503050406030204" pitchFamily="18" charset="0"/>
+                                      </a:rPr>
+                                      <m:t>𝑢</m:t>
+                                    </m:r>
+                                  </m:e>
+                                  <m:sub>
+                                    <m:r>
+                                      <a:rPr lang="en-US" altLang="ko-KR" i="0">
+                                        <a:latin typeface="Cambria Math" panose="02040503050406030204" pitchFamily="18" charset="0"/>
+                                      </a:rPr>
+                                      <m:t>2</m:t>
+                                    </m:r>
+                                  </m:sub>
+                                </m:sSub>
+                              </m:e>
+                              <m:e>
+                                <m:sSub>
+                                  <m:sSubPr>
+                                    <m:ctrlPr>
+                                      <a:rPr lang="ko-KR" altLang="en-US" i="1">
+                                        <a:latin typeface="Cambria Math" panose="02040503050406030204" pitchFamily="18" charset="0"/>
+                                      </a:rPr>
+                                    </m:ctrlPr>
+                                  </m:sSubPr>
+                                  <m:e>
+                                    <m:r>
+                                      <a:rPr lang="ko-KR" altLang="en-US" i="1">
+                                        <a:latin typeface="Cambria Math" panose="02040503050406030204" pitchFamily="18" charset="0"/>
+                                      </a:rPr>
+                                      <m:t>𝑢</m:t>
+                                    </m:r>
+                                  </m:e>
+                                  <m:sub>
+                                    <m:r>
+                                      <a:rPr lang="en-US" altLang="ko-KR" i="0">
+                                        <a:latin typeface="Cambria Math" panose="02040503050406030204" pitchFamily="18" charset="0"/>
+                                      </a:rPr>
+                                      <m:t>3</m:t>
+                                    </m:r>
+                                  </m:sub>
+                                </m:sSub>
+                              </m:e>
+                            </m:mr>
+                          </m:m>
+                        </m:e>
+                      </m:d>
+                      <m:d>
+                        <m:dPr>
+                          <m:begChr m:val="["/>
+                          <m:endChr m:val="]"/>
+                          <m:ctrlPr>
+                            <a:rPr lang="ko-KR" altLang="en-US" i="1">
+                              <a:latin typeface="Cambria Math" panose="02040503050406030204" pitchFamily="18" charset="0"/>
+                            </a:rPr>
+                          </m:ctrlPr>
+                        </m:dPr>
+                        <m:e>
+                          <m:m>
+                            <m:mPr>
+                              <m:plcHide m:val="on"/>
+                              <m:mcs>
+                                <m:mc>
+                                  <m:mcPr>
+                                    <m:count m:val="1"/>
+                                    <m:mcJc m:val="center"/>
+                                  </m:mcPr>
+                                </m:mc>
+                              </m:mcs>
+                              <m:ctrlPr>
+                                <a:rPr lang="ko-KR" altLang="en-US" i="1">
+                                  <a:latin typeface="Cambria Math" panose="02040503050406030204" pitchFamily="18" charset="0"/>
+                                </a:rPr>
+                              </m:ctrlPr>
+                            </m:mPr>
+                            <m:mr>
+                              <m:e>
+                                <m:sSub>
+                                  <m:sSubPr>
+                                    <m:ctrlPr>
+                                      <a:rPr lang="ko-KR" altLang="en-US" i="1">
+                                        <a:latin typeface="Cambria Math" panose="02040503050406030204" pitchFamily="18" charset="0"/>
+                                      </a:rPr>
+                                    </m:ctrlPr>
+                                  </m:sSubPr>
+                                  <m:e>
+                                    <m:r>
+                                      <a:rPr lang="ko-KR" altLang="en-US" i="1">
+                                        <a:latin typeface="Cambria Math" panose="02040503050406030204" pitchFamily="18" charset="0"/>
+                                      </a:rPr>
+                                      <m:t>𝑣</m:t>
+                                    </m:r>
+                                  </m:e>
+                                  <m:sub>
+                                    <m:r>
+                                      <a:rPr lang="en-US" altLang="ko-KR" i="0">
+                                        <a:latin typeface="Cambria Math" panose="02040503050406030204" pitchFamily="18" charset="0"/>
+                                      </a:rPr>
+                                      <m:t>1</m:t>
+                                    </m:r>
+                                  </m:sub>
+                                </m:sSub>
+                              </m:e>
+                            </m:mr>
+                            <m:mr>
+                              <m:e>
+                                <m:sSub>
+                                  <m:sSubPr>
+                                    <m:ctrlPr>
+                                      <a:rPr lang="ko-KR" altLang="en-US" i="1">
+                                        <a:latin typeface="Cambria Math" panose="02040503050406030204" pitchFamily="18" charset="0"/>
+                                      </a:rPr>
+                                    </m:ctrlPr>
+                                  </m:sSubPr>
+                                  <m:e>
+                                    <m:r>
+                                      <a:rPr lang="ko-KR" altLang="en-US" i="1">
+                                        <a:latin typeface="Cambria Math" panose="02040503050406030204" pitchFamily="18" charset="0"/>
+                                      </a:rPr>
+                                      <m:t>𝑣</m:t>
+                                    </m:r>
+                                  </m:e>
+                                  <m:sub>
+                                    <m:r>
+                                      <a:rPr lang="en-US" altLang="ko-KR" i="0">
+                                        <a:latin typeface="Cambria Math" panose="02040503050406030204" pitchFamily="18" charset="0"/>
+                                      </a:rPr>
+                                      <m:t>2</m:t>
+                                    </m:r>
+                                  </m:sub>
+                                </m:sSub>
+                              </m:e>
+                            </m:mr>
+                            <m:mr>
+                              <m:e>
+                                <m:sSub>
+                                  <m:sSubPr>
+                                    <m:ctrlPr>
+                                      <a:rPr lang="ko-KR" altLang="en-US" i="1">
+                                        <a:latin typeface="Cambria Math" panose="02040503050406030204" pitchFamily="18" charset="0"/>
+                                      </a:rPr>
+                                    </m:ctrlPr>
+                                  </m:sSubPr>
+                                  <m:e>
+                                    <m:r>
+                                      <a:rPr lang="ko-KR" altLang="en-US" i="1">
+                                        <a:latin typeface="Cambria Math" panose="02040503050406030204" pitchFamily="18" charset="0"/>
+                                      </a:rPr>
+                                      <m:t>𝑣</m:t>
+                                    </m:r>
+                                  </m:e>
+                                  <m:sub>
+                                    <m:r>
+                                      <a:rPr lang="en-US" altLang="ko-KR" i="0">
+                                        <a:latin typeface="Cambria Math" panose="02040503050406030204" pitchFamily="18" charset="0"/>
+                                      </a:rPr>
+                                      <m:t>3</m:t>
+                                    </m:r>
+                                  </m:sub>
+                                </m:sSub>
+                              </m:e>
+                            </m:mr>
+                          </m:m>
+                        </m:e>
+                      </m:d>
+                      <m:r>
+                        <a:rPr lang="en-US" altLang="ko-KR" i="0">
+                          <a:latin typeface="Cambria Math" panose="02040503050406030204" pitchFamily="18" charset="0"/>
+                        </a:rPr>
+                        <m:t>=</m:t>
+                      </m:r>
+                      <m:sSup>
+                        <m:sSupPr>
+                          <m:ctrlPr>
+                            <a:rPr lang="ko-KR" altLang="en-US" i="1">
+                              <a:latin typeface="Cambria Math" panose="02040503050406030204" pitchFamily="18" charset="0"/>
+                            </a:rPr>
+                          </m:ctrlPr>
+                        </m:sSupPr>
+                        <m:e>
+                          <m:r>
+                            <a:rPr lang="ko-KR" altLang="en-US" i="1">
+                              <a:latin typeface="Cambria Math" panose="02040503050406030204" pitchFamily="18" charset="0"/>
+                            </a:rPr>
+                            <m:t>𝑢</m:t>
+                          </m:r>
+                        </m:e>
+                        <m:sup>
+                          <m:r>
+                            <a:rPr lang="ko-KR" altLang="en-US" i="1">
+                              <a:latin typeface="Cambria Math" panose="02040503050406030204" pitchFamily="18" charset="0"/>
+                            </a:rPr>
+                            <m:t>𝑇</m:t>
+                          </m:r>
+                        </m:sup>
+                      </m:sSup>
+                      <m:r>
+                        <a:rPr lang="ko-KR" altLang="en-US" i="1">
+                          <a:latin typeface="Cambria Math" panose="02040503050406030204" pitchFamily="18" charset="0"/>
+                        </a:rPr>
+                        <m:t>𝑣</m:t>
+                      </m:r>
+                    </m:oMath>
+                  </m:oMathPara>
+                </a14:m>
+                <a:endParaRPr lang="ko-KR" altLang="en-US" dirty="0"/>
+              </a:p>
+            </p:txBody>
+          </p:sp>
+        </mc:Choice>
+        <mc:Fallback>
+          <p:sp>
+            <p:nvSpPr>
+              <p:cNvPr id="10" name="TextBox 9">
+                <a:extLst>
+                  <a:ext uri="{FF2B5EF4-FFF2-40B4-BE49-F238E27FC236}">
+                    <a16:creationId xmlns:a16="http://schemas.microsoft.com/office/drawing/2014/main" id="{3C6F45D7-E775-610C-C08F-0B22E456E5A9}"/>
+                  </a:ext>
+                </a:extLst>
+              </p:cNvPr>
+              <p:cNvSpPr txBox="1">
+                <a:spLocks noRot="1" noChangeAspect="1" noMove="1" noResize="1" noEditPoints="1" noAdjustHandles="1" noChangeArrowheads="1" noChangeShapeType="1" noTextEdit="1"/>
+              </p:cNvSpPr>
+              <p:nvPr/>
+            </p:nvSpPr>
+            <p:spPr>
+              <a:xfrm>
+                <a:off x="4639733" y="2015840"/>
+                <a:ext cx="6096000" cy="826060"/>
+              </a:xfrm>
+              <a:prstGeom prst="rect">
+                <a:avLst/>
+              </a:prstGeom>
+              <a:blipFill>
+                <a:blip r:embed="rId5"/>
+                <a:stretch>
+                  <a:fillRect/>
+                </a:stretch>
+              </a:blipFill>
+            </p:spPr>
+            <p:txBody>
+              <a:bodyPr/>
+              <a:lstStyle/>
+              <a:p>
+                <a:r>
+                  <a:rPr lang="ko-KR" altLang="en-US">
+                    <a:noFill/>
+                  </a:rPr>
+                  <a:t> </a:t>
+                </a:r>
+              </a:p>
+            </p:txBody>
+          </p:sp>
+        </mc:Fallback>
+      </mc:AlternateContent>
+      <mc:AlternateContent xmlns:mc="http://schemas.openxmlformats.org/markup-compatibility/2006">
+        <mc:Choice xmlns:p14="http://schemas.microsoft.com/office/powerpoint/2010/main" xmlns:aink="http://schemas.microsoft.com/office/drawing/2016/ink" Requires="p14 aink">
+          <p:contentPart p14:bwMode="auto" r:id="rId6">
+            <p14:nvContentPartPr>
+              <p14:cNvPr id="33" name="잉크 32">
+                <a:extLst>
+                  <a:ext uri="{FF2B5EF4-FFF2-40B4-BE49-F238E27FC236}">
+                    <a16:creationId xmlns:a16="http://schemas.microsoft.com/office/drawing/2014/main" id="{B3AAEB73-B04F-9740-BACD-C263FE36A4D4}"/>
+                  </a:ext>
+                </a:extLst>
+              </p14:cNvPr>
+              <p14:cNvContentPartPr/>
+              <p14:nvPr/>
+            </p14:nvContentPartPr>
+            <p14:xfrm>
+              <a:off x="1396987" y="5259442"/>
+              <a:ext cx="702000" cy="8280"/>
+            </p14:xfrm>
+          </p:contentPart>
+        </mc:Choice>
+        <mc:Fallback>
+          <p:pic>
+            <p:nvPicPr>
+              <p:cNvPr id="33" name="잉크 32">
+                <a:extLst>
+                  <a:ext uri="{FF2B5EF4-FFF2-40B4-BE49-F238E27FC236}">
+                    <a16:creationId xmlns:a16="http://schemas.microsoft.com/office/drawing/2014/main" id="{B3AAEB73-B04F-9740-BACD-C263FE36A4D4}"/>
+                  </a:ext>
+                </a:extLst>
+              </p:cNvPr>
+              <p:cNvPicPr/>
+              <p:nvPr/>
+            </p:nvPicPr>
+            <p:blipFill>
+              <a:blip r:embed="rId7"/>
+              <a:stretch>
+                <a:fillRect/>
+              </a:stretch>
+            </p:blipFill>
+            <p:spPr>
+              <a:xfrm>
+                <a:off x="1387987" y="5205802"/>
+                <a:ext cx="719640" cy="115920"/>
+              </a:xfrm>
+              <a:prstGeom prst="rect">
+                <a:avLst/>
+              </a:prstGeom>
+            </p:spPr>
+          </p:pic>
+        </mc:Fallback>
+      </mc:AlternateContent>
+      <mc:AlternateContent xmlns:mc="http://schemas.openxmlformats.org/markup-compatibility/2006">
+        <mc:Choice xmlns:p14="http://schemas.microsoft.com/office/powerpoint/2010/main" xmlns:aink="http://schemas.microsoft.com/office/drawing/2016/ink" Requires="p14 aink">
+          <p:contentPart p14:bwMode="auto" r:id="rId8">
+            <p14:nvContentPartPr>
+              <p14:cNvPr id="36" name="잉크 35">
+                <a:extLst>
+                  <a:ext uri="{FF2B5EF4-FFF2-40B4-BE49-F238E27FC236}">
+                    <a16:creationId xmlns:a16="http://schemas.microsoft.com/office/drawing/2014/main" id="{3A3C6F61-D880-EAC9-341F-9B549EA6469E}"/>
+                  </a:ext>
+                </a:extLst>
+              </p14:cNvPr>
+              <p14:cNvContentPartPr/>
+              <p14:nvPr/>
+            </p14:nvContentPartPr>
+            <p14:xfrm>
+              <a:off x="4023187" y="5303362"/>
+              <a:ext cx="1338120" cy="360"/>
+            </p14:xfrm>
+          </p:contentPart>
+        </mc:Choice>
+        <mc:Fallback>
+          <p:pic>
+            <p:nvPicPr>
+              <p:cNvPr id="36" name="잉크 35">
+                <a:extLst>
+                  <a:ext uri="{FF2B5EF4-FFF2-40B4-BE49-F238E27FC236}">
+                    <a16:creationId xmlns:a16="http://schemas.microsoft.com/office/drawing/2014/main" id="{3A3C6F61-D880-EAC9-341F-9B549EA6469E}"/>
+                  </a:ext>
+                </a:extLst>
+              </p:cNvPr>
+              <p:cNvPicPr/>
+              <p:nvPr/>
+            </p:nvPicPr>
+            <p:blipFill>
+              <a:blip r:embed="rId9"/>
+              <a:stretch>
+                <a:fillRect/>
+              </a:stretch>
+            </p:blipFill>
+            <p:spPr>
+              <a:xfrm>
+                <a:off x="4014547" y="5249722"/>
+                <a:ext cx="1355760" cy="108000"/>
+              </a:xfrm>
+              <a:prstGeom prst="rect">
+                <a:avLst/>
+              </a:prstGeom>
+            </p:spPr>
+          </p:pic>
+        </mc:Fallback>
+      </mc:AlternateContent>
+      <p:grpSp>
+        <p:nvGrpSpPr>
+          <p:cNvPr id="39" name="그룹 38">
+            <a:extLst>
+              <a:ext uri="{FF2B5EF4-FFF2-40B4-BE49-F238E27FC236}">
+                <a16:creationId xmlns:a16="http://schemas.microsoft.com/office/drawing/2014/main" id="{A7A96AEA-7381-FB53-162D-103641CB4E57}"/>
+              </a:ext>
+            </a:extLst>
+          </p:cNvPr>
+          <p:cNvGrpSpPr/>
           <p:nvPr/>
-        </p:nvSpPr>
-        <p:spPr>
+        </p:nvGrpSpPr>
+        <p:grpSpPr>
           <a:xfrm>
-            <a:off x="7787433" y="1390492"/>
-            <a:ext cx="4637741" cy="1015663"/>
+            <a:off x="1733227" y="5275282"/>
+            <a:ext cx="2544120" cy="562320"/>
+            <a:chOff x="1733227" y="5275282"/>
+            <a:chExt cx="2544120" cy="562320"/>
           </a:xfrm>
-          <a:prstGeom prst="rect">
-            <a:avLst/>
-          </a:prstGeom>
-          <a:noFill/>
-        </p:spPr>
-        <p:txBody>
-          <a:bodyPr wrap="square">
-            <a:spAutoFit/>
-          </a:bodyPr>
-          <a:lstStyle/>
-          <a:p>
-            <a:r>
-              <a:rPr lang="en-US" altLang="ko-KR" sz="1200" dirty="0"/>
-              <a:t>                        </a:t>
-            </a:r>
-            <a:r>
-              <a:rPr lang="ko-KR" altLang="en-US" sz="1000" dirty="0"/>
-              <a:t>벡터의 절대값은 길이</a:t>
-            </a:r>
-            <a:r>
-              <a:rPr lang="en-US" altLang="ko-KR" sz="1000" dirty="0"/>
-              <a:t>(</a:t>
-            </a:r>
-            <a:r>
-              <a:rPr lang="ko-KR" altLang="en-US" sz="1000" dirty="0"/>
-              <a:t>크기</a:t>
-            </a:r>
-            <a:r>
-              <a:rPr lang="en-US" altLang="ko-KR" sz="1000" dirty="0"/>
-              <a:t>)</a:t>
-            </a:r>
-            <a:r>
-              <a:rPr lang="ko-KR" altLang="en-US" sz="1000" dirty="0"/>
-              <a:t>를 의미</a:t>
-            </a:r>
-            <a:endParaRPr lang="en-US" altLang="ko-KR" sz="1000" dirty="0"/>
-          </a:p>
-          <a:p>
-            <a:r>
-              <a:rPr lang="en-US" altLang="ko-KR" sz="1200" dirty="0"/>
-              <a:t>dot(</a:t>
-            </a:r>
-            <a:r>
-              <a:rPr lang="en-US" altLang="ko-KR" sz="1200" dirty="0" err="1"/>
-              <a:t>vecA,vecB</a:t>
-            </a:r>
-            <a:r>
-              <a:rPr lang="en-US" altLang="ko-KR" sz="1200" dirty="0"/>
-              <a:t>)  = </a:t>
-            </a:r>
-            <a:r>
-              <a:rPr lang="ko-KR" altLang="en-US" sz="1200" dirty="0"/>
-              <a:t> </a:t>
-            </a:r>
-            <a:r>
-              <a:rPr lang="en-US" altLang="ko-KR" sz="1200" dirty="0"/>
-              <a:t>| </a:t>
-            </a:r>
-            <a:r>
-              <a:rPr lang="en-US" altLang="ko-KR" sz="1200" dirty="0" err="1"/>
-              <a:t>vecA</a:t>
-            </a:r>
-            <a:r>
-              <a:rPr lang="en-US" altLang="ko-KR" sz="1200" dirty="0"/>
-              <a:t> | × | </a:t>
-            </a:r>
-            <a:r>
-              <a:rPr lang="en-US" altLang="ko-KR" sz="1200" dirty="0" err="1"/>
-              <a:t>vecB</a:t>
-            </a:r>
-            <a:r>
-              <a:rPr lang="en-US" altLang="ko-KR" sz="1200" dirty="0"/>
-              <a:t> | × cosΘ</a:t>
-            </a:r>
-          </a:p>
-          <a:p>
-            <a:r>
-              <a:rPr lang="en-US" altLang="ko-KR" sz="1200" dirty="0"/>
-              <a:t>saturate(Input) = input</a:t>
-            </a:r>
-            <a:r>
-              <a:rPr lang="ko-KR" altLang="en-US" sz="1200" dirty="0"/>
-              <a:t>의 각성분을</a:t>
-            </a:r>
-            <a:r>
-              <a:rPr lang="en-US" altLang="ko-KR" sz="1200" dirty="0"/>
-              <a:t> -&gt; 0~1 </a:t>
-            </a:r>
-            <a:r>
-              <a:rPr lang="ko-KR" altLang="en-US" sz="1200" dirty="0" err="1"/>
-              <a:t>잘라냄</a:t>
-            </a:r>
-            <a:endParaRPr lang="en-US" altLang="ko-KR" sz="1200" dirty="0"/>
-          </a:p>
-          <a:p>
-            <a:r>
-              <a:rPr lang="en-US" altLang="ko-KR" sz="1200" dirty="0"/>
-              <a:t>vec3Color</a:t>
-            </a:r>
-            <a:r>
-              <a:rPr lang="ko-KR" altLang="en-US" sz="1200" dirty="0"/>
-              <a:t> </a:t>
-            </a:r>
-            <a:r>
-              <a:rPr lang="en-US" altLang="ko-KR" sz="1200" dirty="0"/>
-              <a:t>=</a:t>
-            </a:r>
-            <a:r>
-              <a:rPr lang="ko-KR" altLang="en-US" sz="1200" dirty="0"/>
-              <a:t> </a:t>
-            </a:r>
-            <a:r>
-              <a:rPr lang="en-US" altLang="ko-KR" sz="1200" dirty="0" err="1"/>
-              <a:t>LightColor</a:t>
-            </a:r>
-            <a:r>
-              <a:rPr lang="en-US" altLang="ko-KR" sz="1200" dirty="0"/>
-              <a:t> * </a:t>
-            </a:r>
-            <a:r>
-              <a:rPr lang="en-US" altLang="ko-KR" sz="1200" dirty="0" err="1"/>
-              <a:t>ObjectColor</a:t>
-            </a:r>
-            <a:endParaRPr lang="ko-KR" altLang="en-US" sz="1200" dirty="0"/>
-          </a:p>
-          <a:p>
-            <a:endParaRPr lang="ko-KR" altLang="en-US" sz="1200" dirty="0"/>
-          </a:p>
-        </p:txBody>
-      </p:sp>
-      <p:sp>
-        <p:nvSpPr>
-          <p:cNvPr id="11" name="TextBox 10">
-            <a:extLst>
-              <a:ext uri="{FF2B5EF4-FFF2-40B4-BE49-F238E27FC236}">
-                <a16:creationId xmlns:a16="http://schemas.microsoft.com/office/drawing/2014/main" id="{8C3498EF-AFFD-7F88-CF09-BF6640B36B07}"/>
-              </a:ext>
-            </a:extLst>
-          </p:cNvPr>
-          <p:cNvSpPr txBox="1"/>
-          <p:nvPr/>
-        </p:nvSpPr>
-        <p:spPr>
-          <a:xfrm>
-            <a:off x="171744" y="4211383"/>
-            <a:ext cx="4842901" cy="2031325"/>
-          </a:xfrm>
-          <a:prstGeom prst="rect">
-            <a:avLst/>
-          </a:prstGeom>
-          <a:noFill/>
-        </p:spPr>
-        <p:txBody>
-          <a:bodyPr wrap="square">
-            <a:spAutoFit/>
-          </a:bodyPr>
-          <a:lstStyle/>
-          <a:p>
-            <a:r>
-              <a:rPr lang="en-US" altLang="ko-KR" sz="1800" dirty="0"/>
-              <a:t>|</a:t>
-            </a:r>
-            <a:r>
-              <a:rPr lang="ko-KR" altLang="en-US" sz="1800" dirty="0"/>
-              <a:t> </a:t>
-            </a:r>
-            <a:r>
-              <a:rPr lang="en-US" altLang="ko-KR" sz="1800" dirty="0" err="1"/>
-              <a:t>vecNormal</a:t>
-            </a:r>
-            <a:r>
-              <a:rPr lang="en-US" altLang="ko-KR" sz="1800" dirty="0"/>
-              <a:t> | × | -</a:t>
-            </a:r>
-            <a:r>
-              <a:rPr lang="en-US" altLang="ko-KR" sz="1800" dirty="0" err="1"/>
-              <a:t>vecLight</a:t>
-            </a:r>
-            <a:r>
-              <a:rPr lang="en-US" altLang="ko-KR" sz="1800" dirty="0"/>
-              <a:t> | × </a:t>
-            </a:r>
-            <a:r>
-              <a:rPr lang="en-US" altLang="ko-KR" sz="1800" dirty="0" err="1"/>
-              <a:t>cosΘ</a:t>
-            </a:r>
-            <a:r>
-              <a:rPr lang="en-US" altLang="ko-KR" sz="1800" dirty="0"/>
-              <a:t>   </a:t>
-            </a:r>
-          </a:p>
-          <a:p>
-            <a:r>
-              <a:rPr lang="en-US" altLang="ko-KR" sz="1800" dirty="0"/>
-              <a:t>=   1 x 1 x </a:t>
-            </a:r>
-            <a:r>
-              <a:rPr lang="en-US" altLang="ko-KR" sz="1800" dirty="0" err="1">
-                <a:hlinkClick r:id="rId2"/>
-              </a:rPr>
-              <a:t>cosΘ</a:t>
-            </a:r>
-            <a:r>
-              <a:rPr lang="en-US" altLang="ko-KR" sz="1800" dirty="0"/>
-              <a:t>   </a:t>
-            </a:r>
-          </a:p>
-          <a:p>
-            <a:r>
-              <a:rPr lang="en-US" altLang="ko-KR" sz="1800" dirty="0"/>
-              <a:t>=  -1.0 ~ 1.0  </a:t>
-            </a:r>
-            <a:r>
-              <a:rPr lang="ko-KR" altLang="en-US" dirty="0"/>
-              <a:t>    </a:t>
-            </a:r>
-            <a:endParaRPr lang="en-US" altLang="ko-KR" dirty="0"/>
-          </a:p>
-          <a:p>
-            <a:endParaRPr lang="en-US" altLang="ko-KR" dirty="0"/>
-          </a:p>
-          <a:p>
-            <a:r>
-              <a:rPr lang="en-US" altLang="ko-KR" dirty="0"/>
-              <a:t>0~90 </a:t>
-            </a:r>
-            <a:r>
-              <a:rPr lang="ko-KR" altLang="en-US" dirty="0"/>
-              <a:t>도     값의 범위는  </a:t>
-            </a:r>
-            <a:r>
-              <a:rPr lang="en-US" altLang="ko-KR" dirty="0"/>
-              <a:t>1.0 ~ 0.0 </a:t>
-            </a:r>
-          </a:p>
-          <a:p>
-            <a:r>
-              <a:rPr lang="en-US" altLang="ko-KR" dirty="0"/>
-              <a:t>90~270</a:t>
-            </a:r>
-            <a:r>
-              <a:rPr lang="ko-KR" altLang="en-US" dirty="0"/>
-              <a:t>도</a:t>
-            </a:r>
-            <a:r>
-              <a:rPr lang="en-US" altLang="ko-KR" dirty="0"/>
-              <a:t>                     0.0 ~ -1 ~ 0.0</a:t>
-            </a:r>
-          </a:p>
-          <a:p>
-            <a:r>
-              <a:rPr lang="en-US" altLang="ko-KR" dirty="0"/>
-              <a:t>270~360</a:t>
-            </a:r>
-            <a:r>
-              <a:rPr lang="ko-KR" altLang="en-US" dirty="0"/>
-              <a:t>도</a:t>
-            </a:r>
-            <a:r>
-              <a:rPr lang="en-US" altLang="ko-KR" dirty="0"/>
-              <a:t>                   0.0 ~ 1.0 </a:t>
-            </a:r>
-            <a:endParaRPr lang="en-US" altLang="ko-KR" sz="1800" dirty="0"/>
-          </a:p>
-        </p:txBody>
-      </p:sp>
-      <p:cxnSp>
-        <p:nvCxnSpPr>
-          <p:cNvPr id="33" name="직선 화살표 연결선 32">
-            <a:extLst>
-              <a:ext uri="{FF2B5EF4-FFF2-40B4-BE49-F238E27FC236}">
-                <a16:creationId xmlns:a16="http://schemas.microsoft.com/office/drawing/2014/main" id="{025673CB-9134-4128-4801-326D5A0A15A5}"/>
-              </a:ext>
-            </a:extLst>
-          </p:cNvPr>
-          <p:cNvCxnSpPr/>
-          <p:nvPr/>
-        </p:nvCxnSpPr>
-        <p:spPr>
-          <a:xfrm>
-            <a:off x="3945965" y="1534499"/>
-            <a:ext cx="470474" cy="0"/>
-          </a:xfrm>
-          <a:prstGeom prst="straightConnector1">
-            <a:avLst/>
-          </a:prstGeom>
-          <a:ln w="38100">
-            <a:solidFill>
-              <a:schemeClr val="tx1"/>
-            </a:solidFill>
-            <a:tailEnd type="triangle"/>
-          </a:ln>
-        </p:spPr>
-        <p:style>
-          <a:lnRef idx="1">
-            <a:schemeClr val="accent1"/>
-          </a:lnRef>
-          <a:fillRef idx="0">
-            <a:schemeClr val="accent1"/>
-          </a:fillRef>
-          <a:effectRef idx="0">
-            <a:schemeClr val="accent1"/>
-          </a:effectRef>
-          <a:fontRef idx="minor">
-            <a:schemeClr val="tx1"/>
-          </a:fontRef>
-        </p:style>
-      </p:cxnSp>
-      <p:cxnSp>
-        <p:nvCxnSpPr>
-          <p:cNvPr id="34" name="직선 화살표 연결선 33">
-            <a:extLst>
-              <a:ext uri="{FF2B5EF4-FFF2-40B4-BE49-F238E27FC236}">
-                <a16:creationId xmlns:a16="http://schemas.microsoft.com/office/drawing/2014/main" id="{B2017015-D199-A212-03B1-F4981E749399}"/>
-              </a:ext>
-            </a:extLst>
-          </p:cNvPr>
-          <p:cNvCxnSpPr>
-            <a:cxnSpLocks/>
-          </p:cNvCxnSpPr>
-          <p:nvPr/>
-        </p:nvCxnSpPr>
-        <p:spPr>
-          <a:xfrm flipV="1">
-            <a:off x="5134447" y="1534499"/>
-            <a:ext cx="555811" cy="10242"/>
-          </a:xfrm>
-          <a:prstGeom prst="straightConnector1">
-            <a:avLst/>
-          </a:prstGeom>
-          <a:ln w="38100">
-            <a:solidFill>
-              <a:srgbClr val="FF0000"/>
-            </a:solidFill>
-            <a:tailEnd type="triangle"/>
-          </a:ln>
-        </p:spPr>
-        <p:style>
-          <a:lnRef idx="1">
-            <a:schemeClr val="accent1"/>
-          </a:lnRef>
-          <a:fillRef idx="0">
-            <a:schemeClr val="accent1"/>
-          </a:fillRef>
-          <a:effectRef idx="0">
-            <a:schemeClr val="accent1"/>
-          </a:effectRef>
-          <a:fontRef idx="minor">
-            <a:schemeClr val="tx1"/>
-          </a:fontRef>
-        </p:style>
-      </p:cxnSp>
-      <p:sp>
-        <p:nvSpPr>
-          <p:cNvPr id="3" name="TextBox 2">
-            <a:extLst>
-              <a:ext uri="{FF2B5EF4-FFF2-40B4-BE49-F238E27FC236}">
-                <a16:creationId xmlns:a16="http://schemas.microsoft.com/office/drawing/2014/main" id="{A2D02D1A-0DF7-7630-BDFA-7B8D383A3D14}"/>
-              </a:ext>
-            </a:extLst>
-          </p:cNvPr>
-          <p:cNvSpPr txBox="1"/>
-          <p:nvPr/>
-        </p:nvSpPr>
-        <p:spPr>
-          <a:xfrm>
-            <a:off x="388755" y="1621325"/>
-            <a:ext cx="7327453" cy="538609"/>
-          </a:xfrm>
-          <a:prstGeom prst="rect">
-            <a:avLst/>
-          </a:prstGeom>
-          <a:noFill/>
-        </p:spPr>
-        <p:txBody>
-          <a:bodyPr wrap="square" rtlCol="0">
-            <a:spAutoFit/>
-          </a:bodyPr>
-          <a:lstStyle/>
-          <a:p>
-            <a:r>
-              <a:rPr lang="en-US" altLang="ko-KR" dirty="0"/>
-              <a:t>vec3FinalColor = saturate( </a:t>
-            </a:r>
-            <a:r>
-              <a:rPr lang="en-US" altLang="ko-KR" dirty="0">
-                <a:solidFill>
-                  <a:srgbClr val="0070C0"/>
-                </a:solidFill>
-              </a:rPr>
-              <a:t>dot(vec3Normal,-vec3Light) </a:t>
-            </a:r>
-            <a:r>
-              <a:rPr lang="en-US" altLang="ko-KR" dirty="0"/>
-              <a:t>* vec3Color ) </a:t>
-            </a:r>
-          </a:p>
-          <a:p>
-            <a:pPr marL="171450" indent="-171450">
-              <a:buFont typeface="Arial" panose="020B0604020202020204" pitchFamily="34" charset="0"/>
-              <a:buChar char="•"/>
-            </a:pPr>
-            <a:endParaRPr lang="ko-KR" altLang="en-US" sz="1100" dirty="0">
-              <a:solidFill>
-                <a:srgbClr val="002060"/>
-              </a:solidFill>
-            </a:endParaRPr>
-          </a:p>
-        </p:txBody>
-      </p:sp>
-      <p:sp>
-        <p:nvSpPr>
-          <p:cNvPr id="6" name="TextBox 5">
-            <a:extLst>
-              <a:ext uri="{FF2B5EF4-FFF2-40B4-BE49-F238E27FC236}">
-                <a16:creationId xmlns:a16="http://schemas.microsoft.com/office/drawing/2014/main" id="{E804DB1F-C9B1-60D2-FB3B-173BFDE6C56E}"/>
-              </a:ext>
-            </a:extLst>
-          </p:cNvPr>
-          <p:cNvSpPr txBox="1"/>
-          <p:nvPr/>
-        </p:nvSpPr>
-        <p:spPr>
-          <a:xfrm>
-            <a:off x="3745826" y="1208581"/>
-            <a:ext cx="870751" cy="246221"/>
-          </a:xfrm>
-          <a:prstGeom prst="rect">
-            <a:avLst/>
-          </a:prstGeom>
-          <a:noFill/>
-        </p:spPr>
-        <p:txBody>
-          <a:bodyPr wrap="none" rtlCol="0">
-            <a:spAutoFit/>
-          </a:bodyPr>
-          <a:lstStyle/>
-          <a:p>
-            <a:r>
-              <a:rPr lang="ko-KR" altLang="en-US" sz="1000" dirty="0"/>
-              <a:t>표면의 방향</a:t>
-            </a:r>
-          </a:p>
-        </p:txBody>
-      </p:sp>
-      <p:sp>
-        <p:nvSpPr>
-          <p:cNvPr id="8" name="TextBox 7">
-            <a:extLst>
-              <a:ext uri="{FF2B5EF4-FFF2-40B4-BE49-F238E27FC236}">
-                <a16:creationId xmlns:a16="http://schemas.microsoft.com/office/drawing/2014/main" id="{AB8D2202-B23D-0AE7-3F3A-B418BD52CCC1}"/>
-              </a:ext>
-            </a:extLst>
-          </p:cNvPr>
-          <p:cNvSpPr txBox="1"/>
-          <p:nvPr/>
-        </p:nvSpPr>
-        <p:spPr>
-          <a:xfrm>
-            <a:off x="5014646" y="1216159"/>
-            <a:ext cx="795411" cy="246221"/>
-          </a:xfrm>
-          <a:prstGeom prst="rect">
-            <a:avLst/>
-          </a:prstGeom>
-          <a:noFill/>
-        </p:spPr>
-        <p:txBody>
-          <a:bodyPr wrap="none" rtlCol="0">
-            <a:spAutoFit/>
-          </a:bodyPr>
-          <a:lstStyle/>
-          <a:p>
-            <a:r>
-              <a:rPr lang="en-US" altLang="ko-KR" sz="1000" dirty="0"/>
-              <a:t>-</a:t>
-            </a:r>
-            <a:r>
-              <a:rPr lang="ko-KR" altLang="en-US" sz="1000" dirty="0"/>
-              <a:t>빛의 방향</a:t>
-            </a:r>
-          </a:p>
-        </p:txBody>
-      </p:sp>
-      <p:sp>
-        <p:nvSpPr>
-          <p:cNvPr id="16" name="TextBox 15">
-            <a:extLst>
-              <a:ext uri="{FF2B5EF4-FFF2-40B4-BE49-F238E27FC236}">
-                <a16:creationId xmlns:a16="http://schemas.microsoft.com/office/drawing/2014/main" id="{438C3772-C3B7-A6F0-0CBB-71AAF122950A}"/>
-              </a:ext>
-            </a:extLst>
-          </p:cNvPr>
-          <p:cNvSpPr txBox="1"/>
-          <p:nvPr/>
-        </p:nvSpPr>
-        <p:spPr>
-          <a:xfrm>
-            <a:off x="567441" y="3915628"/>
-            <a:ext cx="3110147" cy="307777"/>
-          </a:xfrm>
-          <a:prstGeom prst="rect">
-            <a:avLst/>
-          </a:prstGeom>
-          <a:noFill/>
-        </p:spPr>
-        <p:txBody>
-          <a:bodyPr wrap="none" rtlCol="0">
-            <a:spAutoFit/>
-          </a:bodyPr>
-          <a:lstStyle/>
-          <a:p>
-            <a:r>
-              <a:rPr lang="ko-KR" altLang="en-US" sz="1400" dirty="0"/>
-              <a:t>길이가 </a:t>
-            </a:r>
-            <a:r>
-              <a:rPr lang="en-US" altLang="ko-KR" sz="1400" dirty="0"/>
-              <a:t>1</a:t>
-            </a:r>
-            <a:r>
-              <a:rPr lang="ko-KR" altLang="en-US" sz="1400" dirty="0"/>
-              <a:t>인 방향벡터들은 생략 가능 </a:t>
-            </a:r>
-          </a:p>
-        </p:txBody>
-      </p:sp>
-      <p:sp>
-        <p:nvSpPr>
-          <p:cNvPr id="17" name="TextBox 16">
-            <a:extLst>
-              <a:ext uri="{FF2B5EF4-FFF2-40B4-BE49-F238E27FC236}">
-                <a16:creationId xmlns:a16="http://schemas.microsoft.com/office/drawing/2014/main" id="{7434B793-644C-A7E3-5007-A5ADA579C867}"/>
-              </a:ext>
-            </a:extLst>
-          </p:cNvPr>
-          <p:cNvSpPr txBox="1"/>
-          <p:nvPr/>
-        </p:nvSpPr>
-        <p:spPr>
-          <a:xfrm>
-            <a:off x="335429" y="2385620"/>
-            <a:ext cx="7800725" cy="1200329"/>
-          </a:xfrm>
-          <a:prstGeom prst="rect">
-            <a:avLst/>
-          </a:prstGeom>
-          <a:noFill/>
-        </p:spPr>
-        <p:txBody>
-          <a:bodyPr wrap="none" rtlCol="0">
-            <a:spAutoFit/>
-          </a:bodyPr>
-          <a:lstStyle/>
-          <a:p>
-            <a:r>
-              <a:rPr lang="ko-KR" altLang="en-US" dirty="0"/>
-              <a:t>이 식을 이해 하려면 </a:t>
-            </a:r>
-            <a:endParaRPr lang="en-US" altLang="ko-KR" dirty="0"/>
-          </a:p>
-          <a:p>
-            <a:pPr marL="342900" indent="-342900">
-              <a:buAutoNum type="alphaLcPeriod"/>
-            </a:pPr>
-            <a:r>
-              <a:rPr lang="en-US" altLang="ko-KR" dirty="0"/>
-              <a:t>vector normalize </a:t>
-            </a:r>
-            <a:r>
-              <a:rPr lang="ko-KR" altLang="en-US" dirty="0"/>
-              <a:t>결과인 길이가 </a:t>
-            </a:r>
-            <a:r>
-              <a:rPr lang="en-US" altLang="ko-KR" dirty="0"/>
-              <a:t>1</a:t>
-            </a:r>
-            <a:r>
-              <a:rPr lang="ko-KR" altLang="en-US" dirty="0"/>
-              <a:t>인 단위벡터의 의미 </a:t>
-            </a:r>
-            <a:endParaRPr lang="en-US" altLang="ko-KR" dirty="0"/>
-          </a:p>
-          <a:p>
-            <a:r>
-              <a:rPr lang="en-US" altLang="ko-KR" dirty="0"/>
-              <a:t>b.</a:t>
-            </a:r>
-            <a:r>
-              <a:rPr lang="ko-KR" altLang="en-US" dirty="0"/>
-              <a:t> 벡터가 </a:t>
-            </a:r>
-            <a:r>
-              <a:rPr lang="ko-KR" altLang="en-US" dirty="0" err="1"/>
-              <a:t>단위벡터인</a:t>
-            </a:r>
-            <a:r>
-              <a:rPr lang="ko-KR" altLang="en-US" dirty="0"/>
-              <a:t> </a:t>
-            </a:r>
-            <a:r>
-              <a:rPr lang="en-US" altLang="ko-KR" dirty="0"/>
-              <a:t>Dot Product </a:t>
-            </a:r>
-            <a:r>
-              <a:rPr lang="ko-KR" altLang="en-US" dirty="0"/>
-              <a:t>의  </a:t>
-            </a:r>
-            <a:r>
-              <a:rPr lang="en-US" altLang="ko-KR" dirty="0"/>
-              <a:t>| </a:t>
-            </a:r>
-            <a:r>
-              <a:rPr lang="en-US" altLang="ko-KR" dirty="0" err="1"/>
-              <a:t>vecA</a:t>
-            </a:r>
-            <a:r>
-              <a:rPr lang="en-US" altLang="ko-KR" dirty="0"/>
-              <a:t> | * | </a:t>
-            </a:r>
-            <a:r>
-              <a:rPr lang="en-US" altLang="ko-KR" dirty="0" err="1"/>
-              <a:t>vecB</a:t>
-            </a:r>
-            <a:r>
-              <a:rPr lang="en-US" altLang="ko-KR" dirty="0"/>
-              <a:t> | * </a:t>
-            </a:r>
-            <a:r>
-              <a:rPr lang="en-US" altLang="ko-KR" dirty="0" err="1"/>
-              <a:t>cos</a:t>
-            </a:r>
-            <a:r>
-              <a:rPr lang="en-US" altLang="ko-KR" sz="1800" dirty="0" err="1"/>
-              <a:t>Θ</a:t>
-            </a:r>
-            <a:r>
-              <a:rPr lang="en-US" altLang="ko-KR" sz="1800" dirty="0"/>
-              <a:t>  </a:t>
-            </a:r>
-            <a:r>
-              <a:rPr lang="ko-KR" altLang="en-US" sz="1800" dirty="0"/>
-              <a:t>의 의미</a:t>
-            </a:r>
-            <a:r>
-              <a:rPr lang="en-US" altLang="ko-KR" sz="1800" dirty="0"/>
-              <a:t> </a:t>
-            </a:r>
-            <a:endParaRPr lang="en-US" altLang="ko-KR" dirty="0"/>
-          </a:p>
-          <a:p>
-            <a:endParaRPr lang="ko-KR" altLang="en-US" dirty="0"/>
-          </a:p>
-        </p:txBody>
-      </p:sp>
-      <p:pic>
-        <p:nvPicPr>
-          <p:cNvPr id="1026" name="Picture 2" descr="코사인함수의 그래프 – GeoGebra">
-            <a:extLst>
-              <a:ext uri="{FF2B5EF4-FFF2-40B4-BE49-F238E27FC236}">
-                <a16:creationId xmlns:a16="http://schemas.microsoft.com/office/drawing/2014/main" id="{9B95C27A-37C8-5822-BB6D-6A37B243A466}"/>
-              </a:ext>
-            </a:extLst>
-          </p:cNvPr>
-          <p:cNvPicPr>
-            <a:picLocks noChangeAspect="1" noChangeArrowheads="1"/>
-          </p:cNvPicPr>
-          <p:nvPr/>
-        </p:nvPicPr>
-        <p:blipFill>
-          <a:blip r:embed="rId3">
-            <a:extLst>
-              <a:ext uri="{28A0092B-C50C-407E-A947-70E740481C1C}">
-                <a14:useLocalDpi xmlns:a14="http://schemas.microsoft.com/office/drawing/2010/main" val="0"/>
-              </a:ext>
-            </a:extLst>
-          </a:blip>
-          <a:srcRect/>
-          <a:stretch>
-            <a:fillRect/>
-          </a:stretch>
-        </p:blipFill>
-        <p:spPr bwMode="auto">
-          <a:xfrm>
-            <a:off x="4749333" y="4211383"/>
-            <a:ext cx="6667500" cy="1790700"/>
-          </a:xfrm>
-          <a:prstGeom prst="rect">
-            <a:avLst/>
-          </a:prstGeom>
-          <a:noFill/>
-          <a:extLst>
-            <a:ext uri="{909E8E84-426E-40DD-AFC4-6F175D3DCCD1}">
-              <a14:hiddenFill xmlns:a14="http://schemas.microsoft.com/office/drawing/2010/main">
-                <a:solidFill>
-                  <a:srgbClr val="FFFFFF"/>
-                </a:solidFill>
-              </a14:hiddenFill>
-            </a:ext>
-          </a:extLst>
-        </p:spPr>
-      </p:pic>
+        </p:grpSpPr>
+        <mc:AlternateContent xmlns:mc="http://schemas.openxmlformats.org/markup-compatibility/2006">
+          <mc:Choice xmlns:p14="http://schemas.microsoft.com/office/powerpoint/2010/main" xmlns:aink="http://schemas.microsoft.com/office/drawing/2016/ink" Requires="p14 aink">
+            <p:contentPart p14:bwMode="auto" r:id="rId10">
+              <p14:nvContentPartPr>
+                <p14:cNvPr id="37" name="잉크 36">
+                  <a:extLst>
+                    <a:ext uri="{FF2B5EF4-FFF2-40B4-BE49-F238E27FC236}">
+                      <a16:creationId xmlns:a16="http://schemas.microsoft.com/office/drawing/2014/main" id="{4F2D16CA-9E80-01C4-560B-731382C07F69}"/>
+                    </a:ext>
+                  </a:extLst>
+                </p14:cNvPr>
+                <p14:cNvContentPartPr/>
+                <p14:nvPr/>
+              </p14:nvContentPartPr>
+              <p14:xfrm>
+                <a:off x="1733227" y="5275282"/>
+                <a:ext cx="2034360" cy="562320"/>
+              </p14:xfrm>
+            </p:contentPart>
+          </mc:Choice>
+          <mc:Fallback>
+            <p:pic>
+              <p:nvPicPr>
+                <p:cNvPr id="37" name="잉크 36">
+                  <a:extLst>
+                    <a:ext uri="{FF2B5EF4-FFF2-40B4-BE49-F238E27FC236}">
+                      <a16:creationId xmlns:a16="http://schemas.microsoft.com/office/drawing/2014/main" id="{4F2D16CA-9E80-01C4-560B-731382C07F69}"/>
+                    </a:ext>
+                  </a:extLst>
+                </p:cNvPr>
+                <p:cNvPicPr/>
+                <p:nvPr/>
+              </p:nvPicPr>
+              <p:blipFill>
+                <a:blip r:embed="rId11"/>
+                <a:stretch>
+                  <a:fillRect/>
+                </a:stretch>
+              </p:blipFill>
+              <p:spPr>
+                <a:xfrm>
+                  <a:off x="1724227" y="5221282"/>
+                  <a:ext cx="2052000" cy="669960"/>
+                </a:xfrm>
+                <a:prstGeom prst="rect">
+                  <a:avLst/>
+                </a:prstGeom>
+              </p:spPr>
+            </p:pic>
+          </mc:Fallback>
+        </mc:AlternateContent>
+        <mc:AlternateContent xmlns:mc="http://schemas.openxmlformats.org/markup-compatibility/2006">
+          <mc:Choice xmlns:p14="http://schemas.microsoft.com/office/powerpoint/2010/main" xmlns:aink="http://schemas.microsoft.com/office/drawing/2016/ink" Requires="p14 aink">
+            <p:contentPart p14:bwMode="auto" r:id="rId12">
+              <p14:nvContentPartPr>
+                <p14:cNvPr id="38" name="잉크 37">
+                  <a:extLst>
+                    <a:ext uri="{FF2B5EF4-FFF2-40B4-BE49-F238E27FC236}">
+                      <a16:creationId xmlns:a16="http://schemas.microsoft.com/office/drawing/2014/main" id="{47D7F452-9F43-3304-7948-8A71450031E7}"/>
+                    </a:ext>
+                  </a:extLst>
+                </p14:cNvPr>
+                <p14:cNvContentPartPr/>
+                <p14:nvPr/>
+              </p14:nvContentPartPr>
+              <p14:xfrm>
+                <a:off x="4030387" y="5331082"/>
+                <a:ext cx="246960" cy="360360"/>
+              </p14:xfrm>
+            </p:contentPart>
+          </mc:Choice>
+          <mc:Fallback>
+            <p:pic>
+              <p:nvPicPr>
+                <p:cNvPr id="38" name="잉크 37">
+                  <a:extLst>
+                    <a:ext uri="{FF2B5EF4-FFF2-40B4-BE49-F238E27FC236}">
+                      <a16:creationId xmlns:a16="http://schemas.microsoft.com/office/drawing/2014/main" id="{47D7F452-9F43-3304-7948-8A71450031E7}"/>
+                    </a:ext>
+                  </a:extLst>
+                </p:cNvPr>
+                <p:cNvPicPr/>
+                <p:nvPr/>
+              </p:nvPicPr>
+              <p:blipFill>
+                <a:blip r:embed="rId13"/>
+                <a:stretch>
+                  <a:fillRect/>
+                </a:stretch>
+              </p:blipFill>
+              <p:spPr>
+                <a:xfrm>
+                  <a:off x="4021387" y="5277442"/>
+                  <a:ext cx="264600" cy="468000"/>
+                </a:xfrm>
+                <a:prstGeom prst="rect">
+                  <a:avLst/>
+                </a:prstGeom>
+              </p:spPr>
+            </p:pic>
+          </mc:Fallback>
+        </mc:AlternateContent>
+      </p:grpSp>
     </p:spTree>
     <p:extLst>
       <p:ext uri="{BB962C8B-B14F-4D97-AF65-F5344CB8AC3E}">
-        <p14:creationId xmlns:p14="http://schemas.microsoft.com/office/powerpoint/2010/main" val="2675551121"/>
+        <p14:creationId xmlns:p14="http://schemas.microsoft.com/office/powerpoint/2010/main" val="2545197792"/>
       </p:ext>
     </p:extLst>
   </p:cSld>
